--- a/Präsentation/Präsentation.pptx
+++ b/Präsentation/Präsentation.pptx
@@ -5,15 +5,15 @@
     <p:sldMasterId id="2147483660" r:id="rId1"/>
   </p:sldMasterIdLst>
   <p:notesMasterIdLst>
-    <p:notesMasterId r:id="rId39"/>
+    <p:notesMasterId r:id="rId41"/>
   </p:notesMasterIdLst>
   <p:sldIdLst>
     <p:sldId id="256" r:id="rId2"/>
     <p:sldId id="257" r:id="rId3"/>
     <p:sldId id="262" r:id="rId4"/>
     <p:sldId id="258" r:id="rId5"/>
-    <p:sldId id="279" r:id="rId6"/>
-    <p:sldId id="277" r:id="rId7"/>
+    <p:sldId id="277" r:id="rId6"/>
+    <p:sldId id="279" r:id="rId7"/>
     <p:sldId id="280" r:id="rId8"/>
     <p:sldId id="260" r:id="rId9"/>
     <p:sldId id="261" r:id="rId10"/>
@@ -39,12 +39,14 @@
     <p:sldId id="276" r:id="rId30"/>
     <p:sldId id="289" r:id="rId31"/>
     <p:sldId id="290" r:id="rId32"/>
-    <p:sldId id="292" r:id="rId33"/>
-    <p:sldId id="291" r:id="rId34"/>
-    <p:sldId id="267" r:id="rId35"/>
-    <p:sldId id="268" r:id="rId36"/>
-    <p:sldId id="269" r:id="rId37"/>
-    <p:sldId id="270" r:id="rId38"/>
+    <p:sldId id="299" r:id="rId33"/>
+    <p:sldId id="292" r:id="rId34"/>
+    <p:sldId id="291" r:id="rId35"/>
+    <p:sldId id="267" r:id="rId36"/>
+    <p:sldId id="268" r:id="rId37"/>
+    <p:sldId id="269" r:id="rId38"/>
+    <p:sldId id="270" r:id="rId39"/>
+    <p:sldId id="300" r:id="rId40"/>
   </p:sldIdLst>
   <p:sldSz cx="12192000" cy="6858000"/>
   <p:notesSz cx="6858000" cy="9144000"/>
@@ -233,7 +235,7 @@
           <a:p>
             <a:fld id="{F785B1FE-AA4E-4B71-B439-5205AC576DE5}" type="datetimeFigureOut">
               <a:rPr lang="de-DE" smtClean="0"/>
-              <a:t>22.01.2024</a:t>
+              <a:t>23.01.2024</a:t>
             </a:fld>
             <a:endParaRPr lang="de-DE"/>
           </a:p>
@@ -649,7 +651,7 @@
           <a:p>
             <a:fld id="{9CF00228-6035-49D6-8AF9-769342E803A1}" type="slidenum">
               <a:rPr lang="de-DE" smtClean="0"/>
-              <a:t>32</a:t>
+              <a:t>33</a:t>
             </a:fld>
             <a:endParaRPr lang="de-DE"/>
           </a:p>
@@ -1390,7 +1392,7 @@
           <a:p>
             <a:fld id="{F3D5F5E2-CAA7-4A86-923E-CD0D77B5BA3E}" type="datetime1">
               <a:rPr lang="de-DE" smtClean="0"/>
-              <a:t>22.01.2024</a:t>
+              <a:t>23.01.2024</a:t>
             </a:fld>
             <a:endParaRPr lang="de-DE"/>
           </a:p>
@@ -1641,7 +1643,7 @@
           <a:p>
             <a:fld id="{18FB25EA-C6EB-430A-B5D9-BE5DC8B65D4D}" type="datetime1">
               <a:rPr lang="de-DE" smtClean="0"/>
-              <a:t>22.01.2024</a:t>
+              <a:t>23.01.2024</a:t>
             </a:fld>
             <a:endParaRPr lang="de-DE"/>
           </a:p>
@@ -1955,7 +1957,7 @@
           <a:p>
             <a:fld id="{CB70986C-A2A0-4B0B-A989-D05492E3F019}" type="datetime1">
               <a:rPr lang="de-DE" smtClean="0"/>
-              <a:t>22.01.2024</a:t>
+              <a:t>23.01.2024</a:t>
             </a:fld>
             <a:endParaRPr lang="de-DE"/>
           </a:p>
@@ -2296,7 +2298,7 @@
           <a:p>
             <a:fld id="{4D4B04D7-A908-4F78-A07D-B2F344B051CE}" type="datetime1">
               <a:rPr lang="de-DE" smtClean="0"/>
-              <a:t>22.01.2024</a:t>
+              <a:t>23.01.2024</a:t>
             </a:fld>
             <a:endParaRPr lang="de-DE"/>
           </a:p>
@@ -2610,7 +2612,7 @@
           <a:p>
             <a:fld id="{C5D46E81-2EDF-431D-A82A-20A1C8876F74}" type="datetime1">
               <a:rPr lang="de-DE" smtClean="0"/>
-              <a:t>22.01.2024</a:t>
+              <a:t>23.01.2024</a:t>
             </a:fld>
             <a:endParaRPr lang="de-DE"/>
           </a:p>
@@ -3003,7 +3005,7 @@
           <a:p>
             <a:fld id="{768C5565-0D1F-494B-AE08-C0EA741D195F}" type="datetime1">
               <a:rPr lang="de-DE" smtClean="0"/>
-              <a:t>22.01.2024</a:t>
+              <a:t>23.01.2024</a:t>
             </a:fld>
             <a:endParaRPr lang="de-DE"/>
           </a:p>
@@ -3173,7 +3175,7 @@
           <a:p>
             <a:fld id="{45BC0227-B264-4A8D-A7A3-485F3FA0E050}" type="datetime1">
               <a:rPr lang="de-DE" smtClean="0"/>
-              <a:t>22.01.2024</a:t>
+              <a:t>23.01.2024</a:t>
             </a:fld>
             <a:endParaRPr lang="de-DE"/>
           </a:p>
@@ -3353,7 +3355,7 @@
           <a:p>
             <a:fld id="{3C81F6E3-D786-4208-83A2-DE1BCC9292C8}" type="datetime1">
               <a:rPr lang="de-DE" smtClean="0"/>
-              <a:t>22.01.2024</a:t>
+              <a:t>23.01.2024</a:t>
             </a:fld>
             <a:endParaRPr lang="de-DE"/>
           </a:p>
@@ -3529,7 +3531,7 @@
           <a:p>
             <a:fld id="{87765F55-933A-4F02-A06B-603B73ECF528}" type="datetime1">
               <a:rPr lang="de-DE" smtClean="0"/>
-              <a:t>22.01.2024</a:t>
+              <a:t>23.01.2024</a:t>
             </a:fld>
             <a:endParaRPr lang="de-DE"/>
           </a:p>
@@ -3776,7 +3778,7 @@
           <a:p>
             <a:fld id="{73AF31B1-0B6E-4C25-AB68-E33A9E7C7C6A}" type="datetime1">
               <a:rPr lang="de-DE" smtClean="0"/>
-              <a:t>22.01.2024</a:t>
+              <a:t>23.01.2024</a:t>
             </a:fld>
             <a:endParaRPr lang="de-DE"/>
           </a:p>
@@ -4008,7 +4010,7 @@
           <a:p>
             <a:fld id="{6AACAE4E-D1D5-4FA9-9AC9-CAC177FFEC21}" type="datetime1">
               <a:rPr lang="de-DE" smtClean="0"/>
-              <a:t>22.01.2024</a:t>
+              <a:t>23.01.2024</a:t>
             </a:fld>
             <a:endParaRPr lang="de-DE"/>
           </a:p>
@@ -4382,7 +4384,7 @@
           <a:p>
             <a:fld id="{8D8215C6-441F-437A-A02F-D67B26A3F6EA}" type="datetime1">
               <a:rPr lang="de-DE" smtClean="0"/>
-              <a:t>22.01.2024</a:t>
+              <a:t>23.01.2024</a:t>
             </a:fld>
             <a:endParaRPr lang="de-DE"/>
           </a:p>
@@ -4505,7 +4507,7 @@
           <a:p>
             <a:fld id="{F5DD57FA-E32A-4E89-B83E-510321E7A173}" type="datetime1">
               <a:rPr lang="de-DE" smtClean="0"/>
-              <a:t>22.01.2024</a:t>
+              <a:t>23.01.2024</a:t>
             </a:fld>
             <a:endParaRPr lang="de-DE"/>
           </a:p>
@@ -4600,7 +4602,7 @@
           <a:p>
             <a:fld id="{923FBCCF-369D-4EC0-8E7A-1FC2EF49DA4B}" type="datetime1">
               <a:rPr lang="de-DE" smtClean="0"/>
-              <a:t>22.01.2024</a:t>
+              <a:t>23.01.2024</a:t>
             </a:fld>
             <a:endParaRPr lang="de-DE"/>
           </a:p>
@@ -4855,7 +4857,7 @@
           <a:p>
             <a:fld id="{F74CAD67-AF59-4087-AA5B-1157A8A7B512}" type="datetime1">
               <a:rPr lang="de-DE" smtClean="0"/>
-              <a:t>22.01.2024</a:t>
+              <a:t>23.01.2024</a:t>
             </a:fld>
             <a:endParaRPr lang="de-DE"/>
           </a:p>
@@ -5118,7 +5120,7 @@
           <a:p>
             <a:fld id="{824E2DD9-5AA9-4178-8AA3-2455094E9E1B}" type="datetime1">
               <a:rPr lang="de-DE" smtClean="0"/>
-              <a:t>22.01.2024</a:t>
+              <a:t>23.01.2024</a:t>
             </a:fld>
             <a:endParaRPr lang="de-DE"/>
           </a:p>
@@ -5861,7 +5863,7 @@
           <a:p>
             <a:fld id="{683B91BB-2537-42F5-B006-02E91203E35B}" type="datetime1">
               <a:rPr lang="de-DE" smtClean="0"/>
-              <a:t>22.01.2024</a:t>
+              <a:t>23.01.2024</a:t>
             </a:fld>
             <a:endParaRPr lang="de-DE"/>
           </a:p>
@@ -6798,33 +6800,15 @@
                                   </p:childTnLst>
                                 </p:cTn>
                               </p:par>
-                            </p:childTnLst>
-                          </p:cTn>
-                        </p:par>
-                      </p:childTnLst>
-                    </p:cTn>
-                  </p:par>
-                  <p:par>
-                    <p:cTn id="13" fill="hold">
-                      <p:stCondLst>
-                        <p:cond delay="indefinite"/>
-                      </p:stCondLst>
-                      <p:childTnLst>
-                        <p:par>
-                          <p:cTn id="14" fill="hold">
-                            <p:stCondLst>
-                              <p:cond delay="0"/>
-                            </p:stCondLst>
-                            <p:childTnLst>
                               <p:par>
-                                <p:cTn id="15" presetID="10" presetClass="entr" presetSubtype="0" fill="hold" nodeType="clickEffect">
+                                <p:cTn id="13" presetID="10" presetClass="entr" presetSubtype="0" fill="hold" nodeType="withEffect">
                                   <p:stCondLst>
                                     <p:cond delay="0"/>
                                   </p:stCondLst>
                                   <p:childTnLst>
                                     <p:set>
                                       <p:cBhvr>
-                                        <p:cTn id="16" dur="1" fill="hold">
+                                        <p:cTn id="14" dur="1" fill="hold">
                                           <p:stCondLst>
                                             <p:cond delay="0"/>
                                           </p:stCondLst>
@@ -6846,11 +6830,97 @@
                                     </p:set>
                                     <p:animEffect transition="in" filter="fade">
                                       <p:cBhvr>
-                                        <p:cTn id="17" dur="500"/>
+                                        <p:cTn id="15" dur="500"/>
                                         <p:tgtEl>
                                           <p:spTgt spid="5">
                                             <p:txEl>
                                               <p:pRg st="4" end="4"/>
+                                            </p:txEl>
+                                          </p:spTgt>
+                                        </p:tgtEl>
+                                      </p:cBhvr>
+                                    </p:animEffect>
+                                  </p:childTnLst>
+                                </p:cTn>
+                              </p:par>
+                              <p:par>
+                                <p:cTn id="16" presetID="10" presetClass="entr" presetSubtype="0" fill="hold" nodeType="withEffect">
+                                  <p:stCondLst>
+                                    <p:cond delay="0"/>
+                                  </p:stCondLst>
+                                  <p:childTnLst>
+                                    <p:set>
+                                      <p:cBhvr>
+                                        <p:cTn id="17" dur="1" fill="hold">
+                                          <p:stCondLst>
+                                            <p:cond delay="0"/>
+                                          </p:stCondLst>
+                                        </p:cTn>
+                                        <p:tgtEl>
+                                          <p:spTgt spid="5">
+                                            <p:txEl>
+                                              <p:pRg st="5" end="5"/>
+                                            </p:txEl>
+                                          </p:spTgt>
+                                        </p:tgtEl>
+                                        <p:attrNameLst>
+                                          <p:attrName>style.visibility</p:attrName>
+                                        </p:attrNameLst>
+                                      </p:cBhvr>
+                                      <p:to>
+                                        <p:strVal val="visible"/>
+                                      </p:to>
+                                    </p:set>
+                                    <p:animEffect transition="in" filter="fade">
+                                      <p:cBhvr>
+                                        <p:cTn id="18" dur="500"/>
+                                        <p:tgtEl>
+                                          <p:spTgt spid="5">
+                                            <p:txEl>
+                                              <p:pRg st="5" end="5"/>
+                                            </p:txEl>
+                                          </p:spTgt>
+                                        </p:tgtEl>
+                                      </p:cBhvr>
+                                    </p:animEffect>
+                                  </p:childTnLst>
+                                </p:cTn>
+                              </p:par>
+                              <p:par>
+                                <p:cTn id="19" presetID="10" presetClass="entr" presetSubtype="0" fill="hold" nodeType="withEffect">
+                                  <p:stCondLst>
+                                    <p:cond delay="0"/>
+                                  </p:stCondLst>
+                                  <p:childTnLst>
+                                    <p:set>
+                                      <p:cBhvr>
+                                        <p:cTn id="20" dur="1" fill="hold">
+                                          <p:stCondLst>
+                                            <p:cond delay="0"/>
+                                          </p:stCondLst>
+                                        </p:cTn>
+                                        <p:tgtEl>
+                                          <p:spTgt spid="5">
+                                            <p:txEl>
+                                              <p:pRg st="6" end="6"/>
+                                            </p:txEl>
+                                          </p:spTgt>
+                                        </p:tgtEl>
+                                        <p:attrNameLst>
+                                          <p:attrName>style.visibility</p:attrName>
+                                        </p:attrNameLst>
+                                      </p:cBhvr>
+                                      <p:to>
+                                        <p:strVal val="visible"/>
+                                      </p:to>
+                                    </p:set>
+                                    <p:animEffect transition="in" filter="fade">
+                                      <p:cBhvr>
+                                        <p:cTn id="21" dur="500"/>
+                                        <p:tgtEl>
+                                          <p:spTgt spid="5">
+                                            <p:txEl>
+                                              <p:pRg st="6" end="6"/>
                                             </p:txEl>
                                           </p:spTgt>
                                         </p:tgtEl>
@@ -6866,26 +6936,26 @@
                     </p:cTn>
                   </p:par>
                   <p:par>
-                    <p:cTn id="18" fill="hold">
+                    <p:cTn id="22" fill="hold">
                       <p:stCondLst>
                         <p:cond delay="indefinite"/>
                       </p:stCondLst>
                       <p:childTnLst>
                         <p:par>
-                          <p:cTn id="19" fill="hold">
+                          <p:cTn id="23" fill="hold">
                             <p:stCondLst>
                               <p:cond delay="0"/>
                             </p:stCondLst>
                             <p:childTnLst>
                               <p:par>
-                                <p:cTn id="20" presetID="10" presetClass="entr" presetSubtype="0" fill="hold" nodeType="clickEffect">
+                                <p:cTn id="24" presetID="10" presetClass="entr" presetSubtype="0" fill="hold" nodeType="clickEffect">
                                   <p:stCondLst>
                                     <p:cond delay="0"/>
                                   </p:stCondLst>
                                   <p:childTnLst>
                                     <p:set>
                                       <p:cBhvr>
-                                        <p:cTn id="21" dur="1" fill="hold">
+                                        <p:cTn id="25" dur="1" fill="hold">
                                           <p:stCondLst>
                                             <p:cond delay="0"/>
                                           </p:stCondLst>
@@ -6893,7 +6963,7 @@
                                         <p:tgtEl>
                                           <p:spTgt spid="5">
                                             <p:txEl>
-                                              <p:pRg st="5" end="5"/>
+                                              <p:pRg st="8" end="8"/>
                                             </p:txEl>
                                           </p:spTgt>
                                         </p:tgtEl>
@@ -6907,111 +6977,7 @@
                                     </p:set>
                                     <p:animEffect transition="in" filter="fade">
                                       <p:cBhvr>
-                                        <p:cTn id="22" dur="500"/>
-                                        <p:tgtEl>
-                                          <p:spTgt spid="5">
-                                            <p:txEl>
-                                              <p:pRg st="5" end="5"/>
-                                            </p:txEl>
-                                          </p:spTgt>
-                                        </p:tgtEl>
-                                      </p:cBhvr>
-                                    </p:animEffect>
-                                  </p:childTnLst>
-                                </p:cTn>
-                              </p:par>
-                              <p:par>
-                                <p:cTn id="23" presetID="10" presetClass="entr" presetSubtype="0" fill="hold" nodeType="withEffect">
-                                  <p:stCondLst>
-                                    <p:cond delay="0"/>
-                                  </p:stCondLst>
-                                  <p:childTnLst>
-                                    <p:set>
-                                      <p:cBhvr>
-                                        <p:cTn id="24" dur="1" fill="hold">
-                                          <p:stCondLst>
-                                            <p:cond delay="0"/>
-                                          </p:stCondLst>
-                                        </p:cTn>
-                                        <p:tgtEl>
-                                          <p:spTgt spid="5">
-                                            <p:txEl>
-                                              <p:pRg st="6" end="6"/>
-                                            </p:txEl>
-                                          </p:spTgt>
-                                        </p:tgtEl>
-                                        <p:attrNameLst>
-                                          <p:attrName>style.visibility</p:attrName>
-                                        </p:attrNameLst>
-                                      </p:cBhvr>
-                                      <p:to>
-                                        <p:strVal val="visible"/>
-                                      </p:to>
-                                    </p:set>
-                                    <p:animEffect transition="in" filter="fade">
-                                      <p:cBhvr>
-                                        <p:cTn id="25" dur="500"/>
-                                        <p:tgtEl>
-                                          <p:spTgt spid="5">
-                                            <p:txEl>
-                                              <p:pRg st="6" end="6"/>
-                                            </p:txEl>
-                                          </p:spTgt>
-                                        </p:tgtEl>
-                                      </p:cBhvr>
-                                    </p:animEffect>
-                                  </p:childTnLst>
-                                </p:cTn>
-                              </p:par>
-                            </p:childTnLst>
-                          </p:cTn>
-                        </p:par>
-                      </p:childTnLst>
-                    </p:cTn>
-                  </p:par>
-                  <p:par>
-                    <p:cTn id="26" fill="hold">
-                      <p:stCondLst>
-                        <p:cond delay="indefinite"/>
-                      </p:stCondLst>
-                      <p:childTnLst>
-                        <p:par>
-                          <p:cTn id="27" fill="hold">
-                            <p:stCondLst>
-                              <p:cond delay="0"/>
-                            </p:stCondLst>
-                            <p:childTnLst>
-                              <p:par>
-                                <p:cTn id="28" presetID="10" presetClass="entr" presetSubtype="0" fill="hold" nodeType="clickEffect">
-                                  <p:stCondLst>
-                                    <p:cond delay="0"/>
-                                  </p:stCondLst>
-                                  <p:childTnLst>
-                                    <p:set>
-                                      <p:cBhvr>
-                                        <p:cTn id="29" dur="1" fill="hold">
-                                          <p:stCondLst>
-                                            <p:cond delay="0"/>
-                                          </p:stCondLst>
-                                        </p:cTn>
-                                        <p:tgtEl>
-                                          <p:spTgt spid="5">
-                                            <p:txEl>
-                                              <p:pRg st="8" end="8"/>
-                                            </p:txEl>
-                                          </p:spTgt>
-                                        </p:tgtEl>
-                                        <p:attrNameLst>
-                                          <p:attrName>style.visibility</p:attrName>
-                                        </p:attrNameLst>
-                                      </p:cBhvr>
-                                      <p:to>
-                                        <p:strVal val="visible"/>
-                                      </p:to>
-                                    </p:set>
-                                    <p:animEffect transition="in" filter="fade">
-                                      <p:cBhvr>
-                                        <p:cTn id="30" dur="500"/>
+                                        <p:cTn id="26" dur="500"/>
                                         <p:tgtEl>
                                           <p:spTgt spid="5">
                                             <p:txEl>
@@ -7373,33 +7339,15 @@
                                   </p:childTnLst>
                                 </p:cTn>
                               </p:par>
-                            </p:childTnLst>
-                          </p:cTn>
-                        </p:par>
-                      </p:childTnLst>
-                    </p:cTn>
-                  </p:par>
-                  <p:par>
-                    <p:cTn id="13" fill="hold">
-                      <p:stCondLst>
-                        <p:cond delay="indefinite"/>
-                      </p:stCondLst>
-                      <p:childTnLst>
-                        <p:par>
-                          <p:cTn id="14" fill="hold">
-                            <p:stCondLst>
-                              <p:cond delay="0"/>
-                            </p:stCondLst>
-                            <p:childTnLst>
                               <p:par>
-                                <p:cTn id="15" presetID="10" presetClass="entr" presetSubtype="0" fill="hold" nodeType="clickEffect">
+                                <p:cTn id="13" presetID="10" presetClass="entr" presetSubtype="0" fill="hold" nodeType="withEffect">
                                   <p:stCondLst>
                                     <p:cond delay="0"/>
                                   </p:stCondLst>
                                   <p:childTnLst>
                                     <p:set>
                                       <p:cBhvr>
-                                        <p:cTn id="16" dur="1" fill="hold">
+                                        <p:cTn id="14" dur="1" fill="hold">
                                           <p:stCondLst>
                                             <p:cond delay="0"/>
                                           </p:stCondLst>
@@ -7421,11 +7369,97 @@
                                     </p:set>
                                     <p:animEffect transition="in" filter="fade">
                                       <p:cBhvr>
-                                        <p:cTn id="17" dur="500"/>
+                                        <p:cTn id="15" dur="500"/>
                                         <p:tgtEl>
                                           <p:spTgt spid="5">
                                             <p:txEl>
                                               <p:pRg st="4" end="4"/>
+                                            </p:txEl>
+                                          </p:spTgt>
+                                        </p:tgtEl>
+                                      </p:cBhvr>
+                                    </p:animEffect>
+                                  </p:childTnLst>
+                                </p:cTn>
+                              </p:par>
+                              <p:par>
+                                <p:cTn id="16" presetID="10" presetClass="entr" presetSubtype="0" fill="hold" nodeType="withEffect">
+                                  <p:stCondLst>
+                                    <p:cond delay="0"/>
+                                  </p:stCondLst>
+                                  <p:childTnLst>
+                                    <p:set>
+                                      <p:cBhvr>
+                                        <p:cTn id="17" dur="1" fill="hold">
+                                          <p:stCondLst>
+                                            <p:cond delay="0"/>
+                                          </p:stCondLst>
+                                        </p:cTn>
+                                        <p:tgtEl>
+                                          <p:spTgt spid="5">
+                                            <p:txEl>
+                                              <p:pRg st="5" end="5"/>
+                                            </p:txEl>
+                                          </p:spTgt>
+                                        </p:tgtEl>
+                                        <p:attrNameLst>
+                                          <p:attrName>style.visibility</p:attrName>
+                                        </p:attrNameLst>
+                                      </p:cBhvr>
+                                      <p:to>
+                                        <p:strVal val="visible"/>
+                                      </p:to>
+                                    </p:set>
+                                    <p:animEffect transition="in" filter="fade">
+                                      <p:cBhvr>
+                                        <p:cTn id="18" dur="500"/>
+                                        <p:tgtEl>
+                                          <p:spTgt spid="5">
+                                            <p:txEl>
+                                              <p:pRg st="5" end="5"/>
+                                            </p:txEl>
+                                          </p:spTgt>
+                                        </p:tgtEl>
+                                      </p:cBhvr>
+                                    </p:animEffect>
+                                  </p:childTnLst>
+                                </p:cTn>
+                              </p:par>
+                              <p:par>
+                                <p:cTn id="19" presetID="10" presetClass="entr" presetSubtype="0" fill="hold" nodeType="withEffect">
+                                  <p:stCondLst>
+                                    <p:cond delay="0"/>
+                                  </p:stCondLst>
+                                  <p:childTnLst>
+                                    <p:set>
+                                      <p:cBhvr>
+                                        <p:cTn id="20" dur="1" fill="hold">
+                                          <p:stCondLst>
+                                            <p:cond delay="0"/>
+                                          </p:stCondLst>
+                                        </p:cTn>
+                                        <p:tgtEl>
+                                          <p:spTgt spid="5">
+                                            <p:txEl>
+                                              <p:pRg st="6" end="6"/>
+                                            </p:txEl>
+                                          </p:spTgt>
+                                        </p:tgtEl>
+                                        <p:attrNameLst>
+                                          <p:attrName>style.visibility</p:attrName>
+                                        </p:attrNameLst>
+                                      </p:cBhvr>
+                                      <p:to>
+                                        <p:strVal val="visible"/>
+                                      </p:to>
+                                    </p:set>
+                                    <p:animEffect transition="in" filter="fade">
+                                      <p:cBhvr>
+                                        <p:cTn id="21" dur="500"/>
+                                        <p:tgtEl>
+                                          <p:spTgt spid="5">
+                                            <p:txEl>
+                                              <p:pRg st="6" end="6"/>
                                             </p:txEl>
                                           </p:spTgt>
                                         </p:tgtEl>
@@ -7441,26 +7475,26 @@
                     </p:cTn>
                   </p:par>
                   <p:par>
-                    <p:cTn id="18" fill="hold">
+                    <p:cTn id="22" fill="hold">
                       <p:stCondLst>
                         <p:cond delay="indefinite"/>
                       </p:stCondLst>
                       <p:childTnLst>
                         <p:par>
-                          <p:cTn id="19" fill="hold">
+                          <p:cTn id="23" fill="hold">
                             <p:stCondLst>
                               <p:cond delay="0"/>
                             </p:stCondLst>
                             <p:childTnLst>
                               <p:par>
-                                <p:cTn id="20" presetID="10" presetClass="entr" presetSubtype="0" fill="hold" nodeType="clickEffect">
+                                <p:cTn id="24" presetID="10" presetClass="entr" presetSubtype="0" fill="hold" nodeType="clickEffect">
                                   <p:stCondLst>
                                     <p:cond delay="0"/>
                                   </p:stCondLst>
                                   <p:childTnLst>
                                     <p:set>
                                       <p:cBhvr>
-                                        <p:cTn id="21" dur="1" fill="hold">
+                                        <p:cTn id="25" dur="1" fill="hold">
                                           <p:stCondLst>
                                             <p:cond delay="0"/>
                                           </p:stCondLst>
@@ -7468,7 +7502,7 @@
                                         <p:tgtEl>
                                           <p:spTgt spid="5">
                                             <p:txEl>
-                                              <p:pRg st="5" end="5"/>
+                                              <p:pRg st="8" end="8"/>
                                             </p:txEl>
                                           </p:spTgt>
                                         </p:tgtEl>
@@ -7482,129 +7516,7 @@
                                     </p:set>
                                     <p:animEffect transition="in" filter="fade">
                                       <p:cBhvr>
-                                        <p:cTn id="22" dur="500"/>
-                                        <p:tgtEl>
-                                          <p:spTgt spid="5">
-                                            <p:txEl>
-                                              <p:pRg st="5" end="5"/>
-                                            </p:txEl>
-                                          </p:spTgt>
-                                        </p:tgtEl>
-                                      </p:cBhvr>
-                                    </p:animEffect>
-                                  </p:childTnLst>
-                                </p:cTn>
-                              </p:par>
-                            </p:childTnLst>
-                          </p:cTn>
-                        </p:par>
-                      </p:childTnLst>
-                    </p:cTn>
-                  </p:par>
-                  <p:par>
-                    <p:cTn id="23" fill="hold">
-                      <p:stCondLst>
-                        <p:cond delay="indefinite"/>
-                      </p:stCondLst>
-                      <p:childTnLst>
-                        <p:par>
-                          <p:cTn id="24" fill="hold">
-                            <p:stCondLst>
-                              <p:cond delay="0"/>
-                            </p:stCondLst>
-                            <p:childTnLst>
-                              <p:par>
-                                <p:cTn id="25" presetID="10" presetClass="entr" presetSubtype="0" fill="hold" nodeType="clickEffect">
-                                  <p:stCondLst>
-                                    <p:cond delay="0"/>
-                                  </p:stCondLst>
-                                  <p:childTnLst>
-                                    <p:set>
-                                      <p:cBhvr>
-                                        <p:cTn id="26" dur="1" fill="hold">
-                                          <p:stCondLst>
-                                            <p:cond delay="0"/>
-                                          </p:stCondLst>
-                                        </p:cTn>
-                                        <p:tgtEl>
-                                          <p:spTgt spid="5">
-                                            <p:txEl>
-                                              <p:pRg st="6" end="6"/>
-                                            </p:txEl>
-                                          </p:spTgt>
-                                        </p:tgtEl>
-                                        <p:attrNameLst>
-                                          <p:attrName>style.visibility</p:attrName>
-                                        </p:attrNameLst>
-                                      </p:cBhvr>
-                                      <p:to>
-                                        <p:strVal val="visible"/>
-                                      </p:to>
-                                    </p:set>
-                                    <p:animEffect transition="in" filter="fade">
-                                      <p:cBhvr>
-                                        <p:cTn id="27" dur="500"/>
-                                        <p:tgtEl>
-                                          <p:spTgt spid="5">
-                                            <p:txEl>
-                                              <p:pRg st="6" end="6"/>
-                                            </p:txEl>
-                                          </p:spTgt>
-                                        </p:tgtEl>
-                                      </p:cBhvr>
-                                    </p:animEffect>
-                                  </p:childTnLst>
-                                </p:cTn>
-                              </p:par>
-                            </p:childTnLst>
-                          </p:cTn>
-                        </p:par>
-                      </p:childTnLst>
-                    </p:cTn>
-                  </p:par>
-                  <p:par>
-                    <p:cTn id="28" fill="hold">
-                      <p:stCondLst>
-                        <p:cond delay="indefinite"/>
-                      </p:stCondLst>
-                      <p:childTnLst>
-                        <p:par>
-                          <p:cTn id="29" fill="hold">
-                            <p:stCondLst>
-                              <p:cond delay="0"/>
-                            </p:stCondLst>
-                            <p:childTnLst>
-                              <p:par>
-                                <p:cTn id="30" presetID="10" presetClass="entr" presetSubtype="0" fill="hold" nodeType="clickEffect">
-                                  <p:stCondLst>
-                                    <p:cond delay="0"/>
-                                  </p:stCondLst>
-                                  <p:childTnLst>
-                                    <p:set>
-                                      <p:cBhvr>
-                                        <p:cTn id="31" dur="1" fill="hold">
-                                          <p:stCondLst>
-                                            <p:cond delay="0"/>
-                                          </p:stCondLst>
-                                        </p:cTn>
-                                        <p:tgtEl>
-                                          <p:spTgt spid="5">
-                                            <p:txEl>
-                                              <p:pRg st="8" end="8"/>
-                                            </p:txEl>
-                                          </p:spTgt>
-                                        </p:tgtEl>
-                                        <p:attrNameLst>
-                                          <p:attrName>style.visibility</p:attrName>
-                                        </p:attrNameLst>
-                                      </p:cBhvr>
-                                      <p:to>
-                                        <p:strVal val="visible"/>
-                                      </p:to>
-                                    </p:set>
-                                    <p:animEffect transition="in" filter="fade">
-                                      <p:cBhvr>
-                                        <p:cTn id="32" dur="500"/>
+                                        <p:cTn id="26" dur="500"/>
                                         <p:tgtEl>
                                           <p:spTgt spid="5">
                                             <p:txEl>
@@ -7950,33 +7862,15 @@
                                   </p:childTnLst>
                                 </p:cTn>
                               </p:par>
-                            </p:childTnLst>
-                          </p:cTn>
-                        </p:par>
-                      </p:childTnLst>
-                    </p:cTn>
-                  </p:par>
-                  <p:par>
-                    <p:cTn id="13" fill="hold">
-                      <p:stCondLst>
-                        <p:cond delay="indefinite"/>
-                      </p:stCondLst>
-                      <p:childTnLst>
-                        <p:par>
-                          <p:cTn id="14" fill="hold">
-                            <p:stCondLst>
-                              <p:cond delay="0"/>
-                            </p:stCondLst>
-                            <p:childTnLst>
                               <p:par>
-                                <p:cTn id="15" presetID="10" presetClass="entr" presetSubtype="0" fill="hold" nodeType="clickEffect">
+                                <p:cTn id="13" presetID="10" presetClass="entr" presetSubtype="0" fill="hold" nodeType="withEffect">
                                   <p:stCondLst>
                                     <p:cond delay="0"/>
                                   </p:stCondLst>
                                   <p:childTnLst>
                                     <p:set>
                                       <p:cBhvr>
-                                        <p:cTn id="16" dur="1" fill="hold">
+                                        <p:cTn id="14" dur="1" fill="hold">
                                           <p:stCondLst>
                                             <p:cond delay="0"/>
                                           </p:stCondLst>
@@ -7998,7 +7892,7 @@
                                     </p:set>
                                     <p:animEffect transition="in" filter="fade">
                                       <p:cBhvr>
-                                        <p:cTn id="17" dur="500"/>
+                                        <p:cTn id="15" dur="500"/>
                                         <p:tgtEl>
                                           <p:spTgt spid="5">
                                             <p:txEl>
@@ -8018,26 +7912,26 @@
                     </p:cTn>
                   </p:par>
                   <p:par>
-                    <p:cTn id="18" fill="hold">
+                    <p:cTn id="16" fill="hold">
                       <p:stCondLst>
                         <p:cond delay="indefinite"/>
                       </p:stCondLst>
                       <p:childTnLst>
                         <p:par>
-                          <p:cTn id="19" fill="hold">
+                          <p:cTn id="17" fill="hold">
                             <p:stCondLst>
                               <p:cond delay="0"/>
                             </p:stCondLst>
                             <p:childTnLst>
                               <p:par>
-                                <p:cTn id="20" presetID="10" presetClass="entr" presetSubtype="0" fill="hold" nodeType="clickEffect">
+                                <p:cTn id="18" presetID="10" presetClass="entr" presetSubtype="0" fill="hold" nodeType="clickEffect">
                                   <p:stCondLst>
                                     <p:cond delay="0"/>
                                   </p:stCondLst>
                                   <p:childTnLst>
                                     <p:set>
                                       <p:cBhvr>
-                                        <p:cTn id="21" dur="1" fill="hold">
+                                        <p:cTn id="19" dur="1" fill="hold">
                                           <p:stCondLst>
                                             <p:cond delay="0"/>
                                           </p:stCondLst>
@@ -8059,7 +7953,7 @@
                                     </p:set>
                                     <p:animEffect transition="in" filter="fade">
                                       <p:cBhvr>
-                                        <p:cTn id="22" dur="500"/>
+                                        <p:cTn id="20" dur="500"/>
                                         <p:tgtEl>
                                           <p:spTgt spid="5">
                                             <p:txEl>
@@ -8426,33 +8320,15 @@
                                   </p:childTnLst>
                                 </p:cTn>
                               </p:par>
-                            </p:childTnLst>
-                          </p:cTn>
-                        </p:par>
-                      </p:childTnLst>
-                    </p:cTn>
-                  </p:par>
-                  <p:par>
-                    <p:cTn id="13" fill="hold">
-                      <p:stCondLst>
-                        <p:cond delay="indefinite"/>
-                      </p:stCondLst>
-                      <p:childTnLst>
-                        <p:par>
-                          <p:cTn id="14" fill="hold">
-                            <p:stCondLst>
-                              <p:cond delay="0"/>
-                            </p:stCondLst>
-                            <p:childTnLst>
                               <p:par>
-                                <p:cTn id="15" presetID="10" presetClass="entr" presetSubtype="0" fill="hold" nodeType="clickEffect">
+                                <p:cTn id="13" presetID="10" presetClass="entr" presetSubtype="0" fill="hold" nodeType="withEffect">
                                   <p:stCondLst>
                                     <p:cond delay="0"/>
                                   </p:stCondLst>
                                   <p:childTnLst>
                                     <p:set>
                                       <p:cBhvr>
-                                        <p:cTn id="16" dur="1" fill="hold">
+                                        <p:cTn id="14" dur="1" fill="hold">
                                           <p:stCondLst>
                                             <p:cond delay="0"/>
                                           </p:stCondLst>
@@ -8474,11 +8350,97 @@
                                     </p:set>
                                     <p:animEffect transition="in" filter="fade">
                                       <p:cBhvr>
-                                        <p:cTn id="17" dur="500"/>
+                                        <p:cTn id="15" dur="500"/>
                                         <p:tgtEl>
                                           <p:spTgt spid="5">
                                             <p:txEl>
                                               <p:pRg st="4" end="4"/>
+                                            </p:txEl>
+                                          </p:spTgt>
+                                        </p:tgtEl>
+                                      </p:cBhvr>
+                                    </p:animEffect>
+                                  </p:childTnLst>
+                                </p:cTn>
+                              </p:par>
+                              <p:par>
+                                <p:cTn id="16" presetID="10" presetClass="entr" presetSubtype="0" fill="hold" nodeType="withEffect">
+                                  <p:stCondLst>
+                                    <p:cond delay="0"/>
+                                  </p:stCondLst>
+                                  <p:childTnLst>
+                                    <p:set>
+                                      <p:cBhvr>
+                                        <p:cTn id="17" dur="1" fill="hold">
+                                          <p:stCondLst>
+                                            <p:cond delay="0"/>
+                                          </p:stCondLst>
+                                        </p:cTn>
+                                        <p:tgtEl>
+                                          <p:spTgt spid="5">
+                                            <p:txEl>
+                                              <p:pRg st="5" end="5"/>
+                                            </p:txEl>
+                                          </p:spTgt>
+                                        </p:tgtEl>
+                                        <p:attrNameLst>
+                                          <p:attrName>style.visibility</p:attrName>
+                                        </p:attrNameLst>
+                                      </p:cBhvr>
+                                      <p:to>
+                                        <p:strVal val="visible"/>
+                                      </p:to>
+                                    </p:set>
+                                    <p:animEffect transition="in" filter="fade">
+                                      <p:cBhvr>
+                                        <p:cTn id="18" dur="500"/>
+                                        <p:tgtEl>
+                                          <p:spTgt spid="5">
+                                            <p:txEl>
+                                              <p:pRg st="5" end="5"/>
+                                            </p:txEl>
+                                          </p:spTgt>
+                                        </p:tgtEl>
+                                      </p:cBhvr>
+                                    </p:animEffect>
+                                  </p:childTnLst>
+                                </p:cTn>
+                              </p:par>
+                              <p:par>
+                                <p:cTn id="19" presetID="10" presetClass="entr" presetSubtype="0" fill="hold" nodeType="withEffect">
+                                  <p:stCondLst>
+                                    <p:cond delay="0"/>
+                                  </p:stCondLst>
+                                  <p:childTnLst>
+                                    <p:set>
+                                      <p:cBhvr>
+                                        <p:cTn id="20" dur="1" fill="hold">
+                                          <p:stCondLst>
+                                            <p:cond delay="0"/>
+                                          </p:stCondLst>
+                                        </p:cTn>
+                                        <p:tgtEl>
+                                          <p:spTgt spid="5">
+                                            <p:txEl>
+                                              <p:pRg st="6" end="6"/>
+                                            </p:txEl>
+                                          </p:spTgt>
+                                        </p:tgtEl>
+                                        <p:attrNameLst>
+                                          <p:attrName>style.visibility</p:attrName>
+                                        </p:attrNameLst>
+                                      </p:cBhvr>
+                                      <p:to>
+                                        <p:strVal val="visible"/>
+                                      </p:to>
+                                    </p:set>
+                                    <p:animEffect transition="in" filter="fade">
+                                      <p:cBhvr>
+                                        <p:cTn id="21" dur="500"/>
+                                        <p:tgtEl>
+                                          <p:spTgt spid="5">
+                                            <p:txEl>
+                                              <p:pRg st="6" end="6"/>
                                             </p:txEl>
                                           </p:spTgt>
                                         </p:tgtEl>
@@ -8494,26 +8456,26 @@
                     </p:cTn>
                   </p:par>
                   <p:par>
-                    <p:cTn id="18" fill="hold">
+                    <p:cTn id="22" fill="hold">
                       <p:stCondLst>
                         <p:cond delay="indefinite"/>
                       </p:stCondLst>
                       <p:childTnLst>
                         <p:par>
-                          <p:cTn id="19" fill="hold">
+                          <p:cTn id="23" fill="hold">
                             <p:stCondLst>
                               <p:cond delay="0"/>
                             </p:stCondLst>
                             <p:childTnLst>
                               <p:par>
-                                <p:cTn id="20" presetID="10" presetClass="entr" presetSubtype="0" fill="hold" nodeType="clickEffect">
+                                <p:cTn id="24" presetID="10" presetClass="entr" presetSubtype="0" fill="hold" nodeType="clickEffect">
                                   <p:stCondLst>
                                     <p:cond delay="0"/>
                                   </p:stCondLst>
                                   <p:childTnLst>
                                     <p:set>
                                       <p:cBhvr>
-                                        <p:cTn id="21" dur="1" fill="hold">
+                                        <p:cTn id="25" dur="1" fill="hold">
                                           <p:stCondLst>
                                             <p:cond delay="0"/>
                                           </p:stCondLst>
@@ -8521,7 +8483,7 @@
                                         <p:tgtEl>
                                           <p:spTgt spid="5">
                                             <p:txEl>
-                                              <p:pRg st="5" end="5"/>
+                                              <p:pRg st="8" end="8"/>
                                             </p:txEl>
                                           </p:spTgt>
                                         </p:tgtEl>
@@ -8535,11 +8497,11 @@
                                     </p:set>
                                     <p:animEffect transition="in" filter="fade">
                                       <p:cBhvr>
-                                        <p:cTn id="22" dur="500"/>
+                                        <p:cTn id="26" dur="500"/>
                                         <p:tgtEl>
                                           <p:spTgt spid="5">
                                             <p:txEl>
-                                              <p:pRg st="5" end="5"/>
+                                              <p:pRg st="8" end="8"/>
                                             </p:txEl>
                                           </p:spTgt>
                                         </p:tgtEl>
@@ -8548,33 +8510,15 @@
                                   </p:childTnLst>
                                 </p:cTn>
                               </p:par>
-                            </p:childTnLst>
-                          </p:cTn>
-                        </p:par>
-                      </p:childTnLst>
-                    </p:cTn>
-                  </p:par>
-                  <p:par>
-                    <p:cTn id="23" fill="hold">
-                      <p:stCondLst>
-                        <p:cond delay="indefinite"/>
-                      </p:stCondLst>
-                      <p:childTnLst>
-                        <p:par>
-                          <p:cTn id="24" fill="hold">
-                            <p:stCondLst>
-                              <p:cond delay="0"/>
-                            </p:stCondLst>
-                            <p:childTnLst>
                               <p:par>
-                                <p:cTn id="25" presetID="10" presetClass="entr" presetSubtype="0" fill="hold" nodeType="clickEffect">
+                                <p:cTn id="27" presetID="10" presetClass="entr" presetSubtype="0" fill="hold" nodeType="withEffect">
                                   <p:stCondLst>
                                     <p:cond delay="0"/>
                                   </p:stCondLst>
                                   <p:childTnLst>
                                     <p:set>
                                       <p:cBhvr>
-                                        <p:cTn id="26" dur="1" fill="hold">
+                                        <p:cTn id="28" dur="1" fill="hold">
                                           <p:stCondLst>
                                             <p:cond delay="0"/>
                                           </p:stCondLst>
@@ -8582,7 +8526,7 @@
                                         <p:tgtEl>
                                           <p:spTgt spid="5">
                                             <p:txEl>
-                                              <p:pRg st="6" end="6"/>
+                                              <p:pRg st="9" end="9"/>
                                             </p:txEl>
                                           </p:spTgt>
                                         </p:tgtEl>
@@ -8596,111 +8540,7 @@
                                     </p:set>
                                     <p:animEffect transition="in" filter="fade">
                                       <p:cBhvr>
-                                        <p:cTn id="27" dur="500"/>
-                                        <p:tgtEl>
-                                          <p:spTgt spid="5">
-                                            <p:txEl>
-                                              <p:pRg st="6" end="6"/>
-                                            </p:txEl>
-                                          </p:spTgt>
-                                        </p:tgtEl>
-                                      </p:cBhvr>
-                                    </p:animEffect>
-                                  </p:childTnLst>
-                                </p:cTn>
-                              </p:par>
-                            </p:childTnLst>
-                          </p:cTn>
-                        </p:par>
-                      </p:childTnLst>
-                    </p:cTn>
-                  </p:par>
-                  <p:par>
-                    <p:cTn id="28" fill="hold">
-                      <p:stCondLst>
-                        <p:cond delay="indefinite"/>
-                      </p:stCondLst>
-                      <p:childTnLst>
-                        <p:par>
-                          <p:cTn id="29" fill="hold">
-                            <p:stCondLst>
-                              <p:cond delay="0"/>
-                            </p:stCondLst>
-                            <p:childTnLst>
-                              <p:par>
-                                <p:cTn id="30" presetID="10" presetClass="entr" presetSubtype="0" fill="hold" nodeType="clickEffect">
-                                  <p:stCondLst>
-                                    <p:cond delay="0"/>
-                                  </p:stCondLst>
-                                  <p:childTnLst>
-                                    <p:set>
-                                      <p:cBhvr>
-                                        <p:cTn id="31" dur="1" fill="hold">
-                                          <p:stCondLst>
-                                            <p:cond delay="0"/>
-                                          </p:stCondLst>
-                                        </p:cTn>
-                                        <p:tgtEl>
-                                          <p:spTgt spid="5">
-                                            <p:txEl>
-                                              <p:pRg st="8" end="8"/>
-                                            </p:txEl>
-                                          </p:spTgt>
-                                        </p:tgtEl>
-                                        <p:attrNameLst>
-                                          <p:attrName>style.visibility</p:attrName>
-                                        </p:attrNameLst>
-                                      </p:cBhvr>
-                                      <p:to>
-                                        <p:strVal val="visible"/>
-                                      </p:to>
-                                    </p:set>
-                                    <p:animEffect transition="in" filter="fade">
-                                      <p:cBhvr>
-                                        <p:cTn id="32" dur="500"/>
-                                        <p:tgtEl>
-                                          <p:spTgt spid="5">
-                                            <p:txEl>
-                                              <p:pRg st="8" end="8"/>
-                                            </p:txEl>
-                                          </p:spTgt>
-                                        </p:tgtEl>
-                                      </p:cBhvr>
-                                    </p:animEffect>
-                                  </p:childTnLst>
-                                </p:cTn>
-                              </p:par>
-                              <p:par>
-                                <p:cTn id="33" presetID="10" presetClass="entr" presetSubtype="0" fill="hold" nodeType="withEffect">
-                                  <p:stCondLst>
-                                    <p:cond delay="0"/>
-                                  </p:stCondLst>
-                                  <p:childTnLst>
-                                    <p:set>
-                                      <p:cBhvr>
-                                        <p:cTn id="34" dur="1" fill="hold">
-                                          <p:stCondLst>
-                                            <p:cond delay="0"/>
-                                          </p:stCondLst>
-                                        </p:cTn>
-                                        <p:tgtEl>
-                                          <p:spTgt spid="5">
-                                            <p:txEl>
-                                              <p:pRg st="9" end="9"/>
-                                            </p:txEl>
-                                          </p:spTgt>
-                                        </p:tgtEl>
-                                        <p:attrNameLst>
-                                          <p:attrName>style.visibility</p:attrName>
-                                        </p:attrNameLst>
-                                      </p:cBhvr>
-                                      <p:to>
-                                        <p:strVal val="visible"/>
-                                      </p:to>
-                                    </p:set>
-                                    <p:animEffect transition="in" filter="fade">
-                                      <p:cBhvr>
-                                        <p:cTn id="35" dur="500"/>
+                                        <p:cTn id="29" dur="500"/>
                                         <p:tgtEl>
                                           <p:spTgt spid="5">
                                             <p:txEl>
@@ -9072,33 +8912,15 @@
                                   </p:childTnLst>
                                 </p:cTn>
                               </p:par>
-                            </p:childTnLst>
-                          </p:cTn>
-                        </p:par>
-                      </p:childTnLst>
-                    </p:cTn>
-                  </p:par>
-                  <p:par>
-                    <p:cTn id="13" fill="hold">
-                      <p:stCondLst>
-                        <p:cond delay="indefinite"/>
-                      </p:stCondLst>
-                      <p:childTnLst>
-                        <p:par>
-                          <p:cTn id="14" fill="hold">
-                            <p:stCondLst>
-                              <p:cond delay="0"/>
-                            </p:stCondLst>
-                            <p:childTnLst>
                               <p:par>
-                                <p:cTn id="15" presetID="10" presetClass="entr" presetSubtype="0" fill="hold" nodeType="clickEffect">
+                                <p:cTn id="13" presetID="10" presetClass="entr" presetSubtype="0" fill="hold" nodeType="withEffect">
                                   <p:stCondLst>
                                     <p:cond delay="0"/>
                                   </p:stCondLst>
                                   <p:childTnLst>
                                     <p:set>
                                       <p:cBhvr>
-                                        <p:cTn id="16" dur="1" fill="hold">
+                                        <p:cTn id="14" dur="1" fill="hold">
                                           <p:stCondLst>
                                             <p:cond delay="0"/>
                                           </p:stCondLst>
@@ -9120,11 +8942,54 @@
                                     </p:set>
                                     <p:animEffect transition="in" filter="fade">
                                       <p:cBhvr>
-                                        <p:cTn id="17" dur="500"/>
+                                        <p:cTn id="15" dur="500"/>
                                         <p:tgtEl>
                                           <p:spTgt spid="5">
                                             <p:txEl>
                                               <p:pRg st="4" end="4"/>
+                                            </p:txEl>
+                                          </p:spTgt>
+                                        </p:tgtEl>
+                                      </p:cBhvr>
+                                    </p:animEffect>
+                                  </p:childTnLst>
+                                </p:cTn>
+                              </p:par>
+                              <p:par>
+                                <p:cTn id="16" presetID="10" presetClass="entr" presetSubtype="0" fill="hold" nodeType="withEffect">
+                                  <p:stCondLst>
+                                    <p:cond delay="0"/>
+                                  </p:stCondLst>
+                                  <p:childTnLst>
+                                    <p:set>
+                                      <p:cBhvr>
+                                        <p:cTn id="17" dur="1" fill="hold">
+                                          <p:stCondLst>
+                                            <p:cond delay="0"/>
+                                          </p:stCondLst>
+                                        </p:cTn>
+                                        <p:tgtEl>
+                                          <p:spTgt spid="5">
+                                            <p:txEl>
+                                              <p:pRg st="5" end="5"/>
+                                            </p:txEl>
+                                          </p:spTgt>
+                                        </p:tgtEl>
+                                        <p:attrNameLst>
+                                          <p:attrName>style.visibility</p:attrName>
+                                        </p:attrNameLst>
+                                      </p:cBhvr>
+                                      <p:to>
+                                        <p:strVal val="visible"/>
+                                      </p:to>
+                                    </p:set>
+                                    <p:animEffect transition="in" filter="fade">
+                                      <p:cBhvr>
+                                        <p:cTn id="18" dur="500"/>
+                                        <p:tgtEl>
+                                          <p:spTgt spid="5">
+                                            <p:txEl>
+                                              <p:pRg st="5" end="5"/>
                                             </p:txEl>
                                           </p:spTgt>
                                         </p:tgtEl>
@@ -9140,26 +9005,26 @@
                     </p:cTn>
                   </p:par>
                   <p:par>
-                    <p:cTn id="18" fill="hold">
+                    <p:cTn id="19" fill="hold">
                       <p:stCondLst>
                         <p:cond delay="indefinite"/>
                       </p:stCondLst>
                       <p:childTnLst>
                         <p:par>
-                          <p:cTn id="19" fill="hold">
+                          <p:cTn id="20" fill="hold">
                             <p:stCondLst>
                               <p:cond delay="0"/>
                             </p:stCondLst>
                             <p:childTnLst>
                               <p:par>
-                                <p:cTn id="20" presetID="10" presetClass="entr" presetSubtype="0" fill="hold" nodeType="clickEffect">
+                                <p:cTn id="21" presetID="10" presetClass="entr" presetSubtype="0" fill="hold" nodeType="clickEffect">
                                   <p:stCondLst>
                                     <p:cond delay="0"/>
                                   </p:stCondLst>
                                   <p:childTnLst>
                                     <p:set>
                                       <p:cBhvr>
-                                        <p:cTn id="21" dur="1" fill="hold">
+                                        <p:cTn id="22" dur="1" fill="hold">
                                           <p:stCondLst>
                                             <p:cond delay="0"/>
                                           </p:stCondLst>
@@ -9167,7 +9032,7 @@
                                         <p:tgtEl>
                                           <p:spTgt spid="5">
                                             <p:txEl>
-                                              <p:pRg st="5" end="5"/>
+                                              <p:pRg st="7" end="7"/>
                                             </p:txEl>
                                           </p:spTgt>
                                         </p:tgtEl>
@@ -9181,11 +9046,11 @@
                                     </p:set>
                                     <p:animEffect transition="in" filter="fade">
                                       <p:cBhvr>
-                                        <p:cTn id="22" dur="500"/>
+                                        <p:cTn id="23" dur="500"/>
                                         <p:tgtEl>
                                           <p:spTgt spid="5">
                                             <p:txEl>
-                                              <p:pRg st="5" end="5"/>
+                                              <p:pRg st="7" end="7"/>
                                             </p:txEl>
                                           </p:spTgt>
                                         </p:tgtEl>
@@ -9194,33 +9059,15 @@
                                   </p:childTnLst>
                                 </p:cTn>
                               </p:par>
-                            </p:childTnLst>
-                          </p:cTn>
-                        </p:par>
-                      </p:childTnLst>
-                    </p:cTn>
-                  </p:par>
-                  <p:par>
-                    <p:cTn id="23" fill="hold">
-                      <p:stCondLst>
-                        <p:cond delay="indefinite"/>
-                      </p:stCondLst>
-                      <p:childTnLst>
-                        <p:par>
-                          <p:cTn id="24" fill="hold">
-                            <p:stCondLst>
-                              <p:cond delay="0"/>
-                            </p:stCondLst>
-                            <p:childTnLst>
                               <p:par>
-                                <p:cTn id="25" presetID="10" presetClass="entr" presetSubtype="0" fill="hold" nodeType="clickEffect">
+                                <p:cTn id="24" presetID="10" presetClass="entr" presetSubtype="0" fill="hold" nodeType="withEffect">
                                   <p:stCondLst>
                                     <p:cond delay="0"/>
                                   </p:stCondLst>
                                   <p:childTnLst>
                                     <p:set>
                                       <p:cBhvr>
-                                        <p:cTn id="26" dur="1" fill="hold">
+                                        <p:cTn id="25" dur="1" fill="hold">
                                           <p:stCondLst>
                                             <p:cond delay="0"/>
                                           </p:stCondLst>
@@ -9228,7 +9075,7 @@
                                         <p:tgtEl>
                                           <p:spTgt spid="5">
                                             <p:txEl>
-                                              <p:pRg st="7" end="7"/>
+                                              <p:pRg st="8" end="8"/>
                                             </p:txEl>
                                           </p:spTgt>
                                         </p:tgtEl>
@@ -9242,11 +9089,11 @@
                                     </p:set>
                                     <p:animEffect transition="in" filter="fade">
                                       <p:cBhvr>
-                                        <p:cTn id="27" dur="500"/>
+                                        <p:cTn id="26" dur="500"/>
                                         <p:tgtEl>
                                           <p:spTgt spid="5">
                                             <p:txEl>
-                                              <p:pRg st="7" end="7"/>
+                                              <p:pRg st="8" end="8"/>
                                             </p:txEl>
                                           </p:spTgt>
                                         </p:tgtEl>
@@ -9256,14 +9103,14 @@
                                 </p:cTn>
                               </p:par>
                               <p:par>
-                                <p:cTn id="28" presetID="10" presetClass="entr" presetSubtype="0" fill="hold" nodeType="withEffect">
+                                <p:cTn id="27" presetID="10" presetClass="entr" presetSubtype="0" fill="hold" nodeType="withEffect">
                                   <p:stCondLst>
                                     <p:cond delay="0"/>
                                   </p:stCondLst>
                                   <p:childTnLst>
                                     <p:set>
                                       <p:cBhvr>
-                                        <p:cTn id="29" dur="1" fill="hold">
+                                        <p:cTn id="28" dur="1" fill="hold">
                                           <p:stCondLst>
                                             <p:cond delay="0"/>
                                           </p:stCondLst>
@@ -9271,7 +9118,7 @@
                                         <p:tgtEl>
                                           <p:spTgt spid="5">
                                             <p:txEl>
-                                              <p:pRg st="8" end="8"/>
+                                              <p:pRg st="9" end="9"/>
                                             </p:txEl>
                                           </p:spTgt>
                                         </p:tgtEl>
@@ -9285,50 +9132,7 @@
                                     </p:set>
                                     <p:animEffect transition="in" filter="fade">
                                       <p:cBhvr>
-                                        <p:cTn id="30" dur="500"/>
-                                        <p:tgtEl>
-                                          <p:spTgt spid="5">
-                                            <p:txEl>
-                                              <p:pRg st="8" end="8"/>
-                                            </p:txEl>
-                                          </p:spTgt>
-                                        </p:tgtEl>
-                                      </p:cBhvr>
-                                    </p:animEffect>
-                                  </p:childTnLst>
-                                </p:cTn>
-                              </p:par>
-                              <p:par>
-                                <p:cTn id="31" presetID="10" presetClass="entr" presetSubtype="0" fill="hold" nodeType="withEffect">
-                                  <p:stCondLst>
-                                    <p:cond delay="0"/>
-                                  </p:stCondLst>
-                                  <p:childTnLst>
-                                    <p:set>
-                                      <p:cBhvr>
-                                        <p:cTn id="32" dur="1" fill="hold">
-                                          <p:stCondLst>
-                                            <p:cond delay="0"/>
-                                          </p:stCondLst>
-                                        </p:cTn>
-                                        <p:tgtEl>
-                                          <p:spTgt spid="5">
-                                            <p:txEl>
-                                              <p:pRg st="9" end="9"/>
-                                            </p:txEl>
-                                          </p:spTgt>
-                                        </p:tgtEl>
-                                        <p:attrNameLst>
-                                          <p:attrName>style.visibility</p:attrName>
-                                        </p:attrNameLst>
-                                      </p:cBhvr>
-                                      <p:to>
-                                        <p:strVal val="visible"/>
-                                      </p:to>
-                                    </p:set>
-                                    <p:animEffect transition="in" filter="fade">
-                                      <p:cBhvr>
-                                        <p:cTn id="33" dur="500"/>
+                                        <p:cTn id="29" dur="500"/>
                                         <p:tgtEl>
                                           <p:spTgt spid="5">
                                             <p:txEl>
@@ -9697,33 +9501,15 @@
                                   </p:childTnLst>
                                 </p:cTn>
                               </p:par>
-                            </p:childTnLst>
-                          </p:cTn>
-                        </p:par>
-                      </p:childTnLst>
-                    </p:cTn>
-                  </p:par>
-                  <p:par>
-                    <p:cTn id="13" fill="hold">
-                      <p:stCondLst>
-                        <p:cond delay="indefinite"/>
-                      </p:stCondLst>
-                      <p:childTnLst>
-                        <p:par>
-                          <p:cTn id="14" fill="hold">
-                            <p:stCondLst>
-                              <p:cond delay="0"/>
-                            </p:stCondLst>
-                            <p:childTnLst>
                               <p:par>
-                                <p:cTn id="15" presetID="10" presetClass="entr" presetSubtype="0" fill="hold" nodeType="clickEffect">
+                                <p:cTn id="13" presetID="10" presetClass="entr" presetSubtype="0" fill="hold" nodeType="withEffect">
                                   <p:stCondLst>
                                     <p:cond delay="0"/>
                                   </p:stCondLst>
                                   <p:childTnLst>
                                     <p:set>
                                       <p:cBhvr>
-                                        <p:cTn id="16" dur="1" fill="hold">
+                                        <p:cTn id="14" dur="1" fill="hold">
                                           <p:stCondLst>
                                             <p:cond delay="0"/>
                                           </p:stCondLst>
@@ -9745,7 +9531,7 @@
                                     </p:set>
                                     <p:animEffect transition="in" filter="fade">
                                       <p:cBhvr>
-                                        <p:cTn id="17" dur="500"/>
+                                        <p:cTn id="15" dur="500"/>
                                         <p:tgtEl>
                                           <p:spTgt spid="5">
                                             <p:txEl>
@@ -9765,26 +9551,26 @@
                     </p:cTn>
                   </p:par>
                   <p:par>
-                    <p:cTn id="18" fill="hold">
+                    <p:cTn id="16" fill="hold">
                       <p:stCondLst>
                         <p:cond delay="indefinite"/>
                       </p:stCondLst>
                       <p:childTnLst>
                         <p:par>
-                          <p:cTn id="19" fill="hold">
+                          <p:cTn id="17" fill="hold">
                             <p:stCondLst>
                               <p:cond delay="0"/>
                             </p:stCondLst>
                             <p:childTnLst>
                               <p:par>
-                                <p:cTn id="20" presetID="10" presetClass="entr" presetSubtype="0" fill="hold" nodeType="clickEffect">
+                                <p:cTn id="18" presetID="10" presetClass="entr" presetSubtype="0" fill="hold" nodeType="clickEffect">
                                   <p:stCondLst>
                                     <p:cond delay="0"/>
                                   </p:stCondLst>
                                   <p:childTnLst>
                                     <p:set>
                                       <p:cBhvr>
-                                        <p:cTn id="21" dur="1" fill="hold">
+                                        <p:cTn id="19" dur="1" fill="hold">
                                           <p:stCondLst>
                                             <p:cond delay="0"/>
                                           </p:stCondLst>
@@ -9806,7 +9592,7 @@
                                     </p:set>
                                     <p:animEffect transition="in" filter="fade">
                                       <p:cBhvr>
-                                        <p:cTn id="22" dur="500"/>
+                                        <p:cTn id="20" dur="500"/>
                                         <p:tgtEl>
                                           <p:spTgt spid="5">
                                             <p:txEl>
@@ -9820,14 +9606,14 @@
                                 </p:cTn>
                               </p:par>
                               <p:par>
-                                <p:cTn id="23" presetID="10" presetClass="entr" presetSubtype="0" fill="hold" nodeType="withEffect">
+                                <p:cTn id="21" presetID="10" presetClass="entr" presetSubtype="0" fill="hold" nodeType="withEffect">
                                   <p:stCondLst>
                                     <p:cond delay="0"/>
                                   </p:stCondLst>
                                   <p:childTnLst>
                                     <p:set>
                                       <p:cBhvr>
-                                        <p:cTn id="24" dur="1" fill="hold">
+                                        <p:cTn id="22" dur="1" fill="hold">
                                           <p:stCondLst>
                                             <p:cond delay="0"/>
                                           </p:stCondLst>
@@ -9849,7 +9635,7 @@
                                     </p:set>
                                     <p:animEffect transition="in" filter="fade">
                                       <p:cBhvr>
-                                        <p:cTn id="25" dur="500"/>
+                                        <p:cTn id="23" dur="500"/>
                                         <p:tgtEl>
                                           <p:spTgt spid="5">
                                             <p:txEl>
@@ -9863,14 +9649,14 @@
                                 </p:cTn>
                               </p:par>
                               <p:par>
-                                <p:cTn id="26" presetID="10" presetClass="entr" presetSubtype="0" fill="hold" nodeType="withEffect">
+                                <p:cTn id="24" presetID="10" presetClass="entr" presetSubtype="0" fill="hold" nodeType="withEffect">
                                   <p:stCondLst>
                                     <p:cond delay="0"/>
                                   </p:stCondLst>
                                   <p:childTnLst>
                                     <p:set>
                                       <p:cBhvr>
-                                        <p:cTn id="27" dur="1" fill="hold">
+                                        <p:cTn id="25" dur="1" fill="hold">
                                           <p:stCondLst>
                                             <p:cond delay="0"/>
                                           </p:stCondLst>
@@ -9892,7 +9678,7 @@
                                     </p:set>
                                     <p:animEffect transition="in" filter="fade">
                                       <p:cBhvr>
-                                        <p:cTn id="28" dur="500"/>
+                                        <p:cTn id="26" dur="500"/>
                                         <p:tgtEl>
                                           <p:spTgt spid="5">
                                             <p:txEl>
@@ -19698,7 +19484,7 @@
           <p:cNvPr id="2" name="Titel 1">
             <a:extLst>
               <a:ext uri="{FF2B5EF4-FFF2-40B4-BE49-F238E27FC236}">
-                <a16:creationId xmlns:a16="http://schemas.microsoft.com/office/drawing/2014/main" id="{16A39261-3D6E-DDC9-5F20-77ACDF787811}"/>
+                <a16:creationId xmlns:a16="http://schemas.microsoft.com/office/drawing/2014/main" id="{47F3B04D-EE3F-CE7F-1D67-BB7457A9BC91}"/>
               </a:ext>
             </a:extLst>
           </p:cNvPr>
@@ -19716,8 +19502,21 @@
           <a:p>
             <a:r>
               <a:rPr lang="de-DE" dirty="0"/>
-              <a:t>Zugriffsprotokolle: Trigger</a:t>
-            </a:r>
+              <a:t>Verwaltung: </a:t>
+            </a:r>
+            <a:r>
+              <a:rPr lang="de-DE" dirty="0" err="1"/>
+              <a:t>Stored</a:t>
+            </a:r>
+            <a:r>
+              <a:rPr lang="de-DE" dirty="0"/>
+              <a:t> </a:t>
+            </a:r>
+            <a:r>
+              <a:rPr lang="de-DE" dirty="0" err="1"/>
+              <a:t>Functions</a:t>
+            </a:r>
+            <a:endParaRPr lang="de-DE" dirty="0"/>
           </a:p>
         </p:txBody>
       </p:sp>
@@ -19726,7 +19525,7 @@
           <p:cNvPr id="4" name="Foliennummernplatzhalter 3">
             <a:extLst>
               <a:ext uri="{FF2B5EF4-FFF2-40B4-BE49-F238E27FC236}">
-                <a16:creationId xmlns:a16="http://schemas.microsoft.com/office/drawing/2014/main" id="{E56C6920-5DF3-B5C5-BB30-09A127EA6E6C}"/>
+                <a16:creationId xmlns:a16="http://schemas.microsoft.com/office/drawing/2014/main" id="{A7AFB853-608C-C586-147C-9E44BA182E9B}"/>
               </a:ext>
             </a:extLst>
           </p:cNvPr>
@@ -19752,10 +19551,10 @@
       </p:sp>
       <p:sp>
         <p:nvSpPr>
-          <p:cNvPr id="8" name="Inhaltsplatzhalter 2">
+          <p:cNvPr id="7" name="Inhaltsplatzhalter 2">
             <a:extLst>
               <a:ext uri="{FF2B5EF4-FFF2-40B4-BE49-F238E27FC236}">
-                <a16:creationId xmlns:a16="http://schemas.microsoft.com/office/drawing/2014/main" id="{D200B2EF-7E10-38A1-C6B3-1379EB0A3F11}"/>
+                <a16:creationId xmlns:a16="http://schemas.microsoft.com/office/drawing/2014/main" id="{7D548D9B-D53A-FD30-B012-38075F3DD9D5}"/>
               </a:ext>
             </a:extLst>
           </p:cNvPr>
@@ -19774,38 +19573,26 @@
         </p:spPr>
         <p:txBody>
           <a:bodyPr>
-            <a:normAutofit/>
+            <a:normAutofit fontScale="92500" lnSpcReduction="20000"/>
           </a:bodyPr>
           <a:lstStyle/>
           <a:p>
             <a:r>
               <a:rPr lang="de-DE" b="1" i="1" dirty="0" err="1"/>
-              <a:t>beforeUpdateAnwesenheit</a:t>
+              <a:t>isUni</a:t>
+            </a:r>
+            <a:r>
+              <a:rPr lang="de-DE" b="1" i="1" dirty="0"/>
+              <a:t>()</a:t>
+            </a:r>
+          </a:p>
+          <a:p>
+            <a:pPr lvl="1"/>
+            <a:r>
+              <a:rPr lang="de-DE" dirty="0"/>
+              <a:t>Überprüft, ob ein Student mit einer bestimmten Matrikelnummer an der Universität eingeschrieben ist und am angegebenen Datum Veranstaltungen besucht.</a:t>
             </a:r>
             <a:endParaRPr lang="de-DE" b="1" i="1" dirty="0"/>
-          </a:p>
-          <a:p>
-            <a:pPr lvl="1"/>
-            <a:r>
-              <a:rPr lang="de-DE" dirty="0"/>
-              <a:t>Wird vor einem UPDATE-Vorgang auf der Tabelle </a:t>
-            </a:r>
-            <a:r>
-              <a:rPr lang="de-DE" b="1" i="1" dirty="0"/>
-              <a:t>Anwesenheit</a:t>
-            </a:r>
-            <a:r>
-              <a:rPr lang="de-DE" dirty="0"/>
-              <a:t> ausgelöst und führt, bevor die Aktualisierung tatsächlich stattfindet, einen Protokolleintrag in der Tabelle </a:t>
-            </a:r>
-            <a:r>
-              <a:rPr lang="de-DE" b="1" i="1" dirty="0" err="1"/>
-              <a:t>AnwesenheitProtokoll</a:t>
-            </a:r>
-            <a:r>
-              <a:rPr lang="de-DE" dirty="0"/>
-              <a:t>, um Änderungen an der Anwesenheit zu Protokollieren.</a:t>
-            </a:r>
           </a:p>
           <a:p>
             <a:r>
@@ -19817,54 +19604,41 @@
             <a:pPr lvl="1"/>
             <a:r>
               <a:rPr lang="de-DE" dirty="0"/>
-              <a:t>Es wird ein Insert in die Tabelle </a:t>
-            </a:r>
-            <a:r>
-              <a:rPr lang="de-DE" b="1" i="1" dirty="0" err="1"/>
-              <a:t>AnwesenheitProtokoll</a:t>
-            </a:r>
+              <a:t>Die Anzahl der Veranstaltungen am angegebenen Datum für den Studenten mit der angegebenen Matrikelnummer wird abgefragt und in eine Variable gespeichert.</a:t>
+            </a:r>
+          </a:p>
+          <a:p>
+            <a:pPr lvl="1"/>
             <a:r>
               <a:rPr lang="de-DE" dirty="0"/>
-              <a:t> vorgenommen.</a:t>
+              <a:t>Wenn die Anzahl der Veranstaltungen größer als 0 ist wird die Ergebnisvariable auf TRUE gesetzt sonst auf FALSE.</a:t>
             </a:r>
           </a:p>
           <a:p>
             <a:pPr lvl="1"/>
             <a:r>
               <a:rPr lang="de-DE" dirty="0"/>
-              <a:t>Es werden die alte Werte für </a:t>
-            </a:r>
+              <a:t>Ergebnisvariable wird zurückgegeben.</a:t>
+            </a:r>
+          </a:p>
+          <a:p>
             <a:r>
               <a:rPr lang="de-DE" b="1" i="1" dirty="0"/>
-              <a:t>Fehlgrund</a:t>
-            </a:r>
+              <a:t>Parameter</a:t>
+            </a:r>
+          </a:p>
+          <a:p>
+            <a:pPr lvl="1"/>
             <a:r>
               <a:rPr lang="de-DE" dirty="0"/>
-              <a:t>, </a:t>
-            </a:r>
-            <a:r>
-              <a:rPr lang="de-DE" b="1" i="1" dirty="0"/>
-              <a:t>Termin</a:t>
-            </a:r>
+              <a:t>Matrikelnummer</a:t>
+            </a:r>
+          </a:p>
+          <a:p>
+            <a:pPr lvl="1"/>
             <a:r>
               <a:rPr lang="de-DE" dirty="0"/>
-              <a:t> </a:t>
-            </a:r>
-            <a:r>
-              <a:rPr lang="de-DE" b="1" i="1" dirty="0"/>
-              <a:t>ID</a:t>
-            </a:r>
-            <a:r>
-              <a:rPr lang="de-DE" dirty="0"/>
-              <a:t> und </a:t>
-            </a:r>
-            <a:r>
-              <a:rPr lang="de-DE" b="1" i="1" dirty="0"/>
-              <a:t>Matrikelnummer</a:t>
-            </a:r>
-            <a:r>
-              <a:rPr lang="de-DE" dirty="0"/>
-              <a:t> vor der Aktualisierung in die Protokoll Tabelle eingetragen.</a:t>
+              <a:t>Datum</a:t>
             </a:r>
           </a:p>
           <a:p>
@@ -19877,35 +19651,30 @@
             <a:pPr lvl="1"/>
             <a:r>
               <a:rPr lang="de-DE" dirty="0"/>
-              <a:t>Anwesenheit</a:t>
+              <a:t>Student</a:t>
             </a:r>
           </a:p>
           <a:p>
             <a:pPr lvl="1"/>
             <a:r>
               <a:rPr lang="de-DE" dirty="0" err="1"/>
-              <a:t>AnwesenheitProtokoll</a:t>
+              <a:t>BelegteVeranstaltung</a:t>
             </a:r>
             <a:endParaRPr lang="de-DE" dirty="0"/>
           </a:p>
           <a:p>
-            <a:pPr marL="457200" lvl="1" indent="0">
-              <a:buNone/>
-            </a:pPr>
-            <a:endParaRPr lang="de-DE" dirty="0"/>
-          </a:p>
-          <a:p>
-            <a:pPr marL="457200" lvl="1" indent="0">
-              <a:buNone/>
-            </a:pPr>
-            <a:endParaRPr lang="de-DE" dirty="0"/>
+            <a:pPr lvl="1"/>
+            <a:r>
+              <a:rPr lang="de-DE" dirty="0"/>
+              <a:t>Termin</a:t>
+            </a:r>
           </a:p>
         </p:txBody>
       </p:sp>
     </p:spTree>
     <p:extLst>
       <p:ext uri="{BB962C8B-B14F-4D97-AF65-F5344CB8AC3E}">
-        <p14:creationId xmlns:p14="http://schemas.microsoft.com/office/powerpoint/2010/main" val="948154764"/>
+        <p14:creationId xmlns:p14="http://schemas.microsoft.com/office/powerpoint/2010/main" val="1903702817"/>
       </p:ext>
     </p:extLst>
   </p:cSld>
@@ -19946,7 +19715,7 @@
                                           </p:stCondLst>
                                         </p:cTn>
                                         <p:tgtEl>
-                                          <p:spTgt spid="8">
+                                          <p:spTgt spid="7">
                                             <p:txEl>
                                               <p:pRg st="1" end="1"/>
                                             </p:txEl>
@@ -19964,9 +19733,138 @@
                                       <p:cBhvr>
                                         <p:cTn id="7" dur="500"/>
                                         <p:tgtEl>
-                                          <p:spTgt spid="8">
+                                          <p:spTgt spid="7">
                                             <p:txEl>
                                               <p:pRg st="1" end="1"/>
+                                            </p:txEl>
+                                          </p:spTgt>
+                                        </p:tgtEl>
+                                      </p:cBhvr>
+                                    </p:animEffect>
+                                  </p:childTnLst>
+                                </p:cTn>
+                              </p:par>
+                              <p:par>
+                                <p:cTn id="8" presetID="10" presetClass="entr" presetSubtype="0" fill="hold" nodeType="withEffect">
+                                  <p:stCondLst>
+                                    <p:cond delay="0"/>
+                                  </p:stCondLst>
+                                  <p:childTnLst>
+                                    <p:set>
+                                      <p:cBhvr>
+                                        <p:cTn id="9" dur="1" fill="hold">
+                                          <p:stCondLst>
+                                            <p:cond delay="0"/>
+                                          </p:stCondLst>
+                                        </p:cTn>
+                                        <p:tgtEl>
+                                          <p:spTgt spid="7">
+                                            <p:txEl>
+                                              <p:pRg st="3" end="3"/>
+                                            </p:txEl>
+                                          </p:spTgt>
+                                        </p:tgtEl>
+                                        <p:attrNameLst>
+                                          <p:attrName>style.visibility</p:attrName>
+                                        </p:attrNameLst>
+                                      </p:cBhvr>
+                                      <p:to>
+                                        <p:strVal val="visible"/>
+                                      </p:to>
+                                    </p:set>
+                                    <p:animEffect transition="in" filter="fade">
+                                      <p:cBhvr>
+                                        <p:cTn id="10" dur="500"/>
+                                        <p:tgtEl>
+                                          <p:spTgt spid="7">
+                                            <p:txEl>
+                                              <p:pRg st="3" end="3"/>
+                                            </p:txEl>
+                                          </p:spTgt>
+                                        </p:tgtEl>
+                                      </p:cBhvr>
+                                    </p:animEffect>
+                                  </p:childTnLst>
+                                </p:cTn>
+                              </p:par>
+                              <p:par>
+                                <p:cTn id="11" presetID="10" presetClass="entr" presetSubtype="0" fill="hold" nodeType="withEffect">
+                                  <p:stCondLst>
+                                    <p:cond delay="0"/>
+                                  </p:stCondLst>
+                                  <p:childTnLst>
+                                    <p:set>
+                                      <p:cBhvr>
+                                        <p:cTn id="12" dur="1" fill="hold">
+                                          <p:stCondLst>
+                                            <p:cond delay="0"/>
+                                          </p:stCondLst>
+                                        </p:cTn>
+                                        <p:tgtEl>
+                                          <p:spTgt spid="7">
+                                            <p:txEl>
+                                              <p:pRg st="4" end="4"/>
+                                            </p:txEl>
+                                          </p:spTgt>
+                                        </p:tgtEl>
+                                        <p:attrNameLst>
+                                          <p:attrName>style.visibility</p:attrName>
+                                        </p:attrNameLst>
+                                      </p:cBhvr>
+                                      <p:to>
+                                        <p:strVal val="visible"/>
+                                      </p:to>
+                                    </p:set>
+                                    <p:animEffect transition="in" filter="fade">
+                                      <p:cBhvr>
+                                        <p:cTn id="13" dur="500"/>
+                                        <p:tgtEl>
+                                          <p:spTgt spid="7">
+                                            <p:txEl>
+                                              <p:pRg st="4" end="4"/>
+                                            </p:txEl>
+                                          </p:spTgt>
+                                        </p:tgtEl>
+                                      </p:cBhvr>
+                                    </p:animEffect>
+                                  </p:childTnLst>
+                                </p:cTn>
+                              </p:par>
+                              <p:par>
+                                <p:cTn id="14" presetID="10" presetClass="entr" presetSubtype="0" fill="hold" nodeType="withEffect">
+                                  <p:stCondLst>
+                                    <p:cond delay="0"/>
+                                  </p:stCondLst>
+                                  <p:childTnLst>
+                                    <p:set>
+                                      <p:cBhvr>
+                                        <p:cTn id="15" dur="1" fill="hold">
+                                          <p:stCondLst>
+                                            <p:cond delay="0"/>
+                                          </p:stCondLst>
+                                        </p:cTn>
+                                        <p:tgtEl>
+                                          <p:spTgt spid="7">
+                                            <p:txEl>
+                                              <p:pRg st="5" end="5"/>
+                                            </p:txEl>
+                                          </p:spTgt>
+                                        </p:tgtEl>
+                                        <p:attrNameLst>
+                                          <p:attrName>style.visibility</p:attrName>
+                                        </p:attrNameLst>
+                                      </p:cBhvr>
+                                      <p:to>
+                                        <p:strVal val="visible"/>
+                                      </p:to>
+                                    </p:set>
+                                    <p:animEffect transition="in" filter="fade">
+                                      <p:cBhvr>
+                                        <p:cTn id="16" dur="500"/>
+                                        <p:tgtEl>
+                                          <p:spTgt spid="7">
+                                            <p:txEl>
+                                              <p:pRg st="5" end="5"/>
                                             </p:txEl>
                                           </p:spTgt>
                                         </p:tgtEl>
@@ -19982,34 +19880,34 @@
                     </p:cTn>
                   </p:par>
                   <p:par>
-                    <p:cTn id="8" fill="hold">
+                    <p:cTn id="17" fill="hold">
                       <p:stCondLst>
                         <p:cond delay="indefinite"/>
                       </p:stCondLst>
                       <p:childTnLst>
                         <p:par>
-                          <p:cTn id="9" fill="hold">
+                          <p:cTn id="18" fill="hold">
                             <p:stCondLst>
                               <p:cond delay="0"/>
                             </p:stCondLst>
                             <p:childTnLst>
                               <p:par>
-                                <p:cTn id="10" presetID="10" presetClass="entr" presetSubtype="0" fill="hold" nodeType="clickEffect">
+                                <p:cTn id="19" presetID="10" presetClass="entr" presetSubtype="0" fill="hold" nodeType="clickEffect">
                                   <p:stCondLst>
                                     <p:cond delay="0"/>
                                   </p:stCondLst>
                                   <p:childTnLst>
                                     <p:set>
                                       <p:cBhvr>
-                                        <p:cTn id="11" dur="1" fill="hold">
+                                        <p:cTn id="20" dur="1" fill="hold">
                                           <p:stCondLst>
                                             <p:cond delay="0"/>
                                           </p:stCondLst>
                                         </p:cTn>
                                         <p:tgtEl>
-                                          <p:spTgt spid="8">
-                                            <p:txEl>
-                                              <p:pRg st="3" end="3"/>
+                                          <p:spTgt spid="7">
+                                            <p:txEl>
+                                              <p:pRg st="7" end="7"/>
                                             </p:txEl>
                                           </p:spTgt>
                                         </p:tgtEl>
@@ -20023,54 +19921,11 @@
                                     </p:set>
                                     <p:animEffect transition="in" filter="fade">
                                       <p:cBhvr>
-                                        <p:cTn id="12" dur="500"/>
-                                        <p:tgtEl>
-                                          <p:spTgt spid="8">
-                                            <p:txEl>
-                                              <p:pRg st="3" end="3"/>
-                                            </p:txEl>
-                                          </p:spTgt>
-                                        </p:tgtEl>
-                                      </p:cBhvr>
-                                    </p:animEffect>
-                                  </p:childTnLst>
-                                </p:cTn>
-                              </p:par>
-                              <p:par>
-                                <p:cTn id="13" presetID="10" presetClass="entr" presetSubtype="0" fill="hold" nodeType="withEffect">
-                                  <p:stCondLst>
-                                    <p:cond delay="0"/>
-                                  </p:stCondLst>
-                                  <p:childTnLst>
-                                    <p:set>
-                                      <p:cBhvr>
-                                        <p:cTn id="14" dur="1" fill="hold">
-                                          <p:stCondLst>
-                                            <p:cond delay="0"/>
-                                          </p:stCondLst>
-                                        </p:cTn>
-                                        <p:tgtEl>
-                                          <p:spTgt spid="8">
-                                            <p:txEl>
-                                              <p:pRg st="4" end="4"/>
-                                            </p:txEl>
-                                          </p:spTgt>
-                                        </p:tgtEl>
-                                        <p:attrNameLst>
-                                          <p:attrName>style.visibility</p:attrName>
-                                        </p:attrNameLst>
-                                      </p:cBhvr>
-                                      <p:to>
-                                        <p:strVal val="visible"/>
-                                      </p:to>
-                                    </p:set>
-                                    <p:animEffect transition="in" filter="fade">
-                                      <p:cBhvr>
-                                        <p:cTn id="15" dur="500"/>
-                                        <p:tgtEl>
-                                          <p:spTgt spid="8">
-                                            <p:txEl>
-                                              <p:pRg st="4" end="4"/>
+                                        <p:cTn id="21" dur="500"/>
+                                        <p:tgtEl>
+                                          <p:spTgt spid="7">
+                                            <p:txEl>
+                                              <p:pRg st="7" end="7"/>
                                             </p:txEl>
                                           </p:spTgt>
                                         </p:tgtEl>
@@ -20086,34 +19941,34 @@
                     </p:cTn>
                   </p:par>
                   <p:par>
-                    <p:cTn id="16" fill="hold">
+                    <p:cTn id="22" fill="hold">
                       <p:stCondLst>
                         <p:cond delay="indefinite"/>
                       </p:stCondLst>
                       <p:childTnLst>
                         <p:par>
-                          <p:cTn id="17" fill="hold">
+                          <p:cTn id="23" fill="hold">
                             <p:stCondLst>
                               <p:cond delay="0"/>
                             </p:stCondLst>
                             <p:childTnLst>
                               <p:par>
-                                <p:cTn id="18" presetID="10" presetClass="entr" presetSubtype="0" fill="hold" nodeType="clickEffect">
+                                <p:cTn id="24" presetID="10" presetClass="entr" presetSubtype="0" fill="hold" nodeType="clickEffect">
                                   <p:stCondLst>
                                     <p:cond delay="0"/>
                                   </p:stCondLst>
                                   <p:childTnLst>
                                     <p:set>
                                       <p:cBhvr>
-                                        <p:cTn id="19" dur="1" fill="hold">
+                                        <p:cTn id="25" dur="1" fill="hold">
                                           <p:stCondLst>
                                             <p:cond delay="0"/>
                                           </p:stCondLst>
                                         </p:cTn>
                                         <p:tgtEl>
-                                          <p:spTgt spid="8">
-                                            <p:txEl>
-                                              <p:pRg st="6" end="6"/>
+                                          <p:spTgt spid="7">
+                                            <p:txEl>
+                                              <p:pRg st="8" end="8"/>
                                             </p:txEl>
                                           </p:spTgt>
                                         </p:tgtEl>
@@ -20127,11 +19982,72 @@
                                     </p:set>
                                     <p:animEffect transition="in" filter="fade">
                                       <p:cBhvr>
-                                        <p:cTn id="20" dur="500"/>
-                                        <p:tgtEl>
-                                          <p:spTgt spid="8">
-                                            <p:txEl>
-                                              <p:pRg st="6" end="6"/>
+                                        <p:cTn id="26" dur="500"/>
+                                        <p:tgtEl>
+                                          <p:spTgt spid="7">
+                                            <p:txEl>
+                                              <p:pRg st="8" end="8"/>
+                                            </p:txEl>
+                                          </p:spTgt>
+                                        </p:tgtEl>
+                                      </p:cBhvr>
+                                    </p:animEffect>
+                                  </p:childTnLst>
+                                </p:cTn>
+                              </p:par>
+                            </p:childTnLst>
+                          </p:cTn>
+                        </p:par>
+                      </p:childTnLst>
+                    </p:cTn>
+                  </p:par>
+                  <p:par>
+                    <p:cTn id="27" fill="hold">
+                      <p:stCondLst>
+                        <p:cond delay="indefinite"/>
+                      </p:stCondLst>
+                      <p:childTnLst>
+                        <p:par>
+                          <p:cTn id="28" fill="hold">
+                            <p:stCondLst>
+                              <p:cond delay="0"/>
+                            </p:stCondLst>
+                            <p:childTnLst>
+                              <p:par>
+                                <p:cTn id="29" presetID="10" presetClass="entr" presetSubtype="0" fill="hold" nodeType="clickEffect">
+                                  <p:stCondLst>
+                                    <p:cond delay="0"/>
+                                  </p:stCondLst>
+                                  <p:childTnLst>
+                                    <p:set>
+                                      <p:cBhvr>
+                                        <p:cTn id="30" dur="1" fill="hold">
+                                          <p:stCondLst>
+                                            <p:cond delay="0"/>
+                                          </p:stCondLst>
+                                        </p:cTn>
+                                        <p:tgtEl>
+                                          <p:spTgt spid="7">
+                                            <p:txEl>
+                                              <p:pRg st="10" end="10"/>
+                                            </p:txEl>
+                                          </p:spTgt>
+                                        </p:tgtEl>
+                                        <p:attrNameLst>
+                                          <p:attrName>style.visibility</p:attrName>
+                                        </p:attrNameLst>
+                                      </p:cBhvr>
+                                      <p:to>
+                                        <p:strVal val="visible"/>
+                                      </p:to>
+                                    </p:set>
+                                    <p:animEffect transition="in" filter="fade">
+                                      <p:cBhvr>
+                                        <p:cTn id="31" dur="500"/>
+                                        <p:tgtEl>
+                                          <p:spTgt spid="7">
+                                            <p:txEl>
+                                              <p:pRg st="10" end="10"/>
                                             </p:txEl>
                                           </p:spTgt>
                                         </p:tgtEl>
@@ -20141,22 +20057,22 @@
                                 </p:cTn>
                               </p:par>
                               <p:par>
-                                <p:cTn id="21" presetID="10" presetClass="entr" presetSubtype="0" fill="hold" nodeType="withEffect">
+                                <p:cTn id="32" presetID="10" presetClass="entr" presetSubtype="0" fill="hold" nodeType="withEffect">
                                   <p:stCondLst>
                                     <p:cond delay="0"/>
                                   </p:stCondLst>
                                   <p:childTnLst>
                                     <p:set>
                                       <p:cBhvr>
-                                        <p:cTn id="22" dur="1" fill="hold">
+                                        <p:cTn id="33" dur="1" fill="hold">
                                           <p:stCondLst>
                                             <p:cond delay="0"/>
                                           </p:stCondLst>
                                         </p:cTn>
                                         <p:tgtEl>
-                                          <p:spTgt spid="8">
-                                            <p:txEl>
-                                              <p:pRg st="7" end="7"/>
+                                          <p:spTgt spid="7">
+                                            <p:txEl>
+                                              <p:pRg st="11" end="11"/>
                                             </p:txEl>
                                           </p:spTgt>
                                         </p:tgtEl>
@@ -20170,11 +20086,54 @@
                                     </p:set>
                                     <p:animEffect transition="in" filter="fade">
                                       <p:cBhvr>
-                                        <p:cTn id="23" dur="500"/>
-                                        <p:tgtEl>
-                                          <p:spTgt spid="8">
-                                            <p:txEl>
-                                              <p:pRg st="7" end="7"/>
+                                        <p:cTn id="34" dur="500"/>
+                                        <p:tgtEl>
+                                          <p:spTgt spid="7">
+                                            <p:txEl>
+                                              <p:pRg st="11" end="11"/>
+                                            </p:txEl>
+                                          </p:spTgt>
+                                        </p:tgtEl>
+                                      </p:cBhvr>
+                                    </p:animEffect>
+                                  </p:childTnLst>
+                                </p:cTn>
+                              </p:par>
+                              <p:par>
+                                <p:cTn id="35" presetID="10" presetClass="entr" presetSubtype="0" fill="hold" nodeType="withEffect">
+                                  <p:stCondLst>
+                                    <p:cond delay="0"/>
+                                  </p:stCondLst>
+                                  <p:childTnLst>
+                                    <p:set>
+                                      <p:cBhvr>
+                                        <p:cTn id="36" dur="1" fill="hold">
+                                          <p:stCondLst>
+                                            <p:cond delay="0"/>
+                                          </p:stCondLst>
+                                        </p:cTn>
+                                        <p:tgtEl>
+                                          <p:spTgt spid="7">
+                                            <p:txEl>
+                                              <p:pRg st="12" end="12"/>
+                                            </p:txEl>
+                                          </p:spTgt>
+                                        </p:tgtEl>
+                                        <p:attrNameLst>
+                                          <p:attrName>style.visibility</p:attrName>
+                                        </p:attrNameLst>
+                                      </p:cBhvr>
+                                      <p:to>
+                                        <p:strVal val="visible"/>
+                                      </p:to>
+                                    </p:set>
+                                    <p:animEffect transition="in" filter="fade">
+                                      <p:cBhvr>
+                                        <p:cTn id="37" dur="500"/>
+                                        <p:tgtEl>
+                                          <p:spTgt spid="7">
+                                            <p:txEl>
+                                              <p:pRg st="12" end="12"/>
                                             </p:txEl>
                                           </p:spTgt>
                                         </p:tgtEl>
@@ -20318,7 +20277,7 @@
           <a:p>
             <a:r>
               <a:rPr lang="de-DE" b="1" i="1" dirty="0" err="1"/>
-              <a:t>TerminTrigger</a:t>
+              <a:t>beforeUpdateAnwesenheit</a:t>
             </a:r>
             <a:endParaRPr lang="de-DE" b="1" i="1" dirty="0"/>
           </a:p>
@@ -20326,7 +20285,59 @@
             <a:pPr lvl="1"/>
             <a:r>
               <a:rPr lang="de-DE" dirty="0"/>
-              <a:t>Wird nach einem UPDATE-Vorgang auf der Tabelle </a:t>
+              <a:t>Wird vor einem UPDATE-Vorgang auf der Tabelle </a:t>
+            </a:r>
+            <a:r>
+              <a:rPr lang="de-DE" b="1" i="1" dirty="0"/>
+              <a:t>Anwesenheit</a:t>
+            </a:r>
+            <a:r>
+              <a:rPr lang="de-DE" dirty="0"/>
+              <a:t> ausgelöst und führt, bevor die Aktualisierung tatsächlich stattfindet, einen Protokolleintrag in der Tabelle </a:t>
+            </a:r>
+            <a:r>
+              <a:rPr lang="de-DE" b="1" i="1" dirty="0" err="1"/>
+              <a:t>AnwesenheitProtokoll</a:t>
+            </a:r>
+            <a:r>
+              <a:rPr lang="de-DE" dirty="0"/>
+              <a:t>, um Änderungen an der Anwesenheit zu Protokollieren.</a:t>
+            </a:r>
+          </a:p>
+          <a:p>
+            <a:r>
+              <a:rPr lang="de-DE" b="1" i="1" dirty="0"/>
+              <a:t>Funktionalität</a:t>
+            </a:r>
+          </a:p>
+          <a:p>
+            <a:pPr lvl="1"/>
+            <a:r>
+              <a:rPr lang="de-DE" dirty="0"/>
+              <a:t>Es wird ein Insert in die Tabelle </a:t>
+            </a:r>
+            <a:r>
+              <a:rPr lang="de-DE" b="1" i="1" dirty="0" err="1"/>
+              <a:t>AnwesenheitProtokoll</a:t>
+            </a:r>
+            <a:r>
+              <a:rPr lang="de-DE" dirty="0"/>
+              <a:t> vorgenommen.</a:t>
+            </a:r>
+          </a:p>
+          <a:p>
+            <a:pPr lvl="1"/>
+            <a:r>
+              <a:rPr lang="de-DE" dirty="0"/>
+              <a:t>Es werden die alte Werte für </a:t>
+            </a:r>
+            <a:r>
+              <a:rPr lang="de-DE" b="1" i="1" dirty="0"/>
+              <a:t>Fehlgrund</a:t>
+            </a:r>
+            <a:r>
+              <a:rPr lang="de-DE" dirty="0"/>
+              <a:t>, </a:t>
             </a:r>
             <a:r>
               <a:rPr lang="de-DE" b="1" i="1" dirty="0"/>
@@ -20334,33 +20345,11 @@
             </a:r>
             <a:r>
               <a:rPr lang="de-DE" dirty="0"/>
-              <a:t> ausgelöst und führt je nach Änderungen an den Feldern spezifische Aktionen aus.</a:t>
-            </a:r>
-            <a:endParaRPr lang="de-DE" b="1" i="1" dirty="0"/>
-          </a:p>
-          <a:p>
+              <a:t> </a:t>
+            </a:r>
             <a:r>
               <a:rPr lang="de-DE" b="1" i="1" dirty="0"/>
-              <a:t>Funktionalität</a:t>
-            </a:r>
-          </a:p>
-          <a:p>
-            <a:pPr lvl="1"/>
-            <a:r>
-              <a:rPr lang="de-DE" dirty="0"/>
-              <a:t>Wenn die Felder </a:t>
-            </a:r>
-            <a:r>
-              <a:rPr lang="de-DE" b="1" i="1" dirty="0"/>
-              <a:t>Datum</a:t>
-            </a:r>
-            <a:r>
-              <a:rPr lang="de-DE" dirty="0"/>
-              <a:t>, </a:t>
-            </a:r>
-            <a:r>
-              <a:rPr lang="de-DE" b="1" i="1" dirty="0"/>
-              <a:t>Beginn</a:t>
+              <a:t>ID</a:t>
             </a:r>
             <a:r>
               <a:rPr lang="de-DE" dirty="0"/>
@@ -20368,42 +20357,11 @@
             </a:r>
             <a:r>
               <a:rPr lang="de-DE" b="1" i="1" dirty="0"/>
-              <a:t>Ende</a:t>
+              <a:t>Matrikelnummer</a:t>
             </a:r>
             <a:r>
               <a:rPr lang="de-DE" dirty="0"/>
-              <a:t> des Termins auf </a:t>
-            </a:r>
-            <a:r>
-              <a:rPr lang="de-DE" b="1" i="1" dirty="0"/>
-              <a:t>Null</a:t>
-            </a:r>
-            <a:r>
-              <a:rPr lang="de-DE" dirty="0"/>
-              <a:t> gesetzt werden, ruft der Trigger die Funktion </a:t>
-            </a:r>
-            <a:r>
-              <a:rPr lang="de-DE" b="1" i="1" dirty="0" err="1"/>
-              <a:t>lasseTerminAusfallen</a:t>
-            </a:r>
-            <a:r>
-              <a:rPr lang="de-DE" dirty="0"/>
-              <a:t> auf.</a:t>
-            </a:r>
-          </a:p>
-          <a:p>
-            <a:pPr lvl="1"/>
-            <a:r>
-              <a:rPr lang="de-DE" dirty="0"/>
-              <a:t>Wenn die Felder anderweitig geändert werden, dann wird die Funktion </a:t>
-            </a:r>
-            <a:r>
-              <a:rPr lang="de-DE" b="1" i="1" dirty="0" err="1"/>
-              <a:t>verschiebeTermin</a:t>
-            </a:r>
-            <a:r>
-              <a:rPr lang="de-DE" dirty="0"/>
-              <a:t> aufgerufen.</a:t>
+              <a:t> vor der Aktualisierung in die Protokoll Tabelle eingetragen.</a:t>
             </a:r>
           </a:p>
           <a:p>
@@ -20416,15 +20374,22 @@
             <a:pPr lvl="1"/>
             <a:r>
               <a:rPr lang="de-DE" dirty="0"/>
-              <a:t>Termin</a:t>
+              <a:t>Anwesenheit</a:t>
             </a:r>
           </a:p>
           <a:p>
             <a:pPr lvl="1"/>
             <a:r>
-              <a:rPr lang="de-DE" dirty="0"/>
-              <a:t>Historie (Indirekt)</a:t>
-            </a:r>
+              <a:rPr lang="de-DE" dirty="0" err="1"/>
+              <a:t>AnwesenheitProtokoll</a:t>
+            </a:r>
+            <a:endParaRPr lang="de-DE" dirty="0"/>
+          </a:p>
+          <a:p>
+            <a:pPr marL="457200" lvl="1" indent="0">
+              <a:buNone/>
+            </a:pPr>
+            <a:endParaRPr lang="de-DE" dirty="0"/>
           </a:p>
           <a:p>
             <a:pPr marL="457200" lvl="1" indent="0">
@@ -20437,7 +20402,7 @@
     </p:spTree>
     <p:extLst>
       <p:ext uri="{BB962C8B-B14F-4D97-AF65-F5344CB8AC3E}">
-        <p14:creationId xmlns:p14="http://schemas.microsoft.com/office/powerpoint/2010/main" val="3699738797"/>
+        <p14:creationId xmlns:p14="http://schemas.microsoft.com/office/powerpoint/2010/main" val="948154764"/>
       </p:ext>
     </p:extLst>
   </p:cSld>
@@ -20765,6 +20730,538 @@
       </p:grpSpPr>
       <p:sp>
         <p:nvSpPr>
+          <p:cNvPr id="2" name="Titel 1">
+            <a:extLst>
+              <a:ext uri="{FF2B5EF4-FFF2-40B4-BE49-F238E27FC236}">
+                <a16:creationId xmlns:a16="http://schemas.microsoft.com/office/drawing/2014/main" id="{16A39261-3D6E-DDC9-5F20-77ACDF787811}"/>
+              </a:ext>
+            </a:extLst>
+          </p:cNvPr>
+          <p:cNvSpPr>
+            <a:spLocks noGrp="1"/>
+          </p:cNvSpPr>
+          <p:nvPr>
+            <p:ph type="title"/>
+          </p:nvPr>
+        </p:nvSpPr>
+        <p:spPr/>
+        <p:txBody>
+          <a:bodyPr/>
+          <a:lstStyle/>
+          <a:p>
+            <a:r>
+              <a:rPr lang="de-DE" dirty="0"/>
+              <a:t>Zugriffsprotokolle: Trigger</a:t>
+            </a:r>
+          </a:p>
+        </p:txBody>
+      </p:sp>
+      <p:sp>
+        <p:nvSpPr>
+          <p:cNvPr id="4" name="Foliennummernplatzhalter 3">
+            <a:extLst>
+              <a:ext uri="{FF2B5EF4-FFF2-40B4-BE49-F238E27FC236}">
+                <a16:creationId xmlns:a16="http://schemas.microsoft.com/office/drawing/2014/main" id="{E56C6920-5DF3-B5C5-BB30-09A127EA6E6C}"/>
+              </a:ext>
+            </a:extLst>
+          </p:cNvPr>
+          <p:cNvSpPr>
+            <a:spLocks noGrp="1"/>
+          </p:cNvSpPr>
+          <p:nvPr>
+            <p:ph type="sldNum" sz="quarter" idx="12"/>
+          </p:nvPr>
+        </p:nvSpPr>
+        <p:spPr/>
+        <p:txBody>
+          <a:bodyPr/>
+          <a:lstStyle/>
+          <a:p>
+            <a:fld id="{0D177590-C0B9-4388-A01F-98FB57FCBBE4}" type="slidenum">
+              <a:rPr lang="de-DE" smtClean="0"/>
+              <a:t>34</a:t>
+            </a:fld>
+            <a:endParaRPr lang="de-DE"/>
+          </a:p>
+        </p:txBody>
+      </p:sp>
+      <p:sp>
+        <p:nvSpPr>
+          <p:cNvPr id="8" name="Inhaltsplatzhalter 2">
+            <a:extLst>
+              <a:ext uri="{FF2B5EF4-FFF2-40B4-BE49-F238E27FC236}">
+                <a16:creationId xmlns:a16="http://schemas.microsoft.com/office/drawing/2014/main" id="{D200B2EF-7E10-38A1-C6B3-1379EB0A3F11}"/>
+              </a:ext>
+            </a:extLst>
+          </p:cNvPr>
+          <p:cNvSpPr>
+            <a:spLocks noGrp="1"/>
+          </p:cNvSpPr>
+          <p:nvPr>
+            <p:ph idx="1"/>
+          </p:nvPr>
+        </p:nvSpPr>
+        <p:spPr>
+          <a:xfrm>
+            <a:off x="677334" y="1696720"/>
+            <a:ext cx="8596668" cy="4834268"/>
+          </a:xfrm>
+        </p:spPr>
+        <p:txBody>
+          <a:bodyPr>
+            <a:normAutofit/>
+          </a:bodyPr>
+          <a:lstStyle/>
+          <a:p>
+            <a:r>
+              <a:rPr lang="de-DE" b="1" i="1" dirty="0" err="1"/>
+              <a:t>TerminTrigger</a:t>
+            </a:r>
+            <a:endParaRPr lang="de-DE" b="1" i="1" dirty="0"/>
+          </a:p>
+          <a:p>
+            <a:pPr lvl="1"/>
+            <a:r>
+              <a:rPr lang="de-DE" dirty="0"/>
+              <a:t>Wird nach einem UPDATE-Vorgang auf der Tabelle </a:t>
+            </a:r>
+            <a:r>
+              <a:rPr lang="de-DE" b="1" i="1" dirty="0"/>
+              <a:t>Termin</a:t>
+            </a:r>
+            <a:r>
+              <a:rPr lang="de-DE" dirty="0"/>
+              <a:t> ausgelöst und führt je nach Änderungen an den Feldern spezifische Aktionen aus.</a:t>
+            </a:r>
+            <a:endParaRPr lang="de-DE" b="1" i="1" dirty="0"/>
+          </a:p>
+          <a:p>
+            <a:r>
+              <a:rPr lang="de-DE" b="1" i="1" dirty="0"/>
+              <a:t>Funktionalität</a:t>
+            </a:r>
+          </a:p>
+          <a:p>
+            <a:pPr lvl="1"/>
+            <a:r>
+              <a:rPr lang="de-DE" dirty="0"/>
+              <a:t>Wenn die Felder </a:t>
+            </a:r>
+            <a:r>
+              <a:rPr lang="de-DE" b="1" i="1" dirty="0"/>
+              <a:t>Datum</a:t>
+            </a:r>
+            <a:r>
+              <a:rPr lang="de-DE" dirty="0"/>
+              <a:t>, </a:t>
+            </a:r>
+            <a:r>
+              <a:rPr lang="de-DE" b="1" i="1" dirty="0"/>
+              <a:t>Beginn</a:t>
+            </a:r>
+            <a:r>
+              <a:rPr lang="de-DE" dirty="0"/>
+              <a:t> und </a:t>
+            </a:r>
+            <a:r>
+              <a:rPr lang="de-DE" b="1" i="1" dirty="0"/>
+              <a:t>Ende</a:t>
+            </a:r>
+            <a:r>
+              <a:rPr lang="de-DE" dirty="0"/>
+              <a:t> des Termins auf </a:t>
+            </a:r>
+            <a:r>
+              <a:rPr lang="de-DE" b="1" i="1" dirty="0"/>
+              <a:t>Null</a:t>
+            </a:r>
+            <a:r>
+              <a:rPr lang="de-DE" dirty="0"/>
+              <a:t> gesetzt werden, ruft der Trigger die Funktion </a:t>
+            </a:r>
+            <a:r>
+              <a:rPr lang="de-DE" b="1" i="1" dirty="0" err="1"/>
+              <a:t>lasseTerminAusfallen</a:t>
+            </a:r>
+            <a:r>
+              <a:rPr lang="de-DE" dirty="0"/>
+              <a:t> auf.</a:t>
+            </a:r>
+          </a:p>
+          <a:p>
+            <a:pPr lvl="1"/>
+            <a:r>
+              <a:rPr lang="de-DE" dirty="0"/>
+              <a:t>Wenn die Felder anderweitig geändert werden, dann wird die Funktion </a:t>
+            </a:r>
+            <a:r>
+              <a:rPr lang="de-DE" b="1" i="1" dirty="0" err="1"/>
+              <a:t>verschiebeTermin</a:t>
+            </a:r>
+            <a:r>
+              <a:rPr lang="de-DE" dirty="0"/>
+              <a:t> aufgerufen.</a:t>
+            </a:r>
+          </a:p>
+          <a:p>
+            <a:r>
+              <a:rPr lang="de-DE" b="1" i="1" dirty="0"/>
+              <a:t>Beteiligte Tabellen</a:t>
+            </a:r>
+          </a:p>
+          <a:p>
+            <a:pPr lvl="1"/>
+            <a:r>
+              <a:rPr lang="de-DE" dirty="0"/>
+              <a:t>Termin</a:t>
+            </a:r>
+          </a:p>
+          <a:p>
+            <a:pPr lvl="1"/>
+            <a:r>
+              <a:rPr lang="de-DE" dirty="0"/>
+              <a:t>Historie (Indirekt)</a:t>
+            </a:r>
+          </a:p>
+          <a:p>
+            <a:pPr marL="457200" lvl="1" indent="0">
+              <a:buNone/>
+            </a:pPr>
+            <a:endParaRPr lang="de-DE" dirty="0"/>
+          </a:p>
+        </p:txBody>
+      </p:sp>
+    </p:spTree>
+    <p:extLst>
+      <p:ext uri="{BB962C8B-B14F-4D97-AF65-F5344CB8AC3E}">
+        <p14:creationId xmlns:p14="http://schemas.microsoft.com/office/powerpoint/2010/main" val="3699738797"/>
+      </p:ext>
+    </p:extLst>
+  </p:cSld>
+  <p:clrMapOvr>
+    <a:masterClrMapping/>
+  </p:clrMapOvr>
+  <p:timing>
+    <p:tnLst>
+      <p:par>
+        <p:cTn id="1" dur="indefinite" restart="never" nodeType="tmRoot">
+          <p:childTnLst>
+            <p:seq concurrent="1" nextAc="seek">
+              <p:cTn id="2" dur="indefinite" nodeType="mainSeq">
+                <p:childTnLst>
+                  <p:par>
+                    <p:cTn id="3" fill="hold">
+                      <p:stCondLst>
+                        <p:cond delay="indefinite"/>
+                      </p:stCondLst>
+                      <p:childTnLst>
+                        <p:par>
+                          <p:cTn id="4" fill="hold">
+                            <p:stCondLst>
+                              <p:cond delay="0"/>
+                            </p:stCondLst>
+                            <p:childTnLst>
+                              <p:par>
+                                <p:cTn id="5" presetID="10" presetClass="entr" presetSubtype="0" fill="hold" nodeType="clickEffect">
+                                  <p:stCondLst>
+                                    <p:cond delay="0"/>
+                                  </p:stCondLst>
+                                  <p:childTnLst>
+                                    <p:set>
+                                      <p:cBhvr>
+                                        <p:cTn id="6" dur="1" fill="hold">
+                                          <p:stCondLst>
+                                            <p:cond delay="0"/>
+                                          </p:stCondLst>
+                                        </p:cTn>
+                                        <p:tgtEl>
+                                          <p:spTgt spid="8">
+                                            <p:txEl>
+                                              <p:pRg st="1" end="1"/>
+                                            </p:txEl>
+                                          </p:spTgt>
+                                        </p:tgtEl>
+                                        <p:attrNameLst>
+                                          <p:attrName>style.visibility</p:attrName>
+                                        </p:attrNameLst>
+                                      </p:cBhvr>
+                                      <p:to>
+                                        <p:strVal val="visible"/>
+                                      </p:to>
+                                    </p:set>
+                                    <p:animEffect transition="in" filter="fade">
+                                      <p:cBhvr>
+                                        <p:cTn id="7" dur="500"/>
+                                        <p:tgtEl>
+                                          <p:spTgt spid="8">
+                                            <p:txEl>
+                                              <p:pRg st="1" end="1"/>
+                                            </p:txEl>
+                                          </p:spTgt>
+                                        </p:tgtEl>
+                                      </p:cBhvr>
+                                    </p:animEffect>
+                                  </p:childTnLst>
+                                </p:cTn>
+                              </p:par>
+                            </p:childTnLst>
+                          </p:cTn>
+                        </p:par>
+                      </p:childTnLst>
+                    </p:cTn>
+                  </p:par>
+                  <p:par>
+                    <p:cTn id="8" fill="hold">
+                      <p:stCondLst>
+                        <p:cond delay="indefinite"/>
+                      </p:stCondLst>
+                      <p:childTnLst>
+                        <p:par>
+                          <p:cTn id="9" fill="hold">
+                            <p:stCondLst>
+                              <p:cond delay="0"/>
+                            </p:stCondLst>
+                            <p:childTnLst>
+                              <p:par>
+                                <p:cTn id="10" presetID="10" presetClass="entr" presetSubtype="0" fill="hold" nodeType="clickEffect">
+                                  <p:stCondLst>
+                                    <p:cond delay="0"/>
+                                  </p:stCondLst>
+                                  <p:childTnLst>
+                                    <p:set>
+                                      <p:cBhvr>
+                                        <p:cTn id="11" dur="1" fill="hold">
+                                          <p:stCondLst>
+                                            <p:cond delay="0"/>
+                                          </p:stCondLst>
+                                        </p:cTn>
+                                        <p:tgtEl>
+                                          <p:spTgt spid="8">
+                                            <p:txEl>
+                                              <p:pRg st="3" end="3"/>
+                                            </p:txEl>
+                                          </p:spTgt>
+                                        </p:tgtEl>
+                                        <p:attrNameLst>
+                                          <p:attrName>style.visibility</p:attrName>
+                                        </p:attrNameLst>
+                                      </p:cBhvr>
+                                      <p:to>
+                                        <p:strVal val="visible"/>
+                                      </p:to>
+                                    </p:set>
+                                    <p:animEffect transition="in" filter="fade">
+                                      <p:cBhvr>
+                                        <p:cTn id="12" dur="500"/>
+                                        <p:tgtEl>
+                                          <p:spTgt spid="8">
+                                            <p:txEl>
+                                              <p:pRg st="3" end="3"/>
+                                            </p:txEl>
+                                          </p:spTgt>
+                                        </p:tgtEl>
+                                      </p:cBhvr>
+                                    </p:animEffect>
+                                  </p:childTnLst>
+                                </p:cTn>
+                              </p:par>
+                              <p:par>
+                                <p:cTn id="13" presetID="10" presetClass="entr" presetSubtype="0" fill="hold" nodeType="withEffect">
+                                  <p:stCondLst>
+                                    <p:cond delay="0"/>
+                                  </p:stCondLst>
+                                  <p:childTnLst>
+                                    <p:set>
+                                      <p:cBhvr>
+                                        <p:cTn id="14" dur="1" fill="hold">
+                                          <p:stCondLst>
+                                            <p:cond delay="0"/>
+                                          </p:stCondLst>
+                                        </p:cTn>
+                                        <p:tgtEl>
+                                          <p:spTgt spid="8">
+                                            <p:txEl>
+                                              <p:pRg st="4" end="4"/>
+                                            </p:txEl>
+                                          </p:spTgt>
+                                        </p:tgtEl>
+                                        <p:attrNameLst>
+                                          <p:attrName>style.visibility</p:attrName>
+                                        </p:attrNameLst>
+                                      </p:cBhvr>
+                                      <p:to>
+                                        <p:strVal val="visible"/>
+                                      </p:to>
+                                    </p:set>
+                                    <p:animEffect transition="in" filter="fade">
+                                      <p:cBhvr>
+                                        <p:cTn id="15" dur="500"/>
+                                        <p:tgtEl>
+                                          <p:spTgt spid="8">
+                                            <p:txEl>
+                                              <p:pRg st="4" end="4"/>
+                                            </p:txEl>
+                                          </p:spTgt>
+                                        </p:tgtEl>
+                                      </p:cBhvr>
+                                    </p:animEffect>
+                                  </p:childTnLst>
+                                </p:cTn>
+                              </p:par>
+                            </p:childTnLst>
+                          </p:cTn>
+                        </p:par>
+                      </p:childTnLst>
+                    </p:cTn>
+                  </p:par>
+                  <p:par>
+                    <p:cTn id="16" fill="hold">
+                      <p:stCondLst>
+                        <p:cond delay="indefinite"/>
+                      </p:stCondLst>
+                      <p:childTnLst>
+                        <p:par>
+                          <p:cTn id="17" fill="hold">
+                            <p:stCondLst>
+                              <p:cond delay="0"/>
+                            </p:stCondLst>
+                            <p:childTnLst>
+                              <p:par>
+                                <p:cTn id="18" presetID="10" presetClass="entr" presetSubtype="0" fill="hold" nodeType="clickEffect">
+                                  <p:stCondLst>
+                                    <p:cond delay="0"/>
+                                  </p:stCondLst>
+                                  <p:childTnLst>
+                                    <p:set>
+                                      <p:cBhvr>
+                                        <p:cTn id="19" dur="1" fill="hold">
+                                          <p:stCondLst>
+                                            <p:cond delay="0"/>
+                                          </p:stCondLst>
+                                        </p:cTn>
+                                        <p:tgtEl>
+                                          <p:spTgt spid="8">
+                                            <p:txEl>
+                                              <p:pRg st="6" end="6"/>
+                                            </p:txEl>
+                                          </p:spTgt>
+                                        </p:tgtEl>
+                                        <p:attrNameLst>
+                                          <p:attrName>style.visibility</p:attrName>
+                                        </p:attrNameLst>
+                                      </p:cBhvr>
+                                      <p:to>
+                                        <p:strVal val="visible"/>
+                                      </p:to>
+                                    </p:set>
+                                    <p:animEffect transition="in" filter="fade">
+                                      <p:cBhvr>
+                                        <p:cTn id="20" dur="500"/>
+                                        <p:tgtEl>
+                                          <p:spTgt spid="8">
+                                            <p:txEl>
+                                              <p:pRg st="6" end="6"/>
+                                            </p:txEl>
+                                          </p:spTgt>
+                                        </p:tgtEl>
+                                      </p:cBhvr>
+                                    </p:animEffect>
+                                  </p:childTnLst>
+                                </p:cTn>
+                              </p:par>
+                              <p:par>
+                                <p:cTn id="21" presetID="10" presetClass="entr" presetSubtype="0" fill="hold" nodeType="withEffect">
+                                  <p:stCondLst>
+                                    <p:cond delay="0"/>
+                                  </p:stCondLst>
+                                  <p:childTnLst>
+                                    <p:set>
+                                      <p:cBhvr>
+                                        <p:cTn id="22" dur="1" fill="hold">
+                                          <p:stCondLst>
+                                            <p:cond delay="0"/>
+                                          </p:stCondLst>
+                                        </p:cTn>
+                                        <p:tgtEl>
+                                          <p:spTgt spid="8">
+                                            <p:txEl>
+                                              <p:pRg st="7" end="7"/>
+                                            </p:txEl>
+                                          </p:spTgt>
+                                        </p:tgtEl>
+                                        <p:attrNameLst>
+                                          <p:attrName>style.visibility</p:attrName>
+                                        </p:attrNameLst>
+                                      </p:cBhvr>
+                                      <p:to>
+                                        <p:strVal val="visible"/>
+                                      </p:to>
+                                    </p:set>
+                                    <p:animEffect transition="in" filter="fade">
+                                      <p:cBhvr>
+                                        <p:cTn id="23" dur="500"/>
+                                        <p:tgtEl>
+                                          <p:spTgt spid="8">
+                                            <p:txEl>
+                                              <p:pRg st="7" end="7"/>
+                                            </p:txEl>
+                                          </p:spTgt>
+                                        </p:tgtEl>
+                                      </p:cBhvr>
+                                    </p:animEffect>
+                                  </p:childTnLst>
+                                </p:cTn>
+                              </p:par>
+                            </p:childTnLst>
+                          </p:cTn>
+                        </p:par>
+                      </p:childTnLst>
+                    </p:cTn>
+                  </p:par>
+                </p:childTnLst>
+              </p:cTn>
+              <p:prevCondLst>
+                <p:cond evt="onPrev" delay="0">
+                  <p:tgtEl>
+                    <p:sldTgt/>
+                  </p:tgtEl>
+                </p:cond>
+              </p:prevCondLst>
+              <p:nextCondLst>
+                <p:cond evt="onNext" delay="0">
+                  <p:tgtEl>
+                    <p:sldTgt/>
+                  </p:tgtEl>
+                </p:cond>
+              </p:nextCondLst>
+            </p:seq>
+          </p:childTnLst>
+        </p:cTn>
+      </p:par>
+    </p:tnLst>
+  </p:timing>
+</p:sld>
+</file>
+
+<file path=ppt/slides/slide35.xml><?xml version="1.0" encoding="utf-8"?>
+<p:sld xmlns:a="http://schemas.openxmlformats.org/drawingml/2006/main" xmlns:r="http://schemas.openxmlformats.org/officeDocument/2006/relationships" xmlns:p="http://schemas.openxmlformats.org/presentationml/2006/main">
+  <p:cSld>
+    <p:spTree>
+      <p:nvGrpSpPr>
+        <p:cNvPr id="1" name=""/>
+        <p:cNvGrpSpPr/>
+        <p:nvPr/>
+      </p:nvGrpSpPr>
+      <p:grpSpPr>
+        <a:xfrm>
+          <a:off x="0" y="0"/>
+          <a:ext cx="0" cy="0"/>
+          <a:chOff x="0" y="0"/>
+          <a:chExt cx="0" cy="0"/>
+        </a:xfrm>
+      </p:grpSpPr>
+      <p:sp>
+        <p:nvSpPr>
           <p:cNvPr id="4" name="Titel 3">
             <a:extLst>
               <a:ext uri="{FF2B5EF4-FFF2-40B4-BE49-F238E27FC236}">
@@ -20839,7 +21336,7 @@
           <a:p>
             <a:fld id="{0D177590-C0B9-4388-A01F-98FB57FCBBE4}" type="slidenum">
               <a:rPr lang="de-DE" smtClean="0"/>
-              <a:t>34</a:t>
+              <a:t>35</a:t>
             </a:fld>
             <a:endParaRPr lang="de-DE"/>
           </a:p>
@@ -20858,7 +21355,7 @@
 </p:sld>
 </file>
 
-<file path=ppt/slides/slide35.xml><?xml version="1.0" encoding="utf-8"?>
+<file path=ppt/slides/slide36.xml><?xml version="1.0" encoding="utf-8"?>
 <p:sld xmlns:a="http://schemas.openxmlformats.org/drawingml/2006/main" xmlns:r="http://schemas.openxmlformats.org/officeDocument/2006/relationships" xmlns:p="http://schemas.openxmlformats.org/presentationml/2006/main">
   <p:cSld>
     <p:spTree>
@@ -20951,7 +21448,7 @@
           <a:p>
             <a:fld id="{0D177590-C0B9-4388-A01F-98FB57FCBBE4}" type="slidenum">
               <a:rPr lang="de-DE" smtClean="0"/>
-              <a:t>35</a:t>
+              <a:t>36</a:t>
             </a:fld>
             <a:endParaRPr lang="de-DE"/>
           </a:p>
@@ -20970,7 +21467,7 @@
 </p:sld>
 </file>
 
-<file path=ppt/slides/slide36.xml><?xml version="1.0" encoding="utf-8"?>
+<file path=ppt/slides/slide37.xml><?xml version="1.0" encoding="utf-8"?>
 <p:sld xmlns:a="http://schemas.openxmlformats.org/drawingml/2006/main" xmlns:r="http://schemas.openxmlformats.org/officeDocument/2006/relationships" xmlns:p="http://schemas.openxmlformats.org/presentationml/2006/main">
   <p:cSld>
     <p:spTree>
@@ -21063,7 +21560,7 @@
           <a:p>
             <a:fld id="{0D177590-C0B9-4388-A01F-98FB57FCBBE4}" type="slidenum">
               <a:rPr lang="de-DE" smtClean="0"/>
-              <a:t>36</a:t>
+              <a:t>37</a:t>
             </a:fld>
             <a:endParaRPr lang="de-DE"/>
           </a:p>
@@ -21082,7 +21579,7 @@
 </p:sld>
 </file>
 
-<file path=ppt/slides/slide37.xml><?xml version="1.0" encoding="utf-8"?>
+<file path=ppt/slides/slide38.xml><?xml version="1.0" encoding="utf-8"?>
 <p:sld xmlns:a="http://schemas.openxmlformats.org/drawingml/2006/main" xmlns:r="http://schemas.openxmlformats.org/officeDocument/2006/relationships" xmlns:p="http://schemas.openxmlformats.org/presentationml/2006/main">
   <p:cSld>
     <p:spTree>
@@ -21175,7 +21672,7 @@
           <a:p>
             <a:fld id="{0D177590-C0B9-4388-A01F-98FB57FCBBE4}" type="slidenum">
               <a:rPr lang="de-DE" smtClean="0"/>
-              <a:t>37</a:t>
+              <a:t>38</a:t>
             </a:fld>
             <a:endParaRPr lang="de-DE"/>
           </a:p>
@@ -21185,6 +21682,1588 @@
     <p:extLst>
       <p:ext uri="{BB962C8B-B14F-4D97-AF65-F5344CB8AC3E}">
         <p14:creationId xmlns:p14="http://schemas.microsoft.com/office/powerpoint/2010/main" val="786591984"/>
+      </p:ext>
+    </p:extLst>
+  </p:cSld>
+  <p:clrMapOvr>
+    <a:masterClrMapping/>
+  </p:clrMapOvr>
+</p:sld>
+</file>
+
+<file path=ppt/slides/slide39.xml><?xml version="1.0" encoding="utf-8"?>
+<p:sld xmlns:a="http://schemas.openxmlformats.org/drawingml/2006/main" xmlns:r="http://schemas.openxmlformats.org/officeDocument/2006/relationships" xmlns:p="http://schemas.openxmlformats.org/presentationml/2006/main">
+  <p:cSld>
+    <p:spTree>
+      <p:nvGrpSpPr>
+        <p:cNvPr id="1" name=""/>
+        <p:cNvGrpSpPr/>
+        <p:nvPr/>
+      </p:nvGrpSpPr>
+      <p:grpSpPr>
+        <a:xfrm>
+          <a:off x="0" y="0"/>
+          <a:ext cx="0" cy="0"/>
+          <a:chOff x="0" y="0"/>
+          <a:chExt cx="0" cy="0"/>
+        </a:xfrm>
+      </p:grpSpPr>
+      <p:sp>
+        <p:nvSpPr>
+          <p:cNvPr id="2" name="Titel 1">
+            <a:extLst>
+              <a:ext uri="{FF2B5EF4-FFF2-40B4-BE49-F238E27FC236}">
+                <a16:creationId xmlns:a16="http://schemas.microsoft.com/office/drawing/2014/main" id="{AF54FC5A-3220-7777-4395-56D0A88ED75C}"/>
+              </a:ext>
+            </a:extLst>
+          </p:cNvPr>
+          <p:cNvSpPr>
+            <a:spLocks noGrp="1"/>
+          </p:cNvSpPr>
+          <p:nvPr>
+            <p:ph type="title"/>
+          </p:nvPr>
+        </p:nvSpPr>
+        <p:spPr/>
+        <p:txBody>
+          <a:bodyPr/>
+          <a:lstStyle/>
+          <a:p>
+            <a:r>
+              <a:rPr lang="de-DE" dirty="0"/>
+              <a:t>Impressum</a:t>
+            </a:r>
+          </a:p>
+        </p:txBody>
+      </p:sp>
+      <p:sp>
+        <p:nvSpPr>
+          <p:cNvPr id="4" name="Foliennummernplatzhalter 3">
+            <a:extLst>
+              <a:ext uri="{FF2B5EF4-FFF2-40B4-BE49-F238E27FC236}">
+                <a16:creationId xmlns:a16="http://schemas.microsoft.com/office/drawing/2014/main" id="{22BD5B7B-99A1-9B88-A2E2-977D33F4889D}"/>
+              </a:ext>
+            </a:extLst>
+          </p:cNvPr>
+          <p:cNvSpPr>
+            <a:spLocks noGrp="1"/>
+          </p:cNvSpPr>
+          <p:nvPr>
+            <p:ph type="sldNum" sz="quarter" idx="12"/>
+          </p:nvPr>
+        </p:nvSpPr>
+        <p:spPr/>
+        <p:txBody>
+          <a:bodyPr/>
+          <a:lstStyle/>
+          <a:p>
+            <a:fld id="{0D177590-C0B9-4388-A01F-98FB57FCBBE4}" type="slidenum">
+              <a:rPr lang="de-DE" smtClean="0"/>
+              <a:t>39</a:t>
+            </a:fld>
+            <a:endParaRPr lang="de-DE"/>
+          </a:p>
+        </p:txBody>
+      </p:sp>
+      <p:grpSp>
+        <p:nvGrpSpPr>
+          <p:cNvPr id="5" name="Gruppieren 4">
+            <a:extLst>
+              <a:ext uri="{FF2B5EF4-FFF2-40B4-BE49-F238E27FC236}">
+                <a16:creationId xmlns:a16="http://schemas.microsoft.com/office/drawing/2014/main" id="{CDF4C6A6-17B3-2E35-C9D0-27F7E121DDA2}"/>
+              </a:ext>
+            </a:extLst>
+          </p:cNvPr>
+          <p:cNvGrpSpPr/>
+          <p:nvPr/>
+        </p:nvGrpSpPr>
+        <p:grpSpPr>
+          <a:xfrm>
+            <a:off x="88094" y="2560755"/>
+            <a:ext cx="2839242" cy="1996090"/>
+            <a:chOff x="8929417" y="1422453"/>
+            <a:chExt cx="2839242" cy="1996090"/>
+          </a:xfrm>
+        </p:grpSpPr>
+        <p:sp>
+          <p:nvSpPr>
+            <p:cNvPr id="6" name="Eckige Klammer links 5">
+              <a:extLst>
+                <a:ext uri="{FF2B5EF4-FFF2-40B4-BE49-F238E27FC236}">
+                  <a16:creationId xmlns:a16="http://schemas.microsoft.com/office/drawing/2014/main" id="{A3934A86-EA04-AC12-5112-56599182EB22}"/>
+                </a:ext>
+              </a:extLst>
+            </p:cNvPr>
+            <p:cNvSpPr/>
+            <p:nvPr/>
+          </p:nvSpPr>
+          <p:spPr>
+            <a:xfrm>
+              <a:off x="8929417" y="1516909"/>
+              <a:ext cx="402430" cy="1612107"/>
+            </a:xfrm>
+            <a:prstGeom prst="leftBracket">
+              <a:avLst/>
+            </a:prstGeom>
+            <a:noFill/>
+            <a:ln w="28575">
+              <a:gradFill>
+                <a:gsLst>
+                  <a:gs pos="13000">
+                    <a:srgbClr val="BADAE8"/>
+                  </a:gs>
+                  <a:gs pos="25843">
+                    <a:srgbClr val="93D1C8"/>
+                  </a:gs>
+                  <a:gs pos="46000">
+                    <a:srgbClr val="66C7A3"/>
+                  </a:gs>
+                  <a:gs pos="68000">
+                    <a:srgbClr val="38BD7E"/>
+                  </a:gs>
+                  <a:gs pos="0">
+                    <a:schemeClr val="accent6">
+                      <a:lumMod val="20000"/>
+                      <a:lumOff val="80000"/>
+                    </a:schemeClr>
+                  </a:gs>
+                  <a:gs pos="100000">
+                    <a:schemeClr val="accent4"/>
+                  </a:gs>
+                </a:gsLst>
+                <a:lin ang="5400000" scaled="1"/>
+              </a:gradFill>
+            </a:ln>
+          </p:spPr>
+          <p:txBody>
+            <a:bodyPr anchor="ctr"/>
+            <a:lstStyle/>
+            <a:p>
+              <a:pPr defTabSz="1072798">
+                <a:spcBef>
+                  <a:spcPct val="20000"/>
+                </a:spcBef>
+              </a:pPr>
+              <a:endParaRPr lang="de-DE" sz="1600">
+                <a:solidFill>
+                  <a:schemeClr val="accent2"/>
+                </a:solidFill>
+              </a:endParaRPr>
+            </a:p>
+          </p:txBody>
+        </p:sp>
+        <p:sp>
+          <p:nvSpPr>
+            <p:cNvPr id="7" name="Eckige Klammer links 6">
+              <a:extLst>
+                <a:ext uri="{FF2B5EF4-FFF2-40B4-BE49-F238E27FC236}">
+                  <a16:creationId xmlns:a16="http://schemas.microsoft.com/office/drawing/2014/main" id="{224F0716-A348-84B3-DCAF-1F4C7B6F193F}"/>
+                </a:ext>
+              </a:extLst>
+            </p:cNvPr>
+            <p:cNvSpPr/>
+            <p:nvPr/>
+          </p:nvSpPr>
+          <p:spPr>
+            <a:xfrm flipH="1">
+              <a:off x="11366228" y="1516908"/>
+              <a:ext cx="402431" cy="1612107"/>
+            </a:xfrm>
+            <a:prstGeom prst="leftBracket">
+              <a:avLst/>
+            </a:prstGeom>
+            <a:noFill/>
+            <a:ln w="28575">
+              <a:gradFill>
+                <a:gsLst>
+                  <a:gs pos="13000">
+                    <a:srgbClr val="BADAE8"/>
+                  </a:gs>
+                  <a:gs pos="25843">
+                    <a:srgbClr val="93D1C8"/>
+                  </a:gs>
+                  <a:gs pos="46000">
+                    <a:srgbClr val="66C7A3"/>
+                  </a:gs>
+                  <a:gs pos="68000">
+                    <a:srgbClr val="38BD7E"/>
+                  </a:gs>
+                  <a:gs pos="0">
+                    <a:schemeClr val="accent6">
+                      <a:lumMod val="20000"/>
+                      <a:lumOff val="80000"/>
+                    </a:schemeClr>
+                  </a:gs>
+                  <a:gs pos="100000">
+                    <a:schemeClr val="accent4"/>
+                  </a:gs>
+                </a:gsLst>
+                <a:lin ang="5400000" scaled="1"/>
+              </a:gradFill>
+            </a:ln>
+          </p:spPr>
+          <p:txBody>
+            <a:bodyPr anchor="ctr"/>
+            <a:lstStyle/>
+            <a:p>
+              <a:pPr defTabSz="1072798">
+                <a:spcBef>
+                  <a:spcPct val="20000"/>
+                </a:spcBef>
+              </a:pPr>
+              <a:endParaRPr lang="de-DE" sz="1600">
+                <a:solidFill>
+                  <a:schemeClr val="accent2"/>
+                </a:solidFill>
+              </a:endParaRPr>
+            </a:p>
+          </p:txBody>
+        </p:sp>
+        <p:sp>
+          <p:nvSpPr>
+            <p:cNvPr id="8" name="Flussdiagramm: Verbinder 7">
+              <a:extLst>
+                <a:ext uri="{FF2B5EF4-FFF2-40B4-BE49-F238E27FC236}">
+                  <a16:creationId xmlns:a16="http://schemas.microsoft.com/office/drawing/2014/main" id="{334958DE-C833-CB99-948E-C9BF5F27CE99}"/>
+                </a:ext>
+              </a:extLst>
+            </p:cNvPr>
+            <p:cNvSpPr/>
+            <p:nvPr/>
+          </p:nvSpPr>
+          <p:spPr>
+            <a:xfrm>
+              <a:off x="9718669" y="1422453"/>
+              <a:ext cx="1178189" cy="1146440"/>
+            </a:xfrm>
+            <a:prstGeom prst="flowChartConnector">
+              <a:avLst/>
+            </a:prstGeom>
+            <a:blipFill dpi="0" rotWithShape="1">
+              <a:blip r:embed="rId2">
+                <a:extLst>
+                  <a:ext uri="{28A0092B-C50C-407E-A947-70E740481C1C}">
+                    <a14:useLocalDpi xmlns:a14="http://schemas.microsoft.com/office/drawing/2010/main" val="0"/>
+                  </a:ext>
+                </a:extLst>
+              </a:blip>
+              <a:srcRect/>
+              <a:stretch>
+                <a:fillRect/>
+              </a:stretch>
+            </a:blipFill>
+            <a:ln w="19050">
+              <a:gradFill>
+                <a:gsLst>
+                  <a:gs pos="68000">
+                    <a:srgbClr val="3BBE80"/>
+                  </a:gs>
+                  <a:gs pos="45980">
+                    <a:srgbClr val="71CAAD"/>
+                  </a:gs>
+                  <a:gs pos="26000">
+                    <a:srgbClr val="9BD3CF"/>
+                  </a:gs>
+                  <a:gs pos="13200">
+                    <a:srgbClr val="BADAE8"/>
+                  </a:gs>
+                  <a:gs pos="0">
+                    <a:schemeClr val="accent6">
+                      <a:lumMod val="20000"/>
+                      <a:lumOff val="80000"/>
+                    </a:schemeClr>
+                  </a:gs>
+                  <a:gs pos="100000">
+                    <a:schemeClr val="accent4"/>
+                  </a:gs>
+                </a:gsLst>
+                <a:lin ang="5400000" scaled="1"/>
+              </a:gradFill>
+            </a:ln>
+          </p:spPr>
+          <p:txBody>
+            <a:bodyPr anchor="ctr"/>
+            <a:lstStyle/>
+            <a:p>
+              <a:pPr>
+                <a:spcBef>
+                  <a:spcPct val="20000"/>
+                </a:spcBef>
+              </a:pPr>
+              <a:endParaRPr lang="de-DE" sz="1600">
+                <a:solidFill>
+                  <a:schemeClr val="bg1"/>
+                </a:solidFill>
+              </a:endParaRPr>
+            </a:p>
+          </p:txBody>
+        </p:sp>
+        <p:sp>
+          <p:nvSpPr>
+            <p:cNvPr id="9" name="Textfeld 8">
+              <a:extLst>
+                <a:ext uri="{FF2B5EF4-FFF2-40B4-BE49-F238E27FC236}">
+                  <a16:creationId xmlns:a16="http://schemas.microsoft.com/office/drawing/2014/main" id="{C00F4863-E9AB-108E-1D6E-F234B66F4E88}"/>
+                </a:ext>
+              </a:extLst>
+            </p:cNvPr>
+            <p:cNvSpPr txBox="1"/>
+            <p:nvPr/>
+          </p:nvSpPr>
+          <p:spPr bwMode="auto">
+            <a:xfrm>
+              <a:off x="9331847" y="2709915"/>
+              <a:ext cx="2034381" cy="461433"/>
+            </a:xfrm>
+            <a:prstGeom prst="rect">
+              <a:avLst/>
+            </a:prstGeom>
+            <a:noFill/>
+            <a:ln w="9525">
+              <a:noFill/>
+              <a:miter lim="800000"/>
+              <a:headEnd/>
+              <a:tailEnd/>
+            </a:ln>
+          </p:spPr>
+          <p:txBody>
+            <a:bodyPr wrap="square" lIns="180000" tIns="180000" rIns="180000" bIns="180000" rtlCol="0">
+              <a:noAutofit/>
+            </a:bodyPr>
+            <a:lstStyle/>
+            <a:p>
+              <a:pPr marL="0">
+                <a:lnSpc>
+                  <a:spcPct val="110000"/>
+                </a:lnSpc>
+                <a:spcAft>
+                  <a:spcPts val="600"/>
+                </a:spcAft>
+              </a:pPr>
+              <a:endParaRPr lang="de-DE" sz="1800">
+                <a:latin typeface="Calibri" pitchFamily="34" charset="0"/>
+              </a:endParaRPr>
+            </a:p>
+          </p:txBody>
+        </p:sp>
+        <p:grpSp>
+          <p:nvGrpSpPr>
+            <p:cNvPr id="10" name="Gruppieren 9">
+              <a:extLst>
+                <a:ext uri="{FF2B5EF4-FFF2-40B4-BE49-F238E27FC236}">
+                  <a16:creationId xmlns:a16="http://schemas.microsoft.com/office/drawing/2014/main" id="{61370655-976D-F052-7D49-989BC2591F8E}"/>
+                </a:ext>
+              </a:extLst>
+            </p:cNvPr>
+            <p:cNvGrpSpPr/>
+            <p:nvPr/>
+          </p:nvGrpSpPr>
+          <p:grpSpPr>
+            <a:xfrm>
+              <a:off x="9257877" y="2529600"/>
+              <a:ext cx="2176684" cy="888943"/>
+              <a:chOff x="2726690" y="598849"/>
+              <a:chExt cx="3595639" cy="1183610"/>
+            </a:xfrm>
+          </p:grpSpPr>
+          <p:sp>
+            <p:nvSpPr>
+              <p:cNvPr id="11" name="Rechteck 10">
+                <a:extLst>
+                  <a:ext uri="{FF2B5EF4-FFF2-40B4-BE49-F238E27FC236}">
+                    <a16:creationId xmlns:a16="http://schemas.microsoft.com/office/drawing/2014/main" id="{55545C14-CD35-8CF3-954E-CF1AE3047A6F}"/>
+                  </a:ext>
+                </a:extLst>
+              </p:cNvPr>
+              <p:cNvSpPr/>
+              <p:nvPr/>
+            </p:nvSpPr>
+            <p:spPr>
+              <a:xfrm rot="5400000">
+                <a:off x="3938233" y="-479688"/>
+                <a:ext cx="1045502" cy="3202576"/>
+              </a:xfrm>
+              <a:prstGeom prst="rect">
+                <a:avLst/>
+              </a:prstGeom>
+              <a:noFill/>
+              <a:ln>
+                <a:noFill/>
+              </a:ln>
+            </p:spPr>
+            <p:style>
+              <a:lnRef idx="3">
+                <a:scrgbClr r="0" g="0" b="0"/>
+              </a:lnRef>
+              <a:fillRef idx="1">
+                <a:scrgbClr r="0" g="0" b="0"/>
+              </a:fillRef>
+              <a:effectRef idx="1">
+                <a:schemeClr val="lt1">
+                  <a:hueOff val="0"/>
+                  <a:satOff val="0"/>
+                  <a:lumOff val="0"/>
+                  <a:alphaOff val="0"/>
+                </a:schemeClr>
+              </a:effectRef>
+              <a:fontRef idx="minor">
+                <a:schemeClr val="dk1">
+                  <a:hueOff val="0"/>
+                  <a:satOff val="0"/>
+                  <a:lumOff val="0"/>
+                  <a:alphaOff val="0"/>
+                </a:schemeClr>
+              </a:fontRef>
+            </p:style>
+            <p:txBody>
+              <a:bodyPr/>
+              <a:lstStyle/>
+              <a:p>
+                <a:endParaRPr lang="de-DE"/>
+              </a:p>
+            </p:txBody>
+          </p:sp>
+          <p:sp>
+            <p:nvSpPr>
+              <p:cNvPr id="12" name="Textfeld 11">
+                <a:extLst>
+                  <a:ext uri="{FF2B5EF4-FFF2-40B4-BE49-F238E27FC236}">
+                    <a16:creationId xmlns:a16="http://schemas.microsoft.com/office/drawing/2014/main" id="{FC088EB5-CDD4-118D-5DF9-9F9224AD6DC4}"/>
+                  </a:ext>
+                </a:extLst>
+              </p:cNvPr>
+              <p:cNvSpPr txBox="1"/>
+              <p:nvPr/>
+            </p:nvSpPr>
+            <p:spPr>
+              <a:xfrm>
+                <a:off x="2726690" y="736957"/>
+                <a:ext cx="3595639" cy="1045502"/>
+              </a:xfrm>
+              <a:prstGeom prst="rect">
+                <a:avLst/>
+              </a:prstGeom>
+              <a:ln>
+                <a:noFill/>
+              </a:ln>
+            </p:spPr>
+            <p:style>
+              <a:lnRef idx="0">
+                <a:scrgbClr r="0" g="0" b="0"/>
+              </a:lnRef>
+              <a:fillRef idx="0">
+                <a:scrgbClr r="0" g="0" b="0"/>
+              </a:fillRef>
+              <a:effectRef idx="0">
+                <a:scrgbClr r="0" g="0" b="0"/>
+              </a:effectRef>
+              <a:fontRef idx="minor">
+                <a:schemeClr val="dk1">
+                  <a:hueOff val="0"/>
+                  <a:satOff val="0"/>
+                  <a:lumOff val="0"/>
+                  <a:alphaOff val="0"/>
+                </a:schemeClr>
+              </a:fontRef>
+            </p:style>
+            <p:txBody>
+              <a:bodyPr spcFirstLastPara="0" vert="horz" wrap="square" lIns="60960" tIns="60960" rIns="60960" bIns="60960" numCol="1" spcCol="1270" anchor="ctr" anchorCtr="0">
+                <a:noAutofit/>
+              </a:bodyPr>
+              <a:lstStyle/>
+              <a:p>
+                <a:pPr marL="0" lvl="0" indent="0" algn="ctr" defTabSz="711200">
+                  <a:lnSpc>
+                    <a:spcPct val="90000"/>
+                  </a:lnSpc>
+                  <a:spcBef>
+                    <a:spcPct val="0"/>
+                  </a:spcBef>
+                  <a:spcAft>
+                    <a:spcPct val="35000"/>
+                  </a:spcAft>
+                  <a:buNone/>
+                </a:pPr>
+                <a:r>
+                  <a:rPr lang="de-DE" sz="1000" kern="1200">
+                    <a:ln>
+                      <a:noFill/>
+                    </a:ln>
+                    <a:solidFill>
+                      <a:schemeClr val="tx1"/>
+                    </a:solidFill>
+                  </a:rPr>
+                  <a:t>Nils Thorben Konopka</a:t>
+                </a:r>
+              </a:p>
+              <a:p>
+                <a:pPr marL="0" lvl="0" indent="0" algn="ctr" defTabSz="711200">
+                  <a:lnSpc>
+                    <a:spcPct val="90000"/>
+                  </a:lnSpc>
+                  <a:spcBef>
+                    <a:spcPct val="0"/>
+                  </a:spcBef>
+                  <a:spcAft>
+                    <a:spcPct val="35000"/>
+                  </a:spcAft>
+                  <a:buNone/>
+                </a:pPr>
+                <a:r>
+                  <a:rPr lang="de-DE" sz="1000" b="0" i="0">
+                    <a:solidFill>
+                      <a:srgbClr val="444746"/>
+                    </a:solidFill>
+                    <a:effectLst/>
+                    <a:latin typeface="Google Sans"/>
+                  </a:rPr>
+                  <a:t>nils-thorben.konopka@itc-studenten.de</a:t>
+                </a:r>
+                <a:endParaRPr lang="de-DE" sz="1000" kern="1200">
+                  <a:ln>
+                    <a:noFill/>
+                  </a:ln>
+                  <a:solidFill>
+                    <a:schemeClr val="tx1"/>
+                  </a:solidFill>
+                </a:endParaRPr>
+              </a:p>
+              <a:p>
+                <a:pPr marL="0" lvl="0" indent="0" algn="ctr" defTabSz="711200">
+                  <a:lnSpc>
+                    <a:spcPct val="90000"/>
+                  </a:lnSpc>
+                  <a:spcBef>
+                    <a:spcPct val="0"/>
+                  </a:spcBef>
+                  <a:spcAft>
+                    <a:spcPct val="35000"/>
+                  </a:spcAft>
+                  <a:buNone/>
+                </a:pPr>
+                <a:endParaRPr lang="de-DE" sz="1000" kern="1200">
+                  <a:ln>
+                    <a:noFill/>
+                  </a:ln>
+                  <a:solidFill>
+                    <a:schemeClr val="tx1"/>
+                  </a:solidFill>
+                </a:endParaRPr>
+              </a:p>
+            </p:txBody>
+          </p:sp>
+        </p:grpSp>
+      </p:grpSp>
+      <p:grpSp>
+        <p:nvGrpSpPr>
+          <p:cNvPr id="13" name="Gruppieren 12">
+            <a:extLst>
+              <a:ext uri="{FF2B5EF4-FFF2-40B4-BE49-F238E27FC236}">
+                <a16:creationId xmlns:a16="http://schemas.microsoft.com/office/drawing/2014/main" id="{843EE85C-B65E-D24E-33FB-53AB83A0FC3B}"/>
+              </a:ext>
+            </a:extLst>
+          </p:cNvPr>
+          <p:cNvGrpSpPr/>
+          <p:nvPr/>
+        </p:nvGrpSpPr>
+        <p:grpSpPr>
+          <a:xfrm>
+            <a:off x="6434760" y="2601570"/>
+            <a:ext cx="2839242" cy="1886540"/>
+            <a:chOff x="5430360" y="3757154"/>
+            <a:chExt cx="2839242" cy="1886540"/>
+          </a:xfrm>
+        </p:grpSpPr>
+        <p:sp>
+          <p:nvSpPr>
+            <p:cNvPr id="14" name="Flussdiagramm: Verbinder 13">
+              <a:extLst>
+                <a:ext uri="{FF2B5EF4-FFF2-40B4-BE49-F238E27FC236}">
+                  <a16:creationId xmlns:a16="http://schemas.microsoft.com/office/drawing/2014/main" id="{0FFF1473-6E93-217C-D719-4102CB9E4A32}"/>
+                </a:ext>
+              </a:extLst>
+            </p:cNvPr>
+            <p:cNvSpPr/>
+            <p:nvPr/>
+          </p:nvSpPr>
+          <p:spPr>
+            <a:xfrm>
+              <a:off x="6219611" y="3757154"/>
+              <a:ext cx="1178189" cy="1146440"/>
+            </a:xfrm>
+            <a:prstGeom prst="flowChartConnector">
+              <a:avLst/>
+            </a:prstGeom>
+            <a:blipFill>
+              <a:blip r:embed="rId3"/>
+              <a:stretch>
+                <a:fillRect/>
+              </a:stretch>
+            </a:blipFill>
+            <a:ln w="19050">
+              <a:gradFill>
+                <a:gsLst>
+                  <a:gs pos="68000">
+                    <a:srgbClr val="3BBE80"/>
+                  </a:gs>
+                  <a:gs pos="45980">
+                    <a:srgbClr val="71CAAD"/>
+                  </a:gs>
+                  <a:gs pos="26000">
+                    <a:srgbClr val="9BD3CF"/>
+                  </a:gs>
+                  <a:gs pos="13200">
+                    <a:srgbClr val="BADAE8"/>
+                  </a:gs>
+                  <a:gs pos="0">
+                    <a:schemeClr val="accent6">
+                      <a:lumMod val="20000"/>
+                      <a:lumOff val="80000"/>
+                    </a:schemeClr>
+                  </a:gs>
+                  <a:gs pos="100000">
+                    <a:schemeClr val="accent4"/>
+                  </a:gs>
+                </a:gsLst>
+                <a:lin ang="5400000" scaled="1"/>
+              </a:gradFill>
+            </a:ln>
+          </p:spPr>
+          <p:txBody>
+            <a:bodyPr anchor="ctr"/>
+            <a:lstStyle/>
+            <a:p>
+              <a:pPr>
+                <a:spcBef>
+                  <a:spcPct val="20000"/>
+                </a:spcBef>
+              </a:pPr>
+              <a:endParaRPr lang="de-DE" sz="1600">
+                <a:solidFill>
+                  <a:schemeClr val="bg1"/>
+                </a:solidFill>
+              </a:endParaRPr>
+            </a:p>
+          </p:txBody>
+        </p:sp>
+        <p:grpSp>
+          <p:nvGrpSpPr>
+            <p:cNvPr id="15" name="Gruppieren 14">
+              <a:extLst>
+                <a:ext uri="{FF2B5EF4-FFF2-40B4-BE49-F238E27FC236}">
+                  <a16:creationId xmlns:a16="http://schemas.microsoft.com/office/drawing/2014/main" id="{A20649C9-E580-6F6A-B871-F43855AF1838}"/>
+                </a:ext>
+              </a:extLst>
+            </p:cNvPr>
+            <p:cNvGrpSpPr/>
+            <p:nvPr/>
+          </p:nvGrpSpPr>
+          <p:grpSpPr>
+            <a:xfrm>
+              <a:off x="5430360" y="3815990"/>
+              <a:ext cx="2839242" cy="1827704"/>
+              <a:chOff x="5430360" y="3815990"/>
+              <a:chExt cx="2839242" cy="1827704"/>
+            </a:xfrm>
+          </p:grpSpPr>
+          <p:sp>
+            <p:nvSpPr>
+              <p:cNvPr id="16" name="Eckige Klammer links 15">
+                <a:extLst>
+                  <a:ext uri="{FF2B5EF4-FFF2-40B4-BE49-F238E27FC236}">
+                    <a16:creationId xmlns:a16="http://schemas.microsoft.com/office/drawing/2014/main" id="{7468184E-878A-C1D0-D477-1C3A0E727CA0}"/>
+                  </a:ext>
+                </a:extLst>
+              </p:cNvPr>
+              <p:cNvSpPr/>
+              <p:nvPr/>
+            </p:nvSpPr>
+            <p:spPr>
+              <a:xfrm>
+                <a:off x="5430360" y="3815991"/>
+                <a:ext cx="402430" cy="1612107"/>
+              </a:xfrm>
+              <a:prstGeom prst="leftBracket">
+                <a:avLst/>
+              </a:prstGeom>
+              <a:noFill/>
+              <a:ln w="28575">
+                <a:gradFill>
+                  <a:gsLst>
+                    <a:gs pos="13000">
+                      <a:srgbClr val="BADAE8"/>
+                    </a:gs>
+                    <a:gs pos="25843">
+                      <a:srgbClr val="93D1C8"/>
+                    </a:gs>
+                    <a:gs pos="46000">
+                      <a:srgbClr val="66C7A3"/>
+                    </a:gs>
+                    <a:gs pos="68000">
+                      <a:srgbClr val="38BD7E"/>
+                    </a:gs>
+                    <a:gs pos="0">
+                      <a:schemeClr val="accent6">
+                        <a:lumMod val="20000"/>
+                        <a:lumOff val="80000"/>
+                      </a:schemeClr>
+                    </a:gs>
+                    <a:gs pos="100000">
+                      <a:schemeClr val="accent4"/>
+                    </a:gs>
+                  </a:gsLst>
+                  <a:lin ang="5400000" scaled="1"/>
+                </a:gradFill>
+              </a:ln>
+            </p:spPr>
+            <p:txBody>
+              <a:bodyPr anchor="ctr"/>
+              <a:lstStyle/>
+              <a:p>
+                <a:pPr defTabSz="1072798">
+                  <a:spcBef>
+                    <a:spcPct val="20000"/>
+                  </a:spcBef>
+                </a:pPr>
+                <a:endParaRPr lang="de-DE" sz="1600">
+                  <a:solidFill>
+                    <a:schemeClr val="accent2"/>
+                  </a:solidFill>
+                </a:endParaRPr>
+              </a:p>
+            </p:txBody>
+          </p:sp>
+          <p:sp>
+            <p:nvSpPr>
+              <p:cNvPr id="17" name="Eckige Klammer links 16">
+                <a:extLst>
+                  <a:ext uri="{FF2B5EF4-FFF2-40B4-BE49-F238E27FC236}">
+                    <a16:creationId xmlns:a16="http://schemas.microsoft.com/office/drawing/2014/main" id="{FA7E6D21-A255-4E2E-B66D-A155464D49F5}"/>
+                  </a:ext>
+                </a:extLst>
+              </p:cNvPr>
+              <p:cNvSpPr/>
+              <p:nvPr/>
+            </p:nvSpPr>
+            <p:spPr>
+              <a:xfrm flipH="1">
+                <a:off x="7867171" y="3815990"/>
+                <a:ext cx="402431" cy="1612107"/>
+              </a:xfrm>
+              <a:prstGeom prst="leftBracket">
+                <a:avLst/>
+              </a:prstGeom>
+              <a:noFill/>
+              <a:ln w="28575">
+                <a:gradFill>
+                  <a:gsLst>
+                    <a:gs pos="13000">
+                      <a:srgbClr val="BADAE8"/>
+                    </a:gs>
+                    <a:gs pos="25843">
+                      <a:srgbClr val="93D1C8"/>
+                    </a:gs>
+                    <a:gs pos="46000">
+                      <a:srgbClr val="66C7A3"/>
+                    </a:gs>
+                    <a:gs pos="68000">
+                      <a:srgbClr val="38BD7E"/>
+                    </a:gs>
+                    <a:gs pos="0">
+                      <a:schemeClr val="accent6">
+                        <a:lumMod val="20000"/>
+                        <a:lumOff val="80000"/>
+                      </a:schemeClr>
+                    </a:gs>
+                    <a:gs pos="100000">
+                      <a:schemeClr val="accent4"/>
+                    </a:gs>
+                  </a:gsLst>
+                  <a:lin ang="5400000" scaled="1"/>
+                </a:gradFill>
+              </a:ln>
+            </p:spPr>
+            <p:txBody>
+              <a:bodyPr anchor="ctr"/>
+              <a:lstStyle/>
+              <a:p>
+                <a:pPr defTabSz="1072798">
+                  <a:spcBef>
+                    <a:spcPct val="20000"/>
+                  </a:spcBef>
+                </a:pPr>
+                <a:endParaRPr lang="de-DE" sz="1600">
+                  <a:solidFill>
+                    <a:schemeClr val="accent2"/>
+                  </a:solidFill>
+                </a:endParaRPr>
+              </a:p>
+            </p:txBody>
+          </p:sp>
+          <p:sp>
+            <p:nvSpPr>
+              <p:cNvPr id="18" name="Textfeld 17">
+                <a:extLst>
+                  <a:ext uri="{FF2B5EF4-FFF2-40B4-BE49-F238E27FC236}">
+                    <a16:creationId xmlns:a16="http://schemas.microsoft.com/office/drawing/2014/main" id="{981ECA20-C708-B2CB-F797-FCAC64BFBEF4}"/>
+                  </a:ext>
+                </a:extLst>
+              </p:cNvPr>
+              <p:cNvSpPr txBox="1"/>
+              <p:nvPr/>
+            </p:nvSpPr>
+            <p:spPr bwMode="auto">
+              <a:xfrm>
+                <a:off x="5832790" y="5008997"/>
+                <a:ext cx="2034381" cy="461433"/>
+              </a:xfrm>
+              <a:prstGeom prst="rect">
+                <a:avLst/>
+              </a:prstGeom>
+              <a:noFill/>
+              <a:ln w="9525">
+                <a:noFill/>
+                <a:miter lim="800000"/>
+                <a:headEnd/>
+                <a:tailEnd/>
+              </a:ln>
+            </p:spPr>
+            <p:txBody>
+              <a:bodyPr wrap="square" lIns="180000" tIns="180000" rIns="180000" bIns="180000" rtlCol="0">
+                <a:noAutofit/>
+              </a:bodyPr>
+              <a:lstStyle/>
+              <a:p>
+                <a:pPr marL="0">
+                  <a:lnSpc>
+                    <a:spcPct val="110000"/>
+                  </a:lnSpc>
+                  <a:spcAft>
+                    <a:spcPts val="600"/>
+                  </a:spcAft>
+                </a:pPr>
+                <a:endParaRPr lang="de-DE" sz="1800">
+                  <a:latin typeface="Calibri" pitchFamily="34" charset="0"/>
+                </a:endParaRPr>
+              </a:p>
+            </p:txBody>
+          </p:sp>
+          <p:grpSp>
+            <p:nvGrpSpPr>
+              <p:cNvPr id="19" name="Gruppieren 18">
+                <a:extLst>
+                  <a:ext uri="{FF2B5EF4-FFF2-40B4-BE49-F238E27FC236}">
+                    <a16:creationId xmlns:a16="http://schemas.microsoft.com/office/drawing/2014/main" id="{82A3BC61-A848-F73A-B8B9-DDCB158821A0}"/>
+                  </a:ext>
+                </a:extLst>
+              </p:cNvPr>
+              <p:cNvGrpSpPr/>
+              <p:nvPr/>
+            </p:nvGrpSpPr>
+            <p:grpSpPr>
+              <a:xfrm>
+                <a:off x="5839338" y="4828682"/>
+                <a:ext cx="1938736" cy="815012"/>
+                <a:chOff x="2859696" y="598849"/>
+                <a:chExt cx="3202576" cy="1085172"/>
+              </a:xfrm>
+            </p:grpSpPr>
+            <p:sp>
+              <p:nvSpPr>
+                <p:cNvPr id="20" name="Rechteck 19">
+                  <a:extLst>
+                    <a:ext uri="{FF2B5EF4-FFF2-40B4-BE49-F238E27FC236}">
+                      <a16:creationId xmlns:a16="http://schemas.microsoft.com/office/drawing/2014/main" id="{5DEF2A63-A9AC-97F0-3BF1-420ADA6A15AC}"/>
+                    </a:ext>
+                  </a:extLst>
+                </p:cNvPr>
+                <p:cNvSpPr/>
+                <p:nvPr/>
+              </p:nvSpPr>
+              <p:spPr>
+                <a:xfrm rot="5400000">
+                  <a:off x="3938233" y="-479688"/>
+                  <a:ext cx="1045502" cy="3202576"/>
+                </a:xfrm>
+                <a:prstGeom prst="rect">
+                  <a:avLst/>
+                </a:prstGeom>
+                <a:noFill/>
+                <a:ln>
+                  <a:noFill/>
+                </a:ln>
+              </p:spPr>
+              <p:style>
+                <a:lnRef idx="3">
+                  <a:scrgbClr r="0" g="0" b="0"/>
+                </a:lnRef>
+                <a:fillRef idx="1">
+                  <a:scrgbClr r="0" g="0" b="0"/>
+                </a:fillRef>
+                <a:effectRef idx="1">
+                  <a:schemeClr val="lt1">
+                    <a:hueOff val="0"/>
+                    <a:satOff val="0"/>
+                    <a:lumOff val="0"/>
+                    <a:alphaOff val="0"/>
+                  </a:schemeClr>
+                </a:effectRef>
+                <a:fontRef idx="minor">
+                  <a:schemeClr val="dk1">
+                    <a:hueOff val="0"/>
+                    <a:satOff val="0"/>
+                    <a:lumOff val="0"/>
+                    <a:alphaOff val="0"/>
+                  </a:schemeClr>
+                </a:fontRef>
+              </p:style>
+              <p:txBody>
+                <a:bodyPr/>
+                <a:lstStyle/>
+                <a:p>
+                  <a:endParaRPr lang="de-DE"/>
+                </a:p>
+              </p:txBody>
+            </p:sp>
+            <p:sp>
+              <p:nvSpPr>
+                <p:cNvPr id="21" name="Textfeld 20">
+                  <a:extLst>
+                    <a:ext uri="{FF2B5EF4-FFF2-40B4-BE49-F238E27FC236}">
+                      <a16:creationId xmlns:a16="http://schemas.microsoft.com/office/drawing/2014/main" id="{8FC84111-8675-5AAA-94AB-881D499E1DD5}"/>
+                    </a:ext>
+                  </a:extLst>
+                </p:cNvPr>
+                <p:cNvSpPr txBox="1"/>
+                <p:nvPr/>
+              </p:nvSpPr>
+              <p:spPr>
+                <a:xfrm>
+                  <a:off x="2859696" y="638519"/>
+                  <a:ext cx="3202576" cy="1045502"/>
+                </a:xfrm>
+                <a:prstGeom prst="rect">
+                  <a:avLst/>
+                </a:prstGeom>
+                <a:ln>
+                  <a:noFill/>
+                </a:ln>
+              </p:spPr>
+              <p:style>
+                <a:lnRef idx="0">
+                  <a:scrgbClr r="0" g="0" b="0"/>
+                </a:lnRef>
+                <a:fillRef idx="0">
+                  <a:scrgbClr r="0" g="0" b="0"/>
+                </a:fillRef>
+                <a:effectRef idx="0">
+                  <a:scrgbClr r="0" g="0" b="0"/>
+                </a:effectRef>
+                <a:fontRef idx="minor">
+                  <a:schemeClr val="dk1">
+                    <a:hueOff val="0"/>
+                    <a:satOff val="0"/>
+                    <a:lumOff val="0"/>
+                    <a:alphaOff val="0"/>
+                  </a:schemeClr>
+                </a:fontRef>
+              </p:style>
+              <p:txBody>
+                <a:bodyPr spcFirstLastPara="0" vert="horz" wrap="square" lIns="60960" tIns="60960" rIns="60960" bIns="60960" numCol="1" spcCol="1270" anchor="ctr" anchorCtr="0">
+                  <a:noAutofit/>
+                </a:bodyPr>
+                <a:lstStyle/>
+                <a:p>
+                  <a:pPr marL="0" lvl="0" indent="0" algn="ctr" defTabSz="711200">
+                    <a:lnSpc>
+                      <a:spcPct val="90000"/>
+                    </a:lnSpc>
+                    <a:spcBef>
+                      <a:spcPct val="0"/>
+                    </a:spcBef>
+                    <a:spcAft>
+                      <a:spcPct val="35000"/>
+                    </a:spcAft>
+                    <a:buNone/>
+                  </a:pPr>
+                  <a:r>
+                    <a:rPr lang="de-DE" sz="1000" kern="1200">
+                      <a:ln>
+                        <a:noFill/>
+                      </a:ln>
+                      <a:solidFill>
+                        <a:schemeClr val="tx1"/>
+                      </a:solidFill>
+                    </a:rPr>
+                    <a:t>Lukas Cornel Meier</a:t>
+                  </a:r>
+                  <a:endParaRPr lang="de-DE" sz="1000" kern="1200">
+                    <a:ln>
+                      <a:noFill/>
+                    </a:ln>
+                    <a:solidFill>
+                      <a:schemeClr val="tx1"/>
+                    </a:solidFill>
+                    <a:latin typeface="Calibri" pitchFamily="34" charset="0"/>
+                  </a:endParaRPr>
+                </a:p>
+                <a:p>
+                  <a:pPr marL="0" lvl="0" indent="0" algn="ctr" defTabSz="711200">
+                    <a:lnSpc>
+                      <a:spcPct val="90000"/>
+                    </a:lnSpc>
+                    <a:spcBef>
+                      <a:spcPct val="0"/>
+                    </a:spcBef>
+                    <a:spcAft>
+                      <a:spcPct val="35000"/>
+                    </a:spcAft>
+                    <a:buNone/>
+                  </a:pPr>
+                  <a:r>
+                    <a:rPr lang="de-DE" sz="1000">
+                      <a:solidFill>
+                        <a:schemeClr val="tx1"/>
+                      </a:solidFill>
+                      <a:latin typeface="Calibri" pitchFamily="34" charset="0"/>
+                    </a:rPr>
+                    <a:t>lukas.meier@itc-studenten.de</a:t>
+                  </a:r>
+                  <a:endParaRPr lang="de-DE" sz="1000" kern="1200">
+                    <a:ln>
+                      <a:noFill/>
+                    </a:ln>
+                    <a:solidFill>
+                      <a:schemeClr val="tx1"/>
+                    </a:solidFill>
+                  </a:endParaRPr>
+                </a:p>
+              </p:txBody>
+            </p:sp>
+          </p:grpSp>
+        </p:grpSp>
+      </p:grpSp>
+      <p:grpSp>
+        <p:nvGrpSpPr>
+          <p:cNvPr id="22" name="Gruppieren 21">
+            <a:extLst>
+              <a:ext uri="{FF2B5EF4-FFF2-40B4-BE49-F238E27FC236}">
+                <a16:creationId xmlns:a16="http://schemas.microsoft.com/office/drawing/2014/main" id="{922D2990-BC8A-B193-BAA1-49F727F8A13A}"/>
+              </a:ext>
+            </a:extLst>
+          </p:cNvPr>
+          <p:cNvGrpSpPr/>
+          <p:nvPr/>
+        </p:nvGrpSpPr>
+        <p:grpSpPr>
+          <a:xfrm>
+            <a:off x="3234401" y="2560755"/>
+            <a:ext cx="2772701" cy="1892365"/>
+            <a:chOff x="1774825" y="3740665"/>
+            <a:chExt cx="2772701" cy="1892365"/>
+          </a:xfrm>
+        </p:grpSpPr>
+        <p:sp>
+          <p:nvSpPr>
+            <p:cNvPr id="23" name="Eckige Klammer links 22">
+              <a:extLst>
+                <a:ext uri="{FF2B5EF4-FFF2-40B4-BE49-F238E27FC236}">
+                  <a16:creationId xmlns:a16="http://schemas.microsoft.com/office/drawing/2014/main" id="{1F311DC4-CACD-8F50-5150-C25DFE847F34}"/>
+                </a:ext>
+              </a:extLst>
+            </p:cNvPr>
+            <p:cNvSpPr/>
+            <p:nvPr/>
+          </p:nvSpPr>
+          <p:spPr>
+            <a:xfrm>
+              <a:off x="1774825" y="3835121"/>
+              <a:ext cx="402430" cy="1612107"/>
+            </a:xfrm>
+            <a:prstGeom prst="leftBracket">
+              <a:avLst/>
+            </a:prstGeom>
+            <a:noFill/>
+            <a:ln w="28575">
+              <a:gradFill>
+                <a:gsLst>
+                  <a:gs pos="13000">
+                    <a:srgbClr val="BADAE8"/>
+                  </a:gs>
+                  <a:gs pos="25843">
+                    <a:srgbClr val="93D1C8"/>
+                  </a:gs>
+                  <a:gs pos="46000">
+                    <a:srgbClr val="66C7A3"/>
+                  </a:gs>
+                  <a:gs pos="68000">
+                    <a:srgbClr val="38BD7E"/>
+                  </a:gs>
+                  <a:gs pos="0">
+                    <a:schemeClr val="accent6">
+                      <a:lumMod val="20000"/>
+                      <a:lumOff val="80000"/>
+                    </a:schemeClr>
+                  </a:gs>
+                  <a:gs pos="100000">
+                    <a:schemeClr val="accent4"/>
+                  </a:gs>
+                </a:gsLst>
+                <a:lin ang="5400000" scaled="1"/>
+              </a:gradFill>
+            </a:ln>
+          </p:spPr>
+          <p:txBody>
+            <a:bodyPr anchor="ctr"/>
+            <a:lstStyle/>
+            <a:p>
+              <a:pPr defTabSz="1072798">
+                <a:spcBef>
+                  <a:spcPct val="20000"/>
+                </a:spcBef>
+              </a:pPr>
+              <a:endParaRPr lang="de-DE" sz="1600">
+                <a:solidFill>
+                  <a:schemeClr val="accent2"/>
+                </a:solidFill>
+              </a:endParaRPr>
+            </a:p>
+          </p:txBody>
+        </p:sp>
+        <p:sp>
+          <p:nvSpPr>
+            <p:cNvPr id="24" name="Eckige Klammer links 23">
+              <a:extLst>
+                <a:ext uri="{FF2B5EF4-FFF2-40B4-BE49-F238E27FC236}">
+                  <a16:creationId xmlns:a16="http://schemas.microsoft.com/office/drawing/2014/main" id="{BF16137C-438D-1508-987F-AA3A8D5CE82D}"/>
+                </a:ext>
+              </a:extLst>
+            </p:cNvPr>
+            <p:cNvSpPr/>
+            <p:nvPr/>
+          </p:nvSpPr>
+          <p:spPr>
+            <a:xfrm flipH="1">
+              <a:off x="4145095" y="3835120"/>
+              <a:ext cx="402431" cy="1612107"/>
+            </a:xfrm>
+            <a:prstGeom prst="leftBracket">
+              <a:avLst/>
+            </a:prstGeom>
+            <a:noFill/>
+            <a:ln w="28575">
+              <a:gradFill>
+                <a:gsLst>
+                  <a:gs pos="13000">
+                    <a:srgbClr val="BADAE8"/>
+                  </a:gs>
+                  <a:gs pos="25843">
+                    <a:srgbClr val="93D1C8"/>
+                  </a:gs>
+                  <a:gs pos="46000">
+                    <a:srgbClr val="66C7A3"/>
+                  </a:gs>
+                  <a:gs pos="68000">
+                    <a:srgbClr val="38BD7E"/>
+                  </a:gs>
+                  <a:gs pos="0">
+                    <a:schemeClr val="accent6">
+                      <a:lumMod val="20000"/>
+                      <a:lumOff val="80000"/>
+                    </a:schemeClr>
+                  </a:gs>
+                  <a:gs pos="100000">
+                    <a:schemeClr val="accent4"/>
+                  </a:gs>
+                </a:gsLst>
+                <a:lin ang="5400000" scaled="1"/>
+              </a:gradFill>
+            </a:ln>
+          </p:spPr>
+          <p:txBody>
+            <a:bodyPr anchor="ctr"/>
+            <a:lstStyle/>
+            <a:p>
+              <a:pPr defTabSz="1072798">
+                <a:spcBef>
+                  <a:spcPct val="20000"/>
+                </a:spcBef>
+              </a:pPr>
+              <a:endParaRPr lang="de-DE" sz="1600">
+                <a:solidFill>
+                  <a:schemeClr val="accent2"/>
+                </a:solidFill>
+              </a:endParaRPr>
+            </a:p>
+          </p:txBody>
+        </p:sp>
+        <p:sp>
+          <p:nvSpPr>
+            <p:cNvPr id="25" name="Flussdiagramm: Verbinder 24">
+              <a:extLst>
+                <a:ext uri="{FF2B5EF4-FFF2-40B4-BE49-F238E27FC236}">
+                  <a16:creationId xmlns:a16="http://schemas.microsoft.com/office/drawing/2014/main" id="{067CAE49-AF26-26A9-1816-5026DA2DB1D3}"/>
+                </a:ext>
+              </a:extLst>
+            </p:cNvPr>
+            <p:cNvSpPr/>
+            <p:nvPr/>
+          </p:nvSpPr>
+          <p:spPr>
+            <a:xfrm>
+              <a:off x="2564077" y="3740665"/>
+              <a:ext cx="1178189" cy="1146440"/>
+            </a:xfrm>
+            <a:prstGeom prst="flowChartConnector">
+              <a:avLst/>
+            </a:prstGeom>
+            <a:blipFill>
+              <a:blip r:embed="rId4">
+                <a:extLst>
+                  <a:ext uri="{28A0092B-C50C-407E-A947-70E740481C1C}">
+                    <a14:useLocalDpi xmlns:a14="http://schemas.microsoft.com/office/drawing/2010/main" val="0"/>
+                  </a:ext>
+                </a:extLst>
+              </a:blip>
+              <a:stretch>
+                <a:fillRect l="-13000" r="-13000"/>
+              </a:stretch>
+            </a:blipFill>
+            <a:ln w="19050">
+              <a:gradFill>
+                <a:gsLst>
+                  <a:gs pos="68000">
+                    <a:srgbClr val="3BBE80"/>
+                  </a:gs>
+                  <a:gs pos="45980">
+                    <a:srgbClr val="71CAAD"/>
+                  </a:gs>
+                  <a:gs pos="26000">
+                    <a:srgbClr val="9BD3CF"/>
+                  </a:gs>
+                  <a:gs pos="13200">
+                    <a:srgbClr val="BADAE8"/>
+                  </a:gs>
+                  <a:gs pos="0">
+                    <a:schemeClr val="accent6">
+                      <a:lumMod val="20000"/>
+                      <a:lumOff val="80000"/>
+                    </a:schemeClr>
+                  </a:gs>
+                  <a:gs pos="100000">
+                    <a:schemeClr val="accent4"/>
+                  </a:gs>
+                </a:gsLst>
+                <a:lin ang="5400000" scaled="1"/>
+              </a:gradFill>
+            </a:ln>
+          </p:spPr>
+          <p:txBody>
+            <a:bodyPr anchor="ctr"/>
+            <a:lstStyle/>
+            <a:p>
+              <a:pPr>
+                <a:spcBef>
+                  <a:spcPct val="20000"/>
+                </a:spcBef>
+              </a:pPr>
+              <a:endParaRPr lang="de-DE" sz="1600">
+                <a:solidFill>
+                  <a:schemeClr val="bg1"/>
+                </a:solidFill>
+              </a:endParaRPr>
+            </a:p>
+          </p:txBody>
+        </p:sp>
+        <p:sp>
+          <p:nvSpPr>
+            <p:cNvPr id="26" name="Textfeld 25">
+              <a:extLst>
+                <a:ext uri="{FF2B5EF4-FFF2-40B4-BE49-F238E27FC236}">
+                  <a16:creationId xmlns:a16="http://schemas.microsoft.com/office/drawing/2014/main" id="{8EB14720-EA4B-4B51-E1B4-5FF4BF8624E7}"/>
+                </a:ext>
+              </a:extLst>
+            </p:cNvPr>
+            <p:cNvSpPr txBox="1"/>
+            <p:nvPr/>
+          </p:nvSpPr>
+          <p:spPr bwMode="auto">
+            <a:xfrm>
+              <a:off x="2177255" y="5028127"/>
+              <a:ext cx="2034381" cy="461433"/>
+            </a:xfrm>
+            <a:prstGeom prst="rect">
+              <a:avLst/>
+            </a:prstGeom>
+            <a:noFill/>
+            <a:ln w="9525">
+              <a:noFill/>
+              <a:miter lim="800000"/>
+              <a:headEnd/>
+              <a:tailEnd/>
+            </a:ln>
+          </p:spPr>
+          <p:txBody>
+            <a:bodyPr wrap="square" lIns="180000" tIns="180000" rIns="180000" bIns="180000" rtlCol="0">
+              <a:noAutofit/>
+            </a:bodyPr>
+            <a:lstStyle/>
+            <a:p>
+              <a:pPr marL="0">
+                <a:lnSpc>
+                  <a:spcPct val="110000"/>
+                </a:lnSpc>
+                <a:spcAft>
+                  <a:spcPts val="600"/>
+                </a:spcAft>
+              </a:pPr>
+              <a:endParaRPr lang="de-DE" sz="1800">
+                <a:latin typeface="Calibri" pitchFamily="34" charset="0"/>
+              </a:endParaRPr>
+            </a:p>
+          </p:txBody>
+        </p:sp>
+        <p:grpSp>
+          <p:nvGrpSpPr>
+            <p:cNvPr id="27" name="Gruppieren 26">
+              <a:extLst>
+                <a:ext uri="{FF2B5EF4-FFF2-40B4-BE49-F238E27FC236}">
+                  <a16:creationId xmlns:a16="http://schemas.microsoft.com/office/drawing/2014/main" id="{5C87F514-562D-1EE2-4B7E-87F5BE1AD6A2}"/>
+                </a:ext>
+              </a:extLst>
+            </p:cNvPr>
+            <p:cNvGrpSpPr/>
+            <p:nvPr/>
+          </p:nvGrpSpPr>
+          <p:grpSpPr>
+            <a:xfrm>
+              <a:off x="2183803" y="4837548"/>
+              <a:ext cx="1983120" cy="795482"/>
+              <a:chOff x="2859696" y="585183"/>
+              <a:chExt cx="3275893" cy="1059168"/>
+            </a:xfrm>
+          </p:grpSpPr>
+          <p:sp>
+            <p:nvSpPr>
+              <p:cNvPr id="28" name="Rechteck 27">
+                <a:extLst>
+                  <a:ext uri="{FF2B5EF4-FFF2-40B4-BE49-F238E27FC236}">
+                    <a16:creationId xmlns:a16="http://schemas.microsoft.com/office/drawing/2014/main" id="{9D2D3EC1-5E31-9C75-DA07-4C45A1626C25}"/>
+                  </a:ext>
+                </a:extLst>
+              </p:cNvPr>
+              <p:cNvSpPr/>
+              <p:nvPr/>
+            </p:nvSpPr>
+            <p:spPr>
+              <a:xfrm rot="5400000">
+                <a:off x="3938233" y="-479688"/>
+                <a:ext cx="1045502" cy="3202576"/>
+              </a:xfrm>
+              <a:prstGeom prst="rect">
+                <a:avLst/>
+              </a:prstGeom>
+              <a:noFill/>
+              <a:ln>
+                <a:noFill/>
+              </a:ln>
+            </p:spPr>
+            <p:style>
+              <a:lnRef idx="3">
+                <a:scrgbClr r="0" g="0" b="0"/>
+              </a:lnRef>
+              <a:fillRef idx="1">
+                <a:scrgbClr r="0" g="0" b="0"/>
+              </a:fillRef>
+              <a:effectRef idx="1">
+                <a:schemeClr val="lt1">
+                  <a:hueOff val="0"/>
+                  <a:satOff val="0"/>
+                  <a:lumOff val="0"/>
+                  <a:alphaOff val="0"/>
+                </a:schemeClr>
+              </a:effectRef>
+              <a:fontRef idx="minor">
+                <a:schemeClr val="dk1">
+                  <a:hueOff val="0"/>
+                  <a:satOff val="0"/>
+                  <a:lumOff val="0"/>
+                  <a:alphaOff val="0"/>
+                </a:schemeClr>
+              </a:fontRef>
+            </p:style>
+            <p:txBody>
+              <a:bodyPr/>
+              <a:lstStyle/>
+              <a:p>
+                <a:endParaRPr lang="de-DE"/>
+              </a:p>
+            </p:txBody>
+          </p:sp>
+          <p:sp>
+            <p:nvSpPr>
+              <p:cNvPr id="29" name="Textfeld 28">
+                <a:extLst>
+                  <a:ext uri="{FF2B5EF4-FFF2-40B4-BE49-F238E27FC236}">
+                    <a16:creationId xmlns:a16="http://schemas.microsoft.com/office/drawing/2014/main" id="{F70F03F1-FA97-E314-E7C1-0C91D1ABFA41}"/>
+                  </a:ext>
+                </a:extLst>
+              </p:cNvPr>
+              <p:cNvSpPr txBox="1"/>
+              <p:nvPr/>
+            </p:nvSpPr>
+            <p:spPr>
+              <a:xfrm>
+                <a:off x="2933013" y="585183"/>
+                <a:ext cx="3202576" cy="1045501"/>
+              </a:xfrm>
+              <a:prstGeom prst="rect">
+                <a:avLst/>
+              </a:prstGeom>
+              <a:ln>
+                <a:noFill/>
+              </a:ln>
+            </p:spPr>
+            <p:style>
+              <a:lnRef idx="0">
+                <a:scrgbClr r="0" g="0" b="0"/>
+              </a:lnRef>
+              <a:fillRef idx="0">
+                <a:scrgbClr r="0" g="0" b="0"/>
+              </a:fillRef>
+              <a:effectRef idx="0">
+                <a:scrgbClr r="0" g="0" b="0"/>
+              </a:effectRef>
+              <a:fontRef idx="minor">
+                <a:schemeClr val="dk1">
+                  <a:hueOff val="0"/>
+                  <a:satOff val="0"/>
+                  <a:lumOff val="0"/>
+                  <a:alphaOff val="0"/>
+                </a:schemeClr>
+              </a:fontRef>
+            </p:style>
+            <p:txBody>
+              <a:bodyPr spcFirstLastPara="0" vert="horz" wrap="square" lIns="60960" tIns="60960" rIns="60960" bIns="60960" numCol="1" spcCol="1270" anchor="ctr" anchorCtr="0">
+                <a:noAutofit/>
+              </a:bodyPr>
+              <a:lstStyle/>
+              <a:p>
+                <a:pPr marL="0" lvl="0" indent="0" algn="ctr" defTabSz="711200">
+                  <a:lnSpc>
+                    <a:spcPct val="90000"/>
+                  </a:lnSpc>
+                  <a:spcBef>
+                    <a:spcPct val="0"/>
+                  </a:spcBef>
+                  <a:spcAft>
+                    <a:spcPct val="35000"/>
+                  </a:spcAft>
+                  <a:buNone/>
+                </a:pPr>
+                <a:r>
+                  <a:rPr lang="de-DE" sz="1000" kern="1200" dirty="0">
+                    <a:ln>
+                      <a:noFill/>
+                    </a:ln>
+                    <a:solidFill>
+                      <a:schemeClr val="tx1"/>
+                    </a:solidFill>
+                  </a:rPr>
+                  <a:t>Rodrigo Galarza</a:t>
+                </a:r>
+              </a:p>
+              <a:p>
+                <a:pPr marL="0" lvl="0" indent="0" algn="ctr" defTabSz="711200">
+                  <a:lnSpc>
+                    <a:spcPct val="90000"/>
+                  </a:lnSpc>
+                  <a:spcBef>
+                    <a:spcPct val="0"/>
+                  </a:spcBef>
+                  <a:spcAft>
+                    <a:spcPct val="35000"/>
+                  </a:spcAft>
+                  <a:buNone/>
+                </a:pPr>
+                <a:r>
+                  <a:rPr lang="de-DE" sz="1000" kern="1200" dirty="0" err="1">
+                    <a:ln>
+                      <a:noFill/>
+                    </a:ln>
+                    <a:solidFill>
+                      <a:schemeClr val="tx1"/>
+                    </a:solidFill>
+                    <a:latin typeface="Calibri" pitchFamily="34" charset="0"/>
+                    <a:hlinkClick r:id="rId5"/>
+                  </a:rPr>
+                  <a:t>i.quiroz-galarza@itc</a:t>
+                </a:r>
+                <a:r>
+                  <a:rPr lang="de-DE" sz="1000" kern="1200" dirty="0">
+                    <a:ln>
+                      <a:noFill/>
+                    </a:ln>
+                    <a:solidFill>
+                      <a:schemeClr val="tx1"/>
+                    </a:solidFill>
+                    <a:latin typeface="Calibri" pitchFamily="34" charset="0"/>
+                    <a:hlinkClick r:id="rId5"/>
+                  </a:rPr>
+                  <a:t>-</a:t>
+                </a:r>
+                <a:endParaRPr lang="de-DE" sz="1000" kern="1200" dirty="0">
+                  <a:ln>
+                    <a:noFill/>
+                  </a:ln>
+                  <a:solidFill>
+                    <a:schemeClr val="tx1"/>
+                  </a:solidFill>
+                  <a:latin typeface="Calibri" pitchFamily="34" charset="0"/>
+                </a:endParaRPr>
+              </a:p>
+              <a:p>
+                <a:pPr marL="0" lvl="0" indent="0" algn="ctr" defTabSz="711200">
+                  <a:lnSpc>
+                    <a:spcPct val="90000"/>
+                  </a:lnSpc>
+                  <a:spcBef>
+                    <a:spcPct val="0"/>
+                  </a:spcBef>
+                  <a:spcAft>
+                    <a:spcPct val="35000"/>
+                  </a:spcAft>
+                  <a:buNone/>
+                </a:pPr>
+                <a:r>
+                  <a:rPr lang="de-DE" sz="1000" kern="1200" dirty="0">
+                    <a:ln>
+                      <a:noFill/>
+                    </a:ln>
+                    <a:solidFill>
+                      <a:schemeClr val="tx1"/>
+                    </a:solidFill>
+                    <a:latin typeface="Calibri" pitchFamily="34" charset="0"/>
+                  </a:rPr>
+                  <a:t>studenten.de</a:t>
+                </a:r>
+                <a:endParaRPr lang="de-DE" sz="1000" kern="1200" dirty="0">
+                  <a:ln>
+                    <a:noFill/>
+                  </a:ln>
+                  <a:solidFill>
+                    <a:schemeClr val="tx1"/>
+                  </a:solidFill>
+                </a:endParaRPr>
+              </a:p>
+            </p:txBody>
+          </p:sp>
+        </p:grpSp>
+      </p:grpSp>
+    </p:spTree>
+    <p:extLst>
+      <p:ext uri="{BB962C8B-B14F-4D97-AF65-F5344CB8AC3E}">
+        <p14:creationId xmlns:p14="http://schemas.microsoft.com/office/powerpoint/2010/main" val="1759559168"/>
       </p:ext>
     </p:extLst>
   </p:cSld>
@@ -21307,1171 +23386,6 @@
 </file>
 
 <file path=ppt/slides/slide5.xml><?xml version="1.0" encoding="utf-8"?>
-<p:sld xmlns:a="http://schemas.openxmlformats.org/drawingml/2006/main" xmlns:r="http://schemas.openxmlformats.org/officeDocument/2006/relationships" xmlns:p="http://schemas.openxmlformats.org/presentationml/2006/main">
-  <p:cSld>
-    <p:bg>
-      <p:bgPr>
-        <a:solidFill>
-          <a:schemeClr val="bg1"/>
-        </a:solidFill>
-        <a:effectLst/>
-      </p:bgPr>
-    </p:bg>
-    <p:spTree>
-      <p:nvGrpSpPr>
-        <p:cNvPr id="1" name=""/>
-        <p:cNvGrpSpPr/>
-        <p:nvPr/>
-      </p:nvGrpSpPr>
-      <p:grpSpPr>
-        <a:xfrm>
-          <a:off x="0" y="0"/>
-          <a:ext cx="0" cy="0"/>
-          <a:chOff x="0" y="0"/>
-          <a:chExt cx="0" cy="0"/>
-        </a:xfrm>
-      </p:grpSpPr>
-      <p:sp>
-        <p:nvSpPr>
-          <p:cNvPr id="2" name="Titel 1">
-            <a:extLst>
-              <a:ext uri="{FF2B5EF4-FFF2-40B4-BE49-F238E27FC236}">
-                <a16:creationId xmlns:a16="http://schemas.microsoft.com/office/drawing/2014/main" id="{0611B4C7-7A69-112A-16D3-01B09D107E11}"/>
-              </a:ext>
-            </a:extLst>
-          </p:cNvPr>
-          <p:cNvSpPr>
-            <a:spLocks noGrp="1"/>
-          </p:cNvSpPr>
-          <p:nvPr>
-            <p:ph type="title"/>
-          </p:nvPr>
-        </p:nvSpPr>
-        <p:spPr>
-          <a:xfrm>
-            <a:off x="677334" y="609600"/>
-            <a:ext cx="8596668" cy="1320800"/>
-          </a:xfrm>
-        </p:spPr>
-        <p:txBody>
-          <a:bodyPr anchor="t">
-            <a:normAutofit/>
-          </a:bodyPr>
-          <a:lstStyle/>
-          <a:p>
-            <a:r>
-              <a:rPr lang="de-DE" dirty="0"/>
-              <a:t>Datenmodell</a:t>
-            </a:r>
-          </a:p>
-        </p:txBody>
-      </p:sp>
-      <p:pic>
-        <p:nvPicPr>
-          <p:cNvPr id="6" name="Inhaltsplatzhalter 5" descr="Ein Bild, das Text, Screenshot, Diagramm, Schrift enthält.&#10;&#10;Automatisch generierte Beschreibung">
-            <a:extLst>
-              <a:ext uri="{FF2B5EF4-FFF2-40B4-BE49-F238E27FC236}">
-                <a16:creationId xmlns:a16="http://schemas.microsoft.com/office/drawing/2014/main" id="{57C98C23-7BF1-37BD-F9EE-5EEC9CD3C874}"/>
-              </a:ext>
-            </a:extLst>
-          </p:cNvPr>
-          <p:cNvPicPr>
-            <a:picLocks noGrp="1" noRot="1" noChangeAspect="1" noMove="1" noResize="1" noEditPoints="1" noAdjustHandles="1" noChangeArrowheads="1" noChangeShapeType="1" noCrop="1"/>
-          </p:cNvPicPr>
-          <p:nvPr/>
-        </p:nvPicPr>
-        <p:blipFill>
-          <a:blip r:embed="rId2">
-            <a:extLst>
-              <a:ext uri="{28A0092B-C50C-407E-A947-70E740481C1C}">
-                <a14:useLocalDpi xmlns:a14="http://schemas.microsoft.com/office/drawing/2010/main" val="0"/>
-              </a:ext>
-            </a:extLst>
-          </a:blip>
-          <a:stretch>
-            <a:fillRect/>
-          </a:stretch>
-        </p:blipFill>
-        <p:spPr>
-          <a:xfrm>
-            <a:off x="817474" y="2159331"/>
-            <a:ext cx="5917336" cy="3880772"/>
-          </a:xfrm>
-          <a:prstGeom prst="rect">
-            <a:avLst/>
-          </a:prstGeom>
-        </p:spPr>
-      </p:pic>
-      <p:sp>
-        <p:nvSpPr>
-          <p:cNvPr id="10" name="Content Placeholder 9">
-            <a:extLst>
-              <a:ext uri="{FF2B5EF4-FFF2-40B4-BE49-F238E27FC236}">
-                <a16:creationId xmlns:a16="http://schemas.microsoft.com/office/drawing/2014/main" id="{429B2E3A-512B-E299-617B-C4B3BC921351}"/>
-              </a:ext>
-            </a:extLst>
-          </p:cNvPr>
-          <p:cNvSpPr>
-            <a:spLocks noGrp="1"/>
-          </p:cNvSpPr>
-          <p:nvPr>
-            <p:ph idx="1"/>
-          </p:nvPr>
-        </p:nvSpPr>
-        <p:spPr>
-          <a:xfrm>
-            <a:off x="6701183" y="2160589"/>
-            <a:ext cx="2642041" cy="3880773"/>
-          </a:xfrm>
-        </p:spPr>
-        <p:txBody>
-          <a:bodyPr>
-            <a:normAutofit/>
-          </a:bodyPr>
-          <a:lstStyle/>
-          <a:p>
-            <a:r>
-              <a:rPr lang="en-US" sz="1500" dirty="0" err="1"/>
-              <a:t>Domaintabellen</a:t>
-            </a:r>
-            <a:endParaRPr lang="en-US" sz="1500" dirty="0"/>
-          </a:p>
-          <a:p>
-            <a:pPr lvl="1"/>
-            <a:r>
-              <a:rPr lang="en-US" sz="1300" dirty="0" err="1"/>
-              <a:t>D_Aenderungsart</a:t>
-            </a:r>
-            <a:endParaRPr lang="en-US" sz="1300" dirty="0"/>
-          </a:p>
-          <a:p>
-            <a:pPr lvl="1"/>
-            <a:r>
-              <a:rPr lang="en-US" sz="1300" dirty="0" err="1"/>
-              <a:t>D_Gruppe</a:t>
-            </a:r>
-            <a:endParaRPr lang="en-US" sz="1300" dirty="0"/>
-          </a:p>
-          <a:p>
-            <a:pPr lvl="1"/>
-            <a:r>
-              <a:rPr lang="en-US" sz="1300" dirty="0" err="1"/>
-              <a:t>D_Jahrgang</a:t>
-            </a:r>
-            <a:endParaRPr lang="en-US" sz="1300" dirty="0"/>
-          </a:p>
-          <a:p>
-            <a:pPr lvl="1"/>
-            <a:r>
-              <a:rPr lang="en-US" sz="1300" dirty="0" err="1"/>
-              <a:t>D_Semester</a:t>
-            </a:r>
-            <a:endParaRPr lang="en-US" sz="1300" dirty="0"/>
-          </a:p>
-          <a:p>
-            <a:pPr lvl="1"/>
-            <a:r>
-              <a:rPr lang="en-US" sz="1300" dirty="0" err="1"/>
-              <a:t>D_Typ</a:t>
-            </a:r>
-            <a:endParaRPr lang="en-US" sz="1300" dirty="0"/>
-          </a:p>
-          <a:p>
-            <a:pPr lvl="1"/>
-            <a:r>
-              <a:rPr lang="en-US" sz="1300" dirty="0" err="1"/>
-              <a:t>D_Fehlgrund</a:t>
-            </a:r>
-            <a:endParaRPr lang="en-US" sz="1300" dirty="0"/>
-          </a:p>
-        </p:txBody>
-      </p:sp>
-      <p:sp>
-        <p:nvSpPr>
-          <p:cNvPr id="4" name="Foliennummernplatzhalter 3">
-            <a:extLst>
-              <a:ext uri="{FF2B5EF4-FFF2-40B4-BE49-F238E27FC236}">
-                <a16:creationId xmlns:a16="http://schemas.microsoft.com/office/drawing/2014/main" id="{E37B7BC4-578F-F84D-B435-564074577188}"/>
-              </a:ext>
-            </a:extLst>
-          </p:cNvPr>
-          <p:cNvSpPr>
-            <a:spLocks noGrp="1"/>
-          </p:cNvSpPr>
-          <p:nvPr>
-            <p:ph type="sldNum" sz="quarter" idx="12"/>
-          </p:nvPr>
-        </p:nvSpPr>
-        <p:spPr>
-          <a:xfrm>
-            <a:off x="8590663" y="6041362"/>
-            <a:ext cx="683339" cy="365125"/>
-          </a:xfrm>
-        </p:spPr>
-        <p:txBody>
-          <a:bodyPr>
-            <a:normAutofit/>
-          </a:bodyPr>
-          <a:lstStyle/>
-          <a:p>
-            <a:pPr>
-              <a:spcAft>
-                <a:spcPts val="600"/>
-              </a:spcAft>
-            </a:pPr>
-            <a:fld id="{0D177590-C0B9-4388-A01F-98FB57FCBBE4}" type="slidenum">
-              <a:rPr lang="de-DE" smtClean="0"/>
-              <a:pPr>
-                <a:spcAft>
-                  <a:spcPts val="600"/>
-                </a:spcAft>
-              </a:pPr>
-              <a:t>5</a:t>
-            </a:fld>
-            <a:endParaRPr lang="de-DE"/>
-          </a:p>
-        </p:txBody>
-      </p:sp>
-      <p:sp>
-        <p:nvSpPr>
-          <p:cNvPr id="7" name="Rechteck 6">
-            <a:extLst>
-              <a:ext uri="{FF2B5EF4-FFF2-40B4-BE49-F238E27FC236}">
-                <a16:creationId xmlns:a16="http://schemas.microsoft.com/office/drawing/2014/main" id="{B6969D37-FED6-78FF-DE7F-C9EECBBE2613}"/>
-              </a:ext>
-            </a:extLst>
-          </p:cNvPr>
-          <p:cNvSpPr/>
-          <p:nvPr/>
-        </p:nvSpPr>
-        <p:spPr>
-          <a:xfrm>
-            <a:off x="5057775" y="3451224"/>
-            <a:ext cx="495300" cy="295275"/>
-          </a:xfrm>
-          <a:prstGeom prst="rect">
-            <a:avLst/>
-          </a:prstGeom>
-          <a:noFill/>
-          <a:ln>
-            <a:solidFill>
-              <a:srgbClr val="FF0000"/>
-            </a:solidFill>
-          </a:ln>
-        </p:spPr>
-        <p:style>
-          <a:lnRef idx="2">
-            <a:schemeClr val="accent1">
-              <a:shade val="15000"/>
-            </a:schemeClr>
-          </a:lnRef>
-          <a:fillRef idx="1">
-            <a:schemeClr val="accent1"/>
-          </a:fillRef>
-          <a:effectRef idx="0">
-            <a:schemeClr val="accent1"/>
-          </a:effectRef>
-          <a:fontRef idx="minor">
-            <a:schemeClr val="lt1"/>
-          </a:fontRef>
-        </p:style>
-        <p:txBody>
-          <a:bodyPr rtlCol="0" anchor="ctr"/>
-          <a:lstStyle/>
-          <a:p>
-            <a:pPr algn="ctr"/>
-            <a:endParaRPr lang="de-DE"/>
-          </a:p>
-        </p:txBody>
-      </p:sp>
-      <p:sp>
-        <p:nvSpPr>
-          <p:cNvPr id="8" name="Rechteck 7">
-            <a:extLst>
-              <a:ext uri="{FF2B5EF4-FFF2-40B4-BE49-F238E27FC236}">
-                <a16:creationId xmlns:a16="http://schemas.microsoft.com/office/drawing/2014/main" id="{CE29BDBA-85A3-93CF-E7C0-7E966FD0F9E4}"/>
-              </a:ext>
-            </a:extLst>
-          </p:cNvPr>
-          <p:cNvSpPr/>
-          <p:nvPr/>
-        </p:nvSpPr>
-        <p:spPr>
-          <a:xfrm>
-            <a:off x="4092769" y="4203699"/>
-            <a:ext cx="469706" cy="295275"/>
-          </a:xfrm>
-          <a:prstGeom prst="rect">
-            <a:avLst/>
-          </a:prstGeom>
-          <a:noFill/>
-          <a:ln>
-            <a:solidFill>
-              <a:srgbClr val="FF0000"/>
-            </a:solidFill>
-          </a:ln>
-        </p:spPr>
-        <p:style>
-          <a:lnRef idx="2">
-            <a:schemeClr val="accent1">
-              <a:shade val="15000"/>
-            </a:schemeClr>
-          </a:lnRef>
-          <a:fillRef idx="1">
-            <a:schemeClr val="accent1"/>
-          </a:fillRef>
-          <a:effectRef idx="0">
-            <a:schemeClr val="accent1"/>
-          </a:effectRef>
-          <a:fontRef idx="minor">
-            <a:schemeClr val="lt1"/>
-          </a:fontRef>
-        </p:style>
-        <p:txBody>
-          <a:bodyPr rtlCol="0" anchor="ctr"/>
-          <a:lstStyle/>
-          <a:p>
-            <a:pPr algn="ctr"/>
-            <a:endParaRPr lang="de-DE"/>
-          </a:p>
-        </p:txBody>
-      </p:sp>
-      <p:sp>
-        <p:nvSpPr>
-          <p:cNvPr id="9" name="Rechteck 8">
-            <a:extLst>
-              <a:ext uri="{FF2B5EF4-FFF2-40B4-BE49-F238E27FC236}">
-                <a16:creationId xmlns:a16="http://schemas.microsoft.com/office/drawing/2014/main" id="{4FB32735-3767-3E6A-ECB4-09B066C482C8}"/>
-              </a:ext>
-            </a:extLst>
-          </p:cNvPr>
-          <p:cNvSpPr/>
-          <p:nvPr/>
-        </p:nvSpPr>
-        <p:spPr>
-          <a:xfrm>
-            <a:off x="3930843" y="5330824"/>
-            <a:ext cx="523681" cy="295275"/>
-          </a:xfrm>
-          <a:prstGeom prst="rect">
-            <a:avLst/>
-          </a:prstGeom>
-          <a:noFill/>
-          <a:ln>
-            <a:solidFill>
-              <a:srgbClr val="FF0000"/>
-            </a:solidFill>
-          </a:ln>
-        </p:spPr>
-        <p:style>
-          <a:lnRef idx="2">
-            <a:schemeClr val="accent1">
-              <a:shade val="15000"/>
-            </a:schemeClr>
-          </a:lnRef>
-          <a:fillRef idx="1">
-            <a:schemeClr val="accent1"/>
-          </a:fillRef>
-          <a:effectRef idx="0">
-            <a:schemeClr val="accent1"/>
-          </a:effectRef>
-          <a:fontRef idx="minor">
-            <a:schemeClr val="lt1"/>
-          </a:fontRef>
-        </p:style>
-        <p:txBody>
-          <a:bodyPr rtlCol="0" anchor="ctr"/>
-          <a:lstStyle/>
-          <a:p>
-            <a:pPr algn="ctr"/>
-            <a:endParaRPr lang="de-DE"/>
-          </a:p>
-        </p:txBody>
-      </p:sp>
-      <p:sp>
-        <p:nvSpPr>
-          <p:cNvPr id="11" name="Rechteck 10">
-            <a:extLst>
-              <a:ext uri="{FF2B5EF4-FFF2-40B4-BE49-F238E27FC236}">
-                <a16:creationId xmlns:a16="http://schemas.microsoft.com/office/drawing/2014/main" id="{23690180-141B-4279-D300-B4744A701F0A}"/>
-              </a:ext>
-            </a:extLst>
-          </p:cNvPr>
-          <p:cNvSpPr/>
-          <p:nvPr/>
-        </p:nvSpPr>
-        <p:spPr>
-          <a:xfrm>
-            <a:off x="892368" y="3686174"/>
-            <a:ext cx="412557" cy="295275"/>
-          </a:xfrm>
-          <a:prstGeom prst="rect">
-            <a:avLst/>
-          </a:prstGeom>
-          <a:noFill/>
-          <a:ln>
-            <a:solidFill>
-              <a:srgbClr val="FF0000"/>
-            </a:solidFill>
-          </a:ln>
-        </p:spPr>
-        <p:style>
-          <a:lnRef idx="2">
-            <a:schemeClr val="accent1">
-              <a:shade val="15000"/>
-            </a:schemeClr>
-          </a:lnRef>
-          <a:fillRef idx="1">
-            <a:schemeClr val="accent1"/>
-          </a:fillRef>
-          <a:effectRef idx="0">
-            <a:schemeClr val="accent1"/>
-          </a:effectRef>
-          <a:fontRef idx="minor">
-            <a:schemeClr val="lt1"/>
-          </a:fontRef>
-        </p:style>
-        <p:txBody>
-          <a:bodyPr rtlCol="0" anchor="ctr"/>
-          <a:lstStyle/>
-          <a:p>
-            <a:pPr algn="ctr"/>
-            <a:endParaRPr lang="de-DE"/>
-          </a:p>
-        </p:txBody>
-      </p:sp>
-      <p:sp>
-        <p:nvSpPr>
-          <p:cNvPr id="12" name="Rechteck 11">
-            <a:extLst>
-              <a:ext uri="{FF2B5EF4-FFF2-40B4-BE49-F238E27FC236}">
-                <a16:creationId xmlns:a16="http://schemas.microsoft.com/office/drawing/2014/main" id="{BF555FF4-1F2B-EB50-110D-BBCABA004B53}"/>
-              </a:ext>
-            </a:extLst>
-          </p:cNvPr>
-          <p:cNvSpPr/>
-          <p:nvPr/>
-        </p:nvSpPr>
-        <p:spPr>
-          <a:xfrm>
-            <a:off x="6076950" y="2759074"/>
-            <a:ext cx="624233" cy="295275"/>
-          </a:xfrm>
-          <a:prstGeom prst="rect">
-            <a:avLst/>
-          </a:prstGeom>
-          <a:noFill/>
-          <a:ln>
-            <a:solidFill>
-              <a:srgbClr val="FF0000"/>
-            </a:solidFill>
-          </a:ln>
-        </p:spPr>
-        <p:style>
-          <a:lnRef idx="2">
-            <a:schemeClr val="accent1">
-              <a:shade val="15000"/>
-            </a:schemeClr>
-          </a:lnRef>
-          <a:fillRef idx="1">
-            <a:schemeClr val="accent1"/>
-          </a:fillRef>
-          <a:effectRef idx="0">
-            <a:schemeClr val="accent1"/>
-          </a:effectRef>
-          <a:fontRef idx="minor">
-            <a:schemeClr val="lt1"/>
-          </a:fontRef>
-        </p:style>
-        <p:txBody>
-          <a:bodyPr rtlCol="0" anchor="ctr"/>
-          <a:lstStyle/>
-          <a:p>
-            <a:pPr algn="ctr"/>
-            <a:endParaRPr lang="de-DE"/>
-          </a:p>
-        </p:txBody>
-      </p:sp>
-      <p:sp>
-        <p:nvSpPr>
-          <p:cNvPr id="13" name="Rechteck 12">
-            <a:extLst>
-              <a:ext uri="{FF2B5EF4-FFF2-40B4-BE49-F238E27FC236}">
-                <a16:creationId xmlns:a16="http://schemas.microsoft.com/office/drawing/2014/main" id="{06520981-5ECC-DDE1-C27C-C88B86718C04}"/>
-              </a:ext>
-            </a:extLst>
-          </p:cNvPr>
-          <p:cNvSpPr/>
-          <p:nvPr/>
-        </p:nvSpPr>
-        <p:spPr>
-          <a:xfrm>
-            <a:off x="2087066" y="4381499"/>
-            <a:ext cx="519609" cy="295275"/>
-          </a:xfrm>
-          <a:prstGeom prst="rect">
-            <a:avLst/>
-          </a:prstGeom>
-          <a:noFill/>
-          <a:ln>
-            <a:solidFill>
-              <a:srgbClr val="FF0000"/>
-            </a:solidFill>
-          </a:ln>
-        </p:spPr>
-        <p:style>
-          <a:lnRef idx="2">
-            <a:schemeClr val="accent1">
-              <a:shade val="15000"/>
-            </a:schemeClr>
-          </a:lnRef>
-          <a:fillRef idx="1">
-            <a:schemeClr val="accent1"/>
-          </a:fillRef>
-          <a:effectRef idx="0">
-            <a:schemeClr val="accent1"/>
-          </a:effectRef>
-          <a:fontRef idx="minor">
-            <a:schemeClr val="lt1"/>
-          </a:fontRef>
-        </p:style>
-        <p:txBody>
-          <a:bodyPr rtlCol="0" anchor="ctr"/>
-          <a:lstStyle/>
-          <a:p>
-            <a:pPr algn="ctr"/>
-            <a:endParaRPr lang="de-DE"/>
-          </a:p>
-        </p:txBody>
-      </p:sp>
-    </p:spTree>
-    <p:extLst>
-      <p:ext uri="{BB962C8B-B14F-4D97-AF65-F5344CB8AC3E}">
-        <p14:creationId xmlns:p14="http://schemas.microsoft.com/office/powerpoint/2010/main" val="2988190502"/>
-      </p:ext>
-    </p:extLst>
-  </p:cSld>
-  <p:clrMapOvr>
-    <a:masterClrMapping/>
-  </p:clrMapOvr>
-  <p:timing>
-    <p:tnLst>
-      <p:par>
-        <p:cTn id="1" dur="indefinite" restart="never" nodeType="tmRoot">
-          <p:childTnLst>
-            <p:seq concurrent="1" nextAc="seek">
-              <p:cTn id="2" dur="indefinite" nodeType="mainSeq">
-                <p:childTnLst>
-                  <p:par>
-                    <p:cTn id="3" fill="hold">
-                      <p:stCondLst>
-                        <p:cond delay="indefinite"/>
-                      </p:stCondLst>
-                      <p:childTnLst>
-                        <p:par>
-                          <p:cTn id="4" fill="hold">
-                            <p:stCondLst>
-                              <p:cond delay="0"/>
-                            </p:stCondLst>
-                            <p:childTnLst>
-                              <p:par>
-                                <p:cTn id="5" presetID="10" presetClass="entr" presetSubtype="0" fill="hold" nodeType="clickEffect">
-                                  <p:stCondLst>
-                                    <p:cond delay="0"/>
-                                  </p:stCondLst>
-                                  <p:childTnLst>
-                                    <p:set>
-                                      <p:cBhvr>
-                                        <p:cTn id="6" dur="1" fill="hold">
-                                          <p:stCondLst>
-                                            <p:cond delay="0"/>
-                                          </p:stCondLst>
-                                        </p:cTn>
-                                        <p:tgtEl>
-                                          <p:spTgt spid="10">
-                                            <p:txEl>
-                                              <p:pRg st="1" end="1"/>
-                                            </p:txEl>
-                                          </p:spTgt>
-                                        </p:tgtEl>
-                                        <p:attrNameLst>
-                                          <p:attrName>style.visibility</p:attrName>
-                                        </p:attrNameLst>
-                                      </p:cBhvr>
-                                      <p:to>
-                                        <p:strVal val="visible"/>
-                                      </p:to>
-                                    </p:set>
-                                    <p:animEffect transition="in" filter="fade">
-                                      <p:cBhvr>
-                                        <p:cTn id="7" dur="500"/>
-                                        <p:tgtEl>
-                                          <p:spTgt spid="10">
-                                            <p:txEl>
-                                              <p:pRg st="1" end="1"/>
-                                            </p:txEl>
-                                          </p:spTgt>
-                                        </p:tgtEl>
-                                      </p:cBhvr>
-                                    </p:animEffect>
-                                  </p:childTnLst>
-                                </p:cTn>
-                              </p:par>
-                              <p:par>
-                                <p:cTn id="8" presetID="10" presetClass="entr" presetSubtype="0" fill="hold" grpId="0" nodeType="withEffect">
-                                  <p:stCondLst>
-                                    <p:cond delay="0"/>
-                                  </p:stCondLst>
-                                  <p:childTnLst>
-                                    <p:set>
-                                      <p:cBhvr>
-                                        <p:cTn id="9" dur="1" fill="hold">
-                                          <p:stCondLst>
-                                            <p:cond delay="0"/>
-                                          </p:stCondLst>
-                                        </p:cTn>
-                                        <p:tgtEl>
-                                          <p:spTgt spid="12"/>
-                                        </p:tgtEl>
-                                        <p:attrNameLst>
-                                          <p:attrName>style.visibility</p:attrName>
-                                        </p:attrNameLst>
-                                      </p:cBhvr>
-                                      <p:to>
-                                        <p:strVal val="visible"/>
-                                      </p:to>
-                                    </p:set>
-                                    <p:animEffect transition="in" filter="fade">
-                                      <p:cBhvr>
-                                        <p:cTn id="10" dur="500"/>
-                                        <p:tgtEl>
-                                          <p:spTgt spid="12"/>
-                                        </p:tgtEl>
-                                      </p:cBhvr>
-                                    </p:animEffect>
-                                  </p:childTnLst>
-                                </p:cTn>
-                              </p:par>
-                            </p:childTnLst>
-                          </p:cTn>
-                        </p:par>
-                      </p:childTnLst>
-                    </p:cTn>
-                  </p:par>
-                  <p:par>
-                    <p:cTn id="11" fill="hold">
-                      <p:stCondLst>
-                        <p:cond delay="indefinite"/>
-                      </p:stCondLst>
-                      <p:childTnLst>
-                        <p:par>
-                          <p:cTn id="12" fill="hold">
-                            <p:stCondLst>
-                              <p:cond delay="0"/>
-                            </p:stCondLst>
-                            <p:childTnLst>
-                              <p:par>
-                                <p:cTn id="13" presetID="10" presetClass="entr" presetSubtype="0" fill="hold" nodeType="clickEffect">
-                                  <p:stCondLst>
-                                    <p:cond delay="0"/>
-                                  </p:stCondLst>
-                                  <p:childTnLst>
-                                    <p:set>
-                                      <p:cBhvr>
-                                        <p:cTn id="14" dur="1" fill="hold">
-                                          <p:stCondLst>
-                                            <p:cond delay="0"/>
-                                          </p:stCondLst>
-                                        </p:cTn>
-                                        <p:tgtEl>
-                                          <p:spTgt spid="10">
-                                            <p:txEl>
-                                              <p:pRg st="2" end="2"/>
-                                            </p:txEl>
-                                          </p:spTgt>
-                                        </p:tgtEl>
-                                        <p:attrNameLst>
-                                          <p:attrName>style.visibility</p:attrName>
-                                        </p:attrNameLst>
-                                      </p:cBhvr>
-                                      <p:to>
-                                        <p:strVal val="visible"/>
-                                      </p:to>
-                                    </p:set>
-                                    <p:animEffect transition="in" filter="fade">
-                                      <p:cBhvr>
-                                        <p:cTn id="15" dur="500"/>
-                                        <p:tgtEl>
-                                          <p:spTgt spid="10">
-                                            <p:txEl>
-                                              <p:pRg st="2" end="2"/>
-                                            </p:txEl>
-                                          </p:spTgt>
-                                        </p:tgtEl>
-                                      </p:cBhvr>
-                                    </p:animEffect>
-                                  </p:childTnLst>
-                                </p:cTn>
-                              </p:par>
-                              <p:par>
-                                <p:cTn id="16" presetID="10" presetClass="entr" presetSubtype="0" fill="hold" grpId="0" nodeType="withEffect">
-                                  <p:stCondLst>
-                                    <p:cond delay="0"/>
-                                  </p:stCondLst>
-                                  <p:childTnLst>
-                                    <p:set>
-                                      <p:cBhvr>
-                                        <p:cTn id="17" dur="1" fill="hold">
-                                          <p:stCondLst>
-                                            <p:cond delay="0"/>
-                                          </p:stCondLst>
-                                        </p:cTn>
-                                        <p:tgtEl>
-                                          <p:spTgt spid="7"/>
-                                        </p:tgtEl>
-                                        <p:attrNameLst>
-                                          <p:attrName>style.visibility</p:attrName>
-                                        </p:attrNameLst>
-                                      </p:cBhvr>
-                                      <p:to>
-                                        <p:strVal val="visible"/>
-                                      </p:to>
-                                    </p:set>
-                                    <p:animEffect transition="in" filter="fade">
-                                      <p:cBhvr>
-                                        <p:cTn id="18" dur="500"/>
-                                        <p:tgtEl>
-                                          <p:spTgt spid="7"/>
-                                        </p:tgtEl>
-                                      </p:cBhvr>
-                                    </p:animEffect>
-                                  </p:childTnLst>
-                                </p:cTn>
-                              </p:par>
-                            </p:childTnLst>
-                          </p:cTn>
-                        </p:par>
-                      </p:childTnLst>
-                    </p:cTn>
-                  </p:par>
-                  <p:par>
-                    <p:cTn id="19" fill="hold">
-                      <p:stCondLst>
-                        <p:cond delay="indefinite"/>
-                      </p:stCondLst>
-                      <p:childTnLst>
-                        <p:par>
-                          <p:cTn id="20" fill="hold">
-                            <p:stCondLst>
-                              <p:cond delay="0"/>
-                            </p:stCondLst>
-                            <p:childTnLst>
-                              <p:par>
-                                <p:cTn id="21" presetID="10" presetClass="entr" presetSubtype="0" fill="hold" nodeType="clickEffect">
-                                  <p:stCondLst>
-                                    <p:cond delay="0"/>
-                                  </p:stCondLst>
-                                  <p:childTnLst>
-                                    <p:set>
-                                      <p:cBhvr>
-                                        <p:cTn id="22" dur="1" fill="hold">
-                                          <p:stCondLst>
-                                            <p:cond delay="0"/>
-                                          </p:stCondLst>
-                                        </p:cTn>
-                                        <p:tgtEl>
-                                          <p:spTgt spid="10">
-                                            <p:txEl>
-                                              <p:pRg st="3" end="3"/>
-                                            </p:txEl>
-                                          </p:spTgt>
-                                        </p:tgtEl>
-                                        <p:attrNameLst>
-                                          <p:attrName>style.visibility</p:attrName>
-                                        </p:attrNameLst>
-                                      </p:cBhvr>
-                                      <p:to>
-                                        <p:strVal val="visible"/>
-                                      </p:to>
-                                    </p:set>
-                                    <p:animEffect transition="in" filter="fade">
-                                      <p:cBhvr>
-                                        <p:cTn id="23" dur="500"/>
-                                        <p:tgtEl>
-                                          <p:spTgt spid="10">
-                                            <p:txEl>
-                                              <p:pRg st="3" end="3"/>
-                                            </p:txEl>
-                                          </p:spTgt>
-                                        </p:tgtEl>
-                                      </p:cBhvr>
-                                    </p:animEffect>
-                                  </p:childTnLst>
-                                </p:cTn>
-                              </p:par>
-                              <p:par>
-                                <p:cTn id="24" presetID="10" presetClass="entr" presetSubtype="0" fill="hold" grpId="0" nodeType="withEffect">
-                                  <p:stCondLst>
-                                    <p:cond delay="0"/>
-                                  </p:stCondLst>
-                                  <p:childTnLst>
-                                    <p:set>
-                                      <p:cBhvr>
-                                        <p:cTn id="25" dur="1" fill="hold">
-                                          <p:stCondLst>
-                                            <p:cond delay="0"/>
-                                          </p:stCondLst>
-                                        </p:cTn>
-                                        <p:tgtEl>
-                                          <p:spTgt spid="8"/>
-                                        </p:tgtEl>
-                                        <p:attrNameLst>
-                                          <p:attrName>style.visibility</p:attrName>
-                                        </p:attrNameLst>
-                                      </p:cBhvr>
-                                      <p:to>
-                                        <p:strVal val="visible"/>
-                                      </p:to>
-                                    </p:set>
-                                    <p:animEffect transition="in" filter="fade">
-                                      <p:cBhvr>
-                                        <p:cTn id="26" dur="500"/>
-                                        <p:tgtEl>
-                                          <p:spTgt spid="8"/>
-                                        </p:tgtEl>
-                                      </p:cBhvr>
-                                    </p:animEffect>
-                                  </p:childTnLst>
-                                </p:cTn>
-                              </p:par>
-                            </p:childTnLst>
-                          </p:cTn>
-                        </p:par>
-                      </p:childTnLst>
-                    </p:cTn>
-                  </p:par>
-                  <p:par>
-                    <p:cTn id="27" fill="hold">
-                      <p:stCondLst>
-                        <p:cond delay="indefinite"/>
-                      </p:stCondLst>
-                      <p:childTnLst>
-                        <p:par>
-                          <p:cTn id="28" fill="hold">
-                            <p:stCondLst>
-                              <p:cond delay="0"/>
-                            </p:stCondLst>
-                            <p:childTnLst>
-                              <p:par>
-                                <p:cTn id="29" presetID="10" presetClass="entr" presetSubtype="0" fill="hold" nodeType="clickEffect">
-                                  <p:stCondLst>
-                                    <p:cond delay="0"/>
-                                  </p:stCondLst>
-                                  <p:childTnLst>
-                                    <p:set>
-                                      <p:cBhvr>
-                                        <p:cTn id="30" dur="1" fill="hold">
-                                          <p:stCondLst>
-                                            <p:cond delay="0"/>
-                                          </p:stCondLst>
-                                        </p:cTn>
-                                        <p:tgtEl>
-                                          <p:spTgt spid="10">
-                                            <p:txEl>
-                                              <p:pRg st="4" end="4"/>
-                                            </p:txEl>
-                                          </p:spTgt>
-                                        </p:tgtEl>
-                                        <p:attrNameLst>
-                                          <p:attrName>style.visibility</p:attrName>
-                                        </p:attrNameLst>
-                                      </p:cBhvr>
-                                      <p:to>
-                                        <p:strVal val="visible"/>
-                                      </p:to>
-                                    </p:set>
-                                    <p:animEffect transition="in" filter="fade">
-                                      <p:cBhvr>
-                                        <p:cTn id="31" dur="500"/>
-                                        <p:tgtEl>
-                                          <p:spTgt spid="10">
-                                            <p:txEl>
-                                              <p:pRg st="4" end="4"/>
-                                            </p:txEl>
-                                          </p:spTgt>
-                                        </p:tgtEl>
-                                      </p:cBhvr>
-                                    </p:animEffect>
-                                  </p:childTnLst>
-                                </p:cTn>
-                              </p:par>
-                              <p:par>
-                                <p:cTn id="32" presetID="10" presetClass="entr" presetSubtype="0" fill="hold" grpId="0" nodeType="withEffect">
-                                  <p:stCondLst>
-                                    <p:cond delay="0"/>
-                                  </p:stCondLst>
-                                  <p:childTnLst>
-                                    <p:set>
-                                      <p:cBhvr>
-                                        <p:cTn id="33" dur="1" fill="hold">
-                                          <p:stCondLst>
-                                            <p:cond delay="0"/>
-                                          </p:stCondLst>
-                                        </p:cTn>
-                                        <p:tgtEl>
-                                          <p:spTgt spid="13"/>
-                                        </p:tgtEl>
-                                        <p:attrNameLst>
-                                          <p:attrName>style.visibility</p:attrName>
-                                        </p:attrNameLst>
-                                      </p:cBhvr>
-                                      <p:to>
-                                        <p:strVal val="visible"/>
-                                      </p:to>
-                                    </p:set>
-                                    <p:animEffect transition="in" filter="fade">
-                                      <p:cBhvr>
-                                        <p:cTn id="34" dur="500"/>
-                                        <p:tgtEl>
-                                          <p:spTgt spid="13"/>
-                                        </p:tgtEl>
-                                      </p:cBhvr>
-                                    </p:animEffect>
-                                  </p:childTnLst>
-                                </p:cTn>
-                              </p:par>
-                            </p:childTnLst>
-                          </p:cTn>
-                        </p:par>
-                      </p:childTnLst>
-                    </p:cTn>
-                  </p:par>
-                  <p:par>
-                    <p:cTn id="35" fill="hold">
-                      <p:stCondLst>
-                        <p:cond delay="indefinite"/>
-                      </p:stCondLst>
-                      <p:childTnLst>
-                        <p:par>
-                          <p:cTn id="36" fill="hold">
-                            <p:stCondLst>
-                              <p:cond delay="0"/>
-                            </p:stCondLst>
-                            <p:childTnLst>
-                              <p:par>
-                                <p:cTn id="37" presetID="10" presetClass="entr" presetSubtype="0" fill="hold" nodeType="clickEffect">
-                                  <p:stCondLst>
-                                    <p:cond delay="0"/>
-                                  </p:stCondLst>
-                                  <p:childTnLst>
-                                    <p:set>
-                                      <p:cBhvr>
-                                        <p:cTn id="38" dur="1" fill="hold">
-                                          <p:stCondLst>
-                                            <p:cond delay="0"/>
-                                          </p:stCondLst>
-                                        </p:cTn>
-                                        <p:tgtEl>
-                                          <p:spTgt spid="10">
-                                            <p:txEl>
-                                              <p:pRg st="5" end="5"/>
-                                            </p:txEl>
-                                          </p:spTgt>
-                                        </p:tgtEl>
-                                        <p:attrNameLst>
-                                          <p:attrName>style.visibility</p:attrName>
-                                        </p:attrNameLst>
-                                      </p:cBhvr>
-                                      <p:to>
-                                        <p:strVal val="visible"/>
-                                      </p:to>
-                                    </p:set>
-                                    <p:animEffect transition="in" filter="fade">
-                                      <p:cBhvr>
-                                        <p:cTn id="39" dur="500"/>
-                                        <p:tgtEl>
-                                          <p:spTgt spid="10">
-                                            <p:txEl>
-                                              <p:pRg st="5" end="5"/>
-                                            </p:txEl>
-                                          </p:spTgt>
-                                        </p:tgtEl>
-                                      </p:cBhvr>
-                                    </p:animEffect>
-                                  </p:childTnLst>
-                                </p:cTn>
-                              </p:par>
-                              <p:par>
-                                <p:cTn id="40" presetID="10" presetClass="entr" presetSubtype="0" fill="hold" grpId="0" nodeType="withEffect">
-                                  <p:stCondLst>
-                                    <p:cond delay="0"/>
-                                  </p:stCondLst>
-                                  <p:childTnLst>
-                                    <p:set>
-                                      <p:cBhvr>
-                                        <p:cTn id="41" dur="1" fill="hold">
-                                          <p:stCondLst>
-                                            <p:cond delay="0"/>
-                                          </p:stCondLst>
-                                        </p:cTn>
-                                        <p:tgtEl>
-                                          <p:spTgt spid="11"/>
-                                        </p:tgtEl>
-                                        <p:attrNameLst>
-                                          <p:attrName>style.visibility</p:attrName>
-                                        </p:attrNameLst>
-                                      </p:cBhvr>
-                                      <p:to>
-                                        <p:strVal val="visible"/>
-                                      </p:to>
-                                    </p:set>
-                                    <p:animEffect transition="in" filter="fade">
-                                      <p:cBhvr>
-                                        <p:cTn id="42" dur="500"/>
-                                        <p:tgtEl>
-                                          <p:spTgt spid="11"/>
-                                        </p:tgtEl>
-                                      </p:cBhvr>
-                                    </p:animEffect>
-                                  </p:childTnLst>
-                                </p:cTn>
-                              </p:par>
-                            </p:childTnLst>
-                          </p:cTn>
-                        </p:par>
-                      </p:childTnLst>
-                    </p:cTn>
-                  </p:par>
-                  <p:par>
-                    <p:cTn id="43" fill="hold">
-                      <p:stCondLst>
-                        <p:cond delay="indefinite"/>
-                      </p:stCondLst>
-                      <p:childTnLst>
-                        <p:par>
-                          <p:cTn id="44" fill="hold">
-                            <p:stCondLst>
-                              <p:cond delay="0"/>
-                            </p:stCondLst>
-                            <p:childTnLst>
-                              <p:par>
-                                <p:cTn id="45" presetID="10" presetClass="entr" presetSubtype="0" fill="hold" nodeType="clickEffect">
-                                  <p:stCondLst>
-                                    <p:cond delay="0"/>
-                                  </p:stCondLst>
-                                  <p:childTnLst>
-                                    <p:set>
-                                      <p:cBhvr>
-                                        <p:cTn id="46" dur="1" fill="hold">
-                                          <p:stCondLst>
-                                            <p:cond delay="0"/>
-                                          </p:stCondLst>
-                                        </p:cTn>
-                                        <p:tgtEl>
-                                          <p:spTgt spid="10">
-                                            <p:txEl>
-                                              <p:pRg st="6" end="6"/>
-                                            </p:txEl>
-                                          </p:spTgt>
-                                        </p:tgtEl>
-                                        <p:attrNameLst>
-                                          <p:attrName>style.visibility</p:attrName>
-                                        </p:attrNameLst>
-                                      </p:cBhvr>
-                                      <p:to>
-                                        <p:strVal val="visible"/>
-                                      </p:to>
-                                    </p:set>
-                                    <p:animEffect transition="in" filter="fade">
-                                      <p:cBhvr>
-                                        <p:cTn id="47" dur="500"/>
-                                        <p:tgtEl>
-                                          <p:spTgt spid="10">
-                                            <p:txEl>
-                                              <p:pRg st="6" end="6"/>
-                                            </p:txEl>
-                                          </p:spTgt>
-                                        </p:tgtEl>
-                                      </p:cBhvr>
-                                    </p:animEffect>
-                                  </p:childTnLst>
-                                </p:cTn>
-                              </p:par>
-                              <p:par>
-                                <p:cTn id="48" presetID="10" presetClass="entr" presetSubtype="0" fill="hold" grpId="0" nodeType="withEffect">
-                                  <p:stCondLst>
-                                    <p:cond delay="0"/>
-                                  </p:stCondLst>
-                                  <p:childTnLst>
-                                    <p:set>
-                                      <p:cBhvr>
-                                        <p:cTn id="49" dur="1" fill="hold">
-                                          <p:stCondLst>
-                                            <p:cond delay="0"/>
-                                          </p:stCondLst>
-                                        </p:cTn>
-                                        <p:tgtEl>
-                                          <p:spTgt spid="9"/>
-                                        </p:tgtEl>
-                                        <p:attrNameLst>
-                                          <p:attrName>style.visibility</p:attrName>
-                                        </p:attrNameLst>
-                                      </p:cBhvr>
-                                      <p:to>
-                                        <p:strVal val="visible"/>
-                                      </p:to>
-                                    </p:set>
-                                    <p:animEffect transition="in" filter="fade">
-                                      <p:cBhvr>
-                                        <p:cTn id="50" dur="500"/>
-                                        <p:tgtEl>
-                                          <p:spTgt spid="9"/>
-                                        </p:tgtEl>
-                                      </p:cBhvr>
-                                    </p:animEffect>
-                                  </p:childTnLst>
-                                </p:cTn>
-                              </p:par>
-                            </p:childTnLst>
-                          </p:cTn>
-                        </p:par>
-                      </p:childTnLst>
-                    </p:cTn>
-                  </p:par>
-                </p:childTnLst>
-              </p:cTn>
-              <p:prevCondLst>
-                <p:cond evt="onPrev" delay="0">
-                  <p:tgtEl>
-                    <p:sldTgt/>
-                  </p:tgtEl>
-                </p:cond>
-              </p:prevCondLst>
-              <p:nextCondLst>
-                <p:cond evt="onNext" delay="0">
-                  <p:tgtEl>
-                    <p:sldTgt/>
-                  </p:tgtEl>
-                </p:cond>
-              </p:nextCondLst>
-            </p:seq>
-          </p:childTnLst>
-        </p:cTn>
-      </p:par>
-    </p:tnLst>
-    <p:bldLst>
-      <p:bldP spid="7" grpId="0" animBg="1"/>
-      <p:bldP spid="8" grpId="0" animBg="1"/>
-      <p:bldP spid="9" grpId="0" animBg="1"/>
-      <p:bldP spid="11" grpId="0" animBg="1"/>
-      <p:bldP spid="12" grpId="0" animBg="1"/>
-      <p:bldP spid="13" grpId="0" animBg="1"/>
-    </p:bldLst>
-  </p:timing>
-</p:sld>
-</file>
-
-<file path=ppt/slides/slide6.xml><?xml version="1.0" encoding="utf-8"?>
 <p:sld xmlns:a="http://schemas.openxmlformats.org/drawingml/2006/main" xmlns:r="http://schemas.openxmlformats.org/officeDocument/2006/relationships" xmlns:p="http://schemas.openxmlformats.org/presentationml/2006/main">
   <p:cSld>
     <p:bg>
@@ -22913,7 +23827,7 @@
                   <a:spcPts val="600"/>
                 </a:spcAft>
               </a:pPr>
-              <a:t>6</a:t>
+              <a:t>5</a:t>
             </a:fld>
             <a:endParaRPr lang="de-DE"/>
           </a:p>
@@ -23844,7 +24758,7 @@
 </p:sld>
 </file>
 
-<file path=ppt/slides/slide7.xml><?xml version="1.0" encoding="utf-8"?>
+<file path=ppt/slides/slide6.xml><?xml version="1.0" encoding="utf-8"?>
 <p:sld xmlns:a="http://schemas.openxmlformats.org/drawingml/2006/main" xmlns:r="http://schemas.openxmlformats.org/officeDocument/2006/relationships" xmlns:p="http://schemas.openxmlformats.org/presentationml/2006/main">
   <p:cSld>
     <p:bg>
@@ -23874,6 +24788,1279 @@
           <p:cNvPr id="2" name="Titel 1">
             <a:extLst>
               <a:ext uri="{FF2B5EF4-FFF2-40B4-BE49-F238E27FC236}">
+                <a16:creationId xmlns:a16="http://schemas.microsoft.com/office/drawing/2014/main" id="{0611B4C7-7A69-112A-16D3-01B09D107E11}"/>
+              </a:ext>
+            </a:extLst>
+          </p:cNvPr>
+          <p:cNvSpPr>
+            <a:spLocks noGrp="1"/>
+          </p:cNvSpPr>
+          <p:nvPr>
+            <p:ph type="title"/>
+          </p:nvPr>
+        </p:nvSpPr>
+        <p:spPr>
+          <a:xfrm>
+            <a:off x="677334" y="609600"/>
+            <a:ext cx="8596668" cy="1320800"/>
+          </a:xfrm>
+        </p:spPr>
+        <p:txBody>
+          <a:bodyPr anchor="t">
+            <a:normAutofit/>
+          </a:bodyPr>
+          <a:lstStyle/>
+          <a:p>
+            <a:r>
+              <a:rPr lang="de-DE" dirty="0"/>
+              <a:t>Datenmodell</a:t>
+            </a:r>
+          </a:p>
+        </p:txBody>
+      </p:sp>
+      <p:pic>
+        <p:nvPicPr>
+          <p:cNvPr id="6" name="Inhaltsplatzhalter 5" descr="Ein Bild, das Text, Screenshot, Diagramm, Schrift enthält.&#10;&#10;Automatisch generierte Beschreibung">
+            <a:extLst>
+              <a:ext uri="{FF2B5EF4-FFF2-40B4-BE49-F238E27FC236}">
+                <a16:creationId xmlns:a16="http://schemas.microsoft.com/office/drawing/2014/main" id="{57C98C23-7BF1-37BD-F9EE-5EEC9CD3C874}"/>
+              </a:ext>
+            </a:extLst>
+          </p:cNvPr>
+          <p:cNvPicPr>
+            <a:picLocks noGrp="1" noRot="1" noChangeAspect="1" noMove="1" noResize="1" noEditPoints="1" noAdjustHandles="1" noChangeArrowheads="1" noChangeShapeType="1" noCrop="1"/>
+          </p:cNvPicPr>
+          <p:nvPr/>
+        </p:nvPicPr>
+        <p:blipFill>
+          <a:blip r:embed="rId2">
+            <a:extLst>
+              <a:ext uri="{28A0092B-C50C-407E-A947-70E740481C1C}">
+                <a14:useLocalDpi xmlns:a14="http://schemas.microsoft.com/office/drawing/2010/main" val="0"/>
+              </a:ext>
+            </a:extLst>
+          </a:blip>
+          <a:stretch>
+            <a:fillRect/>
+          </a:stretch>
+        </p:blipFill>
+        <p:spPr>
+          <a:xfrm>
+            <a:off x="817474" y="2159331"/>
+            <a:ext cx="5917336" cy="3880772"/>
+          </a:xfrm>
+          <a:prstGeom prst="rect">
+            <a:avLst/>
+          </a:prstGeom>
+        </p:spPr>
+      </p:pic>
+      <p:sp>
+        <p:nvSpPr>
+          <p:cNvPr id="10" name="Content Placeholder 9">
+            <a:extLst>
+              <a:ext uri="{FF2B5EF4-FFF2-40B4-BE49-F238E27FC236}">
+                <a16:creationId xmlns:a16="http://schemas.microsoft.com/office/drawing/2014/main" id="{429B2E3A-512B-E299-617B-C4B3BC921351}"/>
+              </a:ext>
+            </a:extLst>
+          </p:cNvPr>
+          <p:cNvSpPr>
+            <a:spLocks noGrp="1"/>
+          </p:cNvSpPr>
+          <p:nvPr>
+            <p:ph idx="1"/>
+          </p:nvPr>
+        </p:nvSpPr>
+        <p:spPr>
+          <a:xfrm>
+            <a:off x="6701183" y="2160589"/>
+            <a:ext cx="2642041" cy="3880773"/>
+          </a:xfrm>
+        </p:spPr>
+        <p:txBody>
+          <a:bodyPr>
+            <a:normAutofit/>
+          </a:bodyPr>
+          <a:lstStyle/>
+          <a:p>
+            <a:r>
+              <a:rPr lang="en-US" sz="1500" dirty="0" err="1"/>
+              <a:t>Domaintabellen</a:t>
+            </a:r>
+            <a:endParaRPr lang="en-US" sz="1500" dirty="0"/>
+          </a:p>
+          <a:p>
+            <a:pPr lvl="1"/>
+            <a:r>
+              <a:rPr lang="en-US" sz="1300" dirty="0" err="1"/>
+              <a:t>D_Aenderungsart</a:t>
+            </a:r>
+            <a:endParaRPr lang="en-US" sz="1300" dirty="0"/>
+          </a:p>
+          <a:p>
+            <a:pPr lvl="1"/>
+            <a:r>
+              <a:rPr lang="en-US" sz="1300" dirty="0" err="1"/>
+              <a:t>D_Gruppe</a:t>
+            </a:r>
+            <a:endParaRPr lang="en-US" sz="1300" dirty="0"/>
+          </a:p>
+          <a:p>
+            <a:pPr lvl="1"/>
+            <a:r>
+              <a:rPr lang="en-US" sz="1300" dirty="0" err="1"/>
+              <a:t>D_Jahrgang</a:t>
+            </a:r>
+            <a:endParaRPr lang="en-US" sz="1300" dirty="0"/>
+          </a:p>
+          <a:p>
+            <a:pPr lvl="1"/>
+            <a:r>
+              <a:rPr lang="en-US" sz="1300" dirty="0" err="1"/>
+              <a:t>D_Semester</a:t>
+            </a:r>
+            <a:endParaRPr lang="en-US" sz="1300" dirty="0"/>
+          </a:p>
+          <a:p>
+            <a:pPr lvl="1"/>
+            <a:r>
+              <a:rPr lang="en-US" sz="1300" dirty="0" err="1"/>
+              <a:t>D_Typ</a:t>
+            </a:r>
+            <a:endParaRPr lang="en-US" sz="1300" dirty="0"/>
+          </a:p>
+          <a:p>
+            <a:pPr lvl="1"/>
+            <a:r>
+              <a:rPr lang="en-US" sz="1300" dirty="0" err="1"/>
+              <a:t>D_Fehlgrund</a:t>
+            </a:r>
+            <a:endParaRPr lang="en-US" sz="1300" dirty="0"/>
+          </a:p>
+        </p:txBody>
+      </p:sp>
+      <p:sp>
+        <p:nvSpPr>
+          <p:cNvPr id="4" name="Foliennummernplatzhalter 3">
+            <a:extLst>
+              <a:ext uri="{FF2B5EF4-FFF2-40B4-BE49-F238E27FC236}">
+                <a16:creationId xmlns:a16="http://schemas.microsoft.com/office/drawing/2014/main" id="{E37B7BC4-578F-F84D-B435-564074577188}"/>
+              </a:ext>
+            </a:extLst>
+          </p:cNvPr>
+          <p:cNvSpPr>
+            <a:spLocks noGrp="1"/>
+          </p:cNvSpPr>
+          <p:nvPr>
+            <p:ph type="sldNum" sz="quarter" idx="12"/>
+          </p:nvPr>
+        </p:nvSpPr>
+        <p:spPr>
+          <a:xfrm>
+            <a:off x="8590663" y="6041362"/>
+            <a:ext cx="683339" cy="365125"/>
+          </a:xfrm>
+        </p:spPr>
+        <p:txBody>
+          <a:bodyPr>
+            <a:normAutofit/>
+          </a:bodyPr>
+          <a:lstStyle/>
+          <a:p>
+            <a:pPr>
+              <a:spcAft>
+                <a:spcPts val="600"/>
+              </a:spcAft>
+            </a:pPr>
+            <a:fld id="{0D177590-C0B9-4388-A01F-98FB57FCBBE4}" type="slidenum">
+              <a:rPr lang="de-DE" smtClean="0"/>
+              <a:pPr>
+                <a:spcAft>
+                  <a:spcPts val="600"/>
+                </a:spcAft>
+              </a:pPr>
+              <a:t>6</a:t>
+            </a:fld>
+            <a:endParaRPr lang="de-DE"/>
+          </a:p>
+        </p:txBody>
+      </p:sp>
+      <p:sp>
+        <p:nvSpPr>
+          <p:cNvPr id="7" name="Rechteck 6">
+            <a:extLst>
+              <a:ext uri="{FF2B5EF4-FFF2-40B4-BE49-F238E27FC236}">
+                <a16:creationId xmlns:a16="http://schemas.microsoft.com/office/drawing/2014/main" id="{B6969D37-FED6-78FF-DE7F-C9EECBBE2613}"/>
+              </a:ext>
+            </a:extLst>
+          </p:cNvPr>
+          <p:cNvSpPr/>
+          <p:nvPr/>
+        </p:nvSpPr>
+        <p:spPr>
+          <a:xfrm>
+            <a:off x="5057775" y="3451224"/>
+            <a:ext cx="495300" cy="295275"/>
+          </a:xfrm>
+          <a:prstGeom prst="rect">
+            <a:avLst/>
+          </a:prstGeom>
+          <a:noFill/>
+          <a:ln>
+            <a:solidFill>
+              <a:srgbClr val="FF0000"/>
+            </a:solidFill>
+          </a:ln>
+        </p:spPr>
+        <p:style>
+          <a:lnRef idx="2">
+            <a:schemeClr val="accent1">
+              <a:shade val="15000"/>
+            </a:schemeClr>
+          </a:lnRef>
+          <a:fillRef idx="1">
+            <a:schemeClr val="accent1"/>
+          </a:fillRef>
+          <a:effectRef idx="0">
+            <a:schemeClr val="accent1"/>
+          </a:effectRef>
+          <a:fontRef idx="minor">
+            <a:schemeClr val="lt1"/>
+          </a:fontRef>
+        </p:style>
+        <p:txBody>
+          <a:bodyPr rtlCol="0" anchor="ctr"/>
+          <a:lstStyle/>
+          <a:p>
+            <a:pPr algn="ctr"/>
+            <a:endParaRPr lang="de-DE"/>
+          </a:p>
+        </p:txBody>
+      </p:sp>
+      <p:sp>
+        <p:nvSpPr>
+          <p:cNvPr id="8" name="Rechteck 7">
+            <a:extLst>
+              <a:ext uri="{FF2B5EF4-FFF2-40B4-BE49-F238E27FC236}">
+                <a16:creationId xmlns:a16="http://schemas.microsoft.com/office/drawing/2014/main" id="{CE29BDBA-85A3-93CF-E7C0-7E966FD0F9E4}"/>
+              </a:ext>
+            </a:extLst>
+          </p:cNvPr>
+          <p:cNvSpPr/>
+          <p:nvPr/>
+        </p:nvSpPr>
+        <p:spPr>
+          <a:xfrm>
+            <a:off x="4092769" y="4203699"/>
+            <a:ext cx="469706" cy="295275"/>
+          </a:xfrm>
+          <a:prstGeom prst="rect">
+            <a:avLst/>
+          </a:prstGeom>
+          <a:noFill/>
+          <a:ln>
+            <a:solidFill>
+              <a:srgbClr val="FF0000"/>
+            </a:solidFill>
+          </a:ln>
+        </p:spPr>
+        <p:style>
+          <a:lnRef idx="2">
+            <a:schemeClr val="accent1">
+              <a:shade val="15000"/>
+            </a:schemeClr>
+          </a:lnRef>
+          <a:fillRef idx="1">
+            <a:schemeClr val="accent1"/>
+          </a:fillRef>
+          <a:effectRef idx="0">
+            <a:schemeClr val="accent1"/>
+          </a:effectRef>
+          <a:fontRef idx="minor">
+            <a:schemeClr val="lt1"/>
+          </a:fontRef>
+        </p:style>
+        <p:txBody>
+          <a:bodyPr rtlCol="0" anchor="ctr"/>
+          <a:lstStyle/>
+          <a:p>
+            <a:pPr algn="ctr"/>
+            <a:endParaRPr lang="de-DE"/>
+          </a:p>
+        </p:txBody>
+      </p:sp>
+      <p:sp>
+        <p:nvSpPr>
+          <p:cNvPr id="9" name="Rechteck 8">
+            <a:extLst>
+              <a:ext uri="{FF2B5EF4-FFF2-40B4-BE49-F238E27FC236}">
+                <a16:creationId xmlns:a16="http://schemas.microsoft.com/office/drawing/2014/main" id="{4FB32735-3767-3E6A-ECB4-09B066C482C8}"/>
+              </a:ext>
+            </a:extLst>
+          </p:cNvPr>
+          <p:cNvSpPr/>
+          <p:nvPr/>
+        </p:nvSpPr>
+        <p:spPr>
+          <a:xfrm>
+            <a:off x="3930843" y="5330824"/>
+            <a:ext cx="523681" cy="295275"/>
+          </a:xfrm>
+          <a:prstGeom prst="rect">
+            <a:avLst/>
+          </a:prstGeom>
+          <a:noFill/>
+          <a:ln>
+            <a:solidFill>
+              <a:srgbClr val="FF0000"/>
+            </a:solidFill>
+          </a:ln>
+        </p:spPr>
+        <p:style>
+          <a:lnRef idx="2">
+            <a:schemeClr val="accent1">
+              <a:shade val="15000"/>
+            </a:schemeClr>
+          </a:lnRef>
+          <a:fillRef idx="1">
+            <a:schemeClr val="accent1"/>
+          </a:fillRef>
+          <a:effectRef idx="0">
+            <a:schemeClr val="accent1"/>
+          </a:effectRef>
+          <a:fontRef idx="minor">
+            <a:schemeClr val="lt1"/>
+          </a:fontRef>
+        </p:style>
+        <p:txBody>
+          <a:bodyPr rtlCol="0" anchor="ctr"/>
+          <a:lstStyle/>
+          <a:p>
+            <a:pPr algn="ctr"/>
+            <a:endParaRPr lang="de-DE"/>
+          </a:p>
+        </p:txBody>
+      </p:sp>
+      <p:sp>
+        <p:nvSpPr>
+          <p:cNvPr id="11" name="Rechteck 10">
+            <a:extLst>
+              <a:ext uri="{FF2B5EF4-FFF2-40B4-BE49-F238E27FC236}">
+                <a16:creationId xmlns:a16="http://schemas.microsoft.com/office/drawing/2014/main" id="{23690180-141B-4279-D300-B4744A701F0A}"/>
+              </a:ext>
+            </a:extLst>
+          </p:cNvPr>
+          <p:cNvSpPr/>
+          <p:nvPr/>
+        </p:nvSpPr>
+        <p:spPr>
+          <a:xfrm>
+            <a:off x="892368" y="3686174"/>
+            <a:ext cx="412557" cy="295275"/>
+          </a:xfrm>
+          <a:prstGeom prst="rect">
+            <a:avLst/>
+          </a:prstGeom>
+          <a:noFill/>
+          <a:ln>
+            <a:solidFill>
+              <a:srgbClr val="FF0000"/>
+            </a:solidFill>
+          </a:ln>
+        </p:spPr>
+        <p:style>
+          <a:lnRef idx="2">
+            <a:schemeClr val="accent1">
+              <a:shade val="15000"/>
+            </a:schemeClr>
+          </a:lnRef>
+          <a:fillRef idx="1">
+            <a:schemeClr val="accent1"/>
+          </a:fillRef>
+          <a:effectRef idx="0">
+            <a:schemeClr val="accent1"/>
+          </a:effectRef>
+          <a:fontRef idx="minor">
+            <a:schemeClr val="lt1"/>
+          </a:fontRef>
+        </p:style>
+        <p:txBody>
+          <a:bodyPr rtlCol="0" anchor="ctr"/>
+          <a:lstStyle/>
+          <a:p>
+            <a:pPr algn="ctr"/>
+            <a:endParaRPr lang="de-DE"/>
+          </a:p>
+        </p:txBody>
+      </p:sp>
+      <p:sp>
+        <p:nvSpPr>
+          <p:cNvPr id="12" name="Rechteck 11">
+            <a:extLst>
+              <a:ext uri="{FF2B5EF4-FFF2-40B4-BE49-F238E27FC236}">
+                <a16:creationId xmlns:a16="http://schemas.microsoft.com/office/drawing/2014/main" id="{BF555FF4-1F2B-EB50-110D-BBCABA004B53}"/>
+              </a:ext>
+            </a:extLst>
+          </p:cNvPr>
+          <p:cNvSpPr/>
+          <p:nvPr/>
+        </p:nvSpPr>
+        <p:spPr>
+          <a:xfrm>
+            <a:off x="6076950" y="2759074"/>
+            <a:ext cx="624233" cy="295275"/>
+          </a:xfrm>
+          <a:prstGeom prst="rect">
+            <a:avLst/>
+          </a:prstGeom>
+          <a:noFill/>
+          <a:ln>
+            <a:solidFill>
+              <a:srgbClr val="FF0000"/>
+            </a:solidFill>
+          </a:ln>
+        </p:spPr>
+        <p:style>
+          <a:lnRef idx="2">
+            <a:schemeClr val="accent1">
+              <a:shade val="15000"/>
+            </a:schemeClr>
+          </a:lnRef>
+          <a:fillRef idx="1">
+            <a:schemeClr val="accent1"/>
+          </a:fillRef>
+          <a:effectRef idx="0">
+            <a:schemeClr val="accent1"/>
+          </a:effectRef>
+          <a:fontRef idx="minor">
+            <a:schemeClr val="lt1"/>
+          </a:fontRef>
+        </p:style>
+        <p:txBody>
+          <a:bodyPr rtlCol="0" anchor="ctr"/>
+          <a:lstStyle/>
+          <a:p>
+            <a:pPr algn="ctr"/>
+            <a:endParaRPr lang="de-DE"/>
+          </a:p>
+        </p:txBody>
+      </p:sp>
+      <p:sp>
+        <p:nvSpPr>
+          <p:cNvPr id="13" name="Rechteck 12">
+            <a:extLst>
+              <a:ext uri="{FF2B5EF4-FFF2-40B4-BE49-F238E27FC236}">
+                <a16:creationId xmlns:a16="http://schemas.microsoft.com/office/drawing/2014/main" id="{06520981-5ECC-DDE1-C27C-C88B86718C04}"/>
+              </a:ext>
+            </a:extLst>
+          </p:cNvPr>
+          <p:cNvSpPr/>
+          <p:nvPr/>
+        </p:nvSpPr>
+        <p:spPr>
+          <a:xfrm>
+            <a:off x="2087066" y="4381499"/>
+            <a:ext cx="519609" cy="295275"/>
+          </a:xfrm>
+          <a:prstGeom prst="rect">
+            <a:avLst/>
+          </a:prstGeom>
+          <a:noFill/>
+          <a:ln>
+            <a:solidFill>
+              <a:srgbClr val="FF0000"/>
+            </a:solidFill>
+          </a:ln>
+        </p:spPr>
+        <p:style>
+          <a:lnRef idx="2">
+            <a:schemeClr val="accent1">
+              <a:shade val="15000"/>
+            </a:schemeClr>
+          </a:lnRef>
+          <a:fillRef idx="1">
+            <a:schemeClr val="accent1"/>
+          </a:fillRef>
+          <a:effectRef idx="0">
+            <a:schemeClr val="accent1"/>
+          </a:effectRef>
+          <a:fontRef idx="minor">
+            <a:schemeClr val="lt1"/>
+          </a:fontRef>
+        </p:style>
+        <p:txBody>
+          <a:bodyPr rtlCol="0" anchor="ctr"/>
+          <a:lstStyle/>
+          <a:p>
+            <a:pPr algn="ctr"/>
+            <a:endParaRPr lang="de-DE"/>
+          </a:p>
+        </p:txBody>
+      </p:sp>
+    </p:spTree>
+    <p:extLst>
+      <p:ext uri="{BB962C8B-B14F-4D97-AF65-F5344CB8AC3E}">
+        <p14:creationId xmlns:p14="http://schemas.microsoft.com/office/powerpoint/2010/main" val="2988190502"/>
+      </p:ext>
+    </p:extLst>
+  </p:cSld>
+  <p:clrMapOvr>
+    <a:masterClrMapping/>
+  </p:clrMapOvr>
+  <p:timing>
+    <p:tnLst>
+      <p:par>
+        <p:cTn id="1" dur="indefinite" restart="never" nodeType="tmRoot">
+          <p:childTnLst>
+            <p:seq concurrent="1" nextAc="seek">
+              <p:cTn id="2" dur="indefinite" nodeType="mainSeq">
+                <p:childTnLst>
+                  <p:par>
+                    <p:cTn id="3" fill="hold">
+                      <p:stCondLst>
+                        <p:cond delay="indefinite"/>
+                      </p:stCondLst>
+                      <p:childTnLst>
+                        <p:par>
+                          <p:cTn id="4" fill="hold">
+                            <p:stCondLst>
+                              <p:cond delay="0"/>
+                            </p:stCondLst>
+                            <p:childTnLst>
+                              <p:par>
+                                <p:cTn id="5" presetID="10" presetClass="entr" presetSubtype="0" fill="hold" nodeType="clickEffect">
+                                  <p:stCondLst>
+                                    <p:cond delay="0"/>
+                                  </p:stCondLst>
+                                  <p:childTnLst>
+                                    <p:set>
+                                      <p:cBhvr>
+                                        <p:cTn id="6" dur="1" fill="hold">
+                                          <p:stCondLst>
+                                            <p:cond delay="0"/>
+                                          </p:stCondLst>
+                                        </p:cTn>
+                                        <p:tgtEl>
+                                          <p:spTgt spid="10">
+                                            <p:txEl>
+                                              <p:pRg st="1" end="1"/>
+                                            </p:txEl>
+                                          </p:spTgt>
+                                        </p:tgtEl>
+                                        <p:attrNameLst>
+                                          <p:attrName>style.visibility</p:attrName>
+                                        </p:attrNameLst>
+                                      </p:cBhvr>
+                                      <p:to>
+                                        <p:strVal val="visible"/>
+                                      </p:to>
+                                    </p:set>
+                                    <p:animEffect transition="in" filter="fade">
+                                      <p:cBhvr>
+                                        <p:cTn id="7" dur="500"/>
+                                        <p:tgtEl>
+                                          <p:spTgt spid="10">
+                                            <p:txEl>
+                                              <p:pRg st="1" end="1"/>
+                                            </p:txEl>
+                                          </p:spTgt>
+                                        </p:tgtEl>
+                                      </p:cBhvr>
+                                    </p:animEffect>
+                                  </p:childTnLst>
+                                </p:cTn>
+                              </p:par>
+                              <p:par>
+                                <p:cTn id="8" presetID="10" presetClass="entr" presetSubtype="0" fill="hold" grpId="0" nodeType="withEffect">
+                                  <p:stCondLst>
+                                    <p:cond delay="0"/>
+                                  </p:stCondLst>
+                                  <p:childTnLst>
+                                    <p:set>
+                                      <p:cBhvr>
+                                        <p:cTn id="9" dur="1" fill="hold">
+                                          <p:stCondLst>
+                                            <p:cond delay="0"/>
+                                          </p:stCondLst>
+                                        </p:cTn>
+                                        <p:tgtEl>
+                                          <p:spTgt spid="12"/>
+                                        </p:tgtEl>
+                                        <p:attrNameLst>
+                                          <p:attrName>style.visibility</p:attrName>
+                                        </p:attrNameLst>
+                                      </p:cBhvr>
+                                      <p:to>
+                                        <p:strVal val="visible"/>
+                                      </p:to>
+                                    </p:set>
+                                    <p:animEffect transition="in" filter="fade">
+                                      <p:cBhvr>
+                                        <p:cTn id="10" dur="500"/>
+                                        <p:tgtEl>
+                                          <p:spTgt spid="12"/>
+                                        </p:tgtEl>
+                                      </p:cBhvr>
+                                    </p:animEffect>
+                                  </p:childTnLst>
+                                </p:cTn>
+                              </p:par>
+                            </p:childTnLst>
+                          </p:cTn>
+                        </p:par>
+                      </p:childTnLst>
+                    </p:cTn>
+                  </p:par>
+                  <p:par>
+                    <p:cTn id="11" fill="hold">
+                      <p:stCondLst>
+                        <p:cond delay="indefinite"/>
+                      </p:stCondLst>
+                      <p:childTnLst>
+                        <p:par>
+                          <p:cTn id="12" fill="hold">
+                            <p:stCondLst>
+                              <p:cond delay="0"/>
+                            </p:stCondLst>
+                            <p:childTnLst>
+                              <p:par>
+                                <p:cTn id="13" presetID="10" presetClass="entr" presetSubtype="0" fill="hold" nodeType="clickEffect">
+                                  <p:stCondLst>
+                                    <p:cond delay="0"/>
+                                  </p:stCondLst>
+                                  <p:childTnLst>
+                                    <p:set>
+                                      <p:cBhvr>
+                                        <p:cTn id="14" dur="1" fill="hold">
+                                          <p:stCondLst>
+                                            <p:cond delay="0"/>
+                                          </p:stCondLst>
+                                        </p:cTn>
+                                        <p:tgtEl>
+                                          <p:spTgt spid="10">
+                                            <p:txEl>
+                                              <p:pRg st="2" end="2"/>
+                                            </p:txEl>
+                                          </p:spTgt>
+                                        </p:tgtEl>
+                                        <p:attrNameLst>
+                                          <p:attrName>style.visibility</p:attrName>
+                                        </p:attrNameLst>
+                                      </p:cBhvr>
+                                      <p:to>
+                                        <p:strVal val="visible"/>
+                                      </p:to>
+                                    </p:set>
+                                    <p:animEffect transition="in" filter="fade">
+                                      <p:cBhvr>
+                                        <p:cTn id="15" dur="500"/>
+                                        <p:tgtEl>
+                                          <p:spTgt spid="10">
+                                            <p:txEl>
+                                              <p:pRg st="2" end="2"/>
+                                            </p:txEl>
+                                          </p:spTgt>
+                                        </p:tgtEl>
+                                      </p:cBhvr>
+                                    </p:animEffect>
+                                  </p:childTnLst>
+                                </p:cTn>
+                              </p:par>
+                              <p:par>
+                                <p:cTn id="16" presetID="10" presetClass="entr" presetSubtype="0" fill="hold" grpId="0" nodeType="withEffect">
+                                  <p:stCondLst>
+                                    <p:cond delay="0"/>
+                                  </p:stCondLst>
+                                  <p:childTnLst>
+                                    <p:set>
+                                      <p:cBhvr>
+                                        <p:cTn id="17" dur="1" fill="hold">
+                                          <p:stCondLst>
+                                            <p:cond delay="0"/>
+                                          </p:stCondLst>
+                                        </p:cTn>
+                                        <p:tgtEl>
+                                          <p:spTgt spid="7"/>
+                                        </p:tgtEl>
+                                        <p:attrNameLst>
+                                          <p:attrName>style.visibility</p:attrName>
+                                        </p:attrNameLst>
+                                      </p:cBhvr>
+                                      <p:to>
+                                        <p:strVal val="visible"/>
+                                      </p:to>
+                                    </p:set>
+                                    <p:animEffect transition="in" filter="fade">
+                                      <p:cBhvr>
+                                        <p:cTn id="18" dur="500"/>
+                                        <p:tgtEl>
+                                          <p:spTgt spid="7"/>
+                                        </p:tgtEl>
+                                      </p:cBhvr>
+                                    </p:animEffect>
+                                  </p:childTnLst>
+                                </p:cTn>
+                              </p:par>
+                            </p:childTnLst>
+                          </p:cTn>
+                        </p:par>
+                      </p:childTnLst>
+                    </p:cTn>
+                  </p:par>
+                  <p:par>
+                    <p:cTn id="19" fill="hold">
+                      <p:stCondLst>
+                        <p:cond delay="indefinite"/>
+                      </p:stCondLst>
+                      <p:childTnLst>
+                        <p:par>
+                          <p:cTn id="20" fill="hold">
+                            <p:stCondLst>
+                              <p:cond delay="0"/>
+                            </p:stCondLst>
+                            <p:childTnLst>
+                              <p:par>
+                                <p:cTn id="21" presetID="10" presetClass="entr" presetSubtype="0" fill="hold" nodeType="clickEffect">
+                                  <p:stCondLst>
+                                    <p:cond delay="0"/>
+                                  </p:stCondLst>
+                                  <p:childTnLst>
+                                    <p:set>
+                                      <p:cBhvr>
+                                        <p:cTn id="22" dur="1" fill="hold">
+                                          <p:stCondLst>
+                                            <p:cond delay="0"/>
+                                          </p:stCondLst>
+                                        </p:cTn>
+                                        <p:tgtEl>
+                                          <p:spTgt spid="10">
+                                            <p:txEl>
+                                              <p:pRg st="3" end="3"/>
+                                            </p:txEl>
+                                          </p:spTgt>
+                                        </p:tgtEl>
+                                        <p:attrNameLst>
+                                          <p:attrName>style.visibility</p:attrName>
+                                        </p:attrNameLst>
+                                      </p:cBhvr>
+                                      <p:to>
+                                        <p:strVal val="visible"/>
+                                      </p:to>
+                                    </p:set>
+                                    <p:animEffect transition="in" filter="fade">
+                                      <p:cBhvr>
+                                        <p:cTn id="23" dur="500"/>
+                                        <p:tgtEl>
+                                          <p:spTgt spid="10">
+                                            <p:txEl>
+                                              <p:pRg st="3" end="3"/>
+                                            </p:txEl>
+                                          </p:spTgt>
+                                        </p:tgtEl>
+                                      </p:cBhvr>
+                                    </p:animEffect>
+                                  </p:childTnLst>
+                                </p:cTn>
+                              </p:par>
+                              <p:par>
+                                <p:cTn id="24" presetID="10" presetClass="entr" presetSubtype="0" fill="hold" grpId="0" nodeType="withEffect">
+                                  <p:stCondLst>
+                                    <p:cond delay="0"/>
+                                  </p:stCondLst>
+                                  <p:childTnLst>
+                                    <p:set>
+                                      <p:cBhvr>
+                                        <p:cTn id="25" dur="1" fill="hold">
+                                          <p:stCondLst>
+                                            <p:cond delay="0"/>
+                                          </p:stCondLst>
+                                        </p:cTn>
+                                        <p:tgtEl>
+                                          <p:spTgt spid="8"/>
+                                        </p:tgtEl>
+                                        <p:attrNameLst>
+                                          <p:attrName>style.visibility</p:attrName>
+                                        </p:attrNameLst>
+                                      </p:cBhvr>
+                                      <p:to>
+                                        <p:strVal val="visible"/>
+                                      </p:to>
+                                    </p:set>
+                                    <p:animEffect transition="in" filter="fade">
+                                      <p:cBhvr>
+                                        <p:cTn id="26" dur="500"/>
+                                        <p:tgtEl>
+                                          <p:spTgt spid="8"/>
+                                        </p:tgtEl>
+                                      </p:cBhvr>
+                                    </p:animEffect>
+                                  </p:childTnLst>
+                                </p:cTn>
+                              </p:par>
+                            </p:childTnLst>
+                          </p:cTn>
+                        </p:par>
+                      </p:childTnLst>
+                    </p:cTn>
+                  </p:par>
+                  <p:par>
+                    <p:cTn id="27" fill="hold">
+                      <p:stCondLst>
+                        <p:cond delay="indefinite"/>
+                      </p:stCondLst>
+                      <p:childTnLst>
+                        <p:par>
+                          <p:cTn id="28" fill="hold">
+                            <p:stCondLst>
+                              <p:cond delay="0"/>
+                            </p:stCondLst>
+                            <p:childTnLst>
+                              <p:par>
+                                <p:cTn id="29" presetID="10" presetClass="entr" presetSubtype="0" fill="hold" nodeType="clickEffect">
+                                  <p:stCondLst>
+                                    <p:cond delay="0"/>
+                                  </p:stCondLst>
+                                  <p:childTnLst>
+                                    <p:set>
+                                      <p:cBhvr>
+                                        <p:cTn id="30" dur="1" fill="hold">
+                                          <p:stCondLst>
+                                            <p:cond delay="0"/>
+                                          </p:stCondLst>
+                                        </p:cTn>
+                                        <p:tgtEl>
+                                          <p:spTgt spid="10">
+                                            <p:txEl>
+                                              <p:pRg st="4" end="4"/>
+                                            </p:txEl>
+                                          </p:spTgt>
+                                        </p:tgtEl>
+                                        <p:attrNameLst>
+                                          <p:attrName>style.visibility</p:attrName>
+                                        </p:attrNameLst>
+                                      </p:cBhvr>
+                                      <p:to>
+                                        <p:strVal val="visible"/>
+                                      </p:to>
+                                    </p:set>
+                                    <p:animEffect transition="in" filter="fade">
+                                      <p:cBhvr>
+                                        <p:cTn id="31" dur="500"/>
+                                        <p:tgtEl>
+                                          <p:spTgt spid="10">
+                                            <p:txEl>
+                                              <p:pRg st="4" end="4"/>
+                                            </p:txEl>
+                                          </p:spTgt>
+                                        </p:tgtEl>
+                                      </p:cBhvr>
+                                    </p:animEffect>
+                                  </p:childTnLst>
+                                </p:cTn>
+                              </p:par>
+                              <p:par>
+                                <p:cTn id="32" presetID="10" presetClass="entr" presetSubtype="0" fill="hold" grpId="0" nodeType="withEffect">
+                                  <p:stCondLst>
+                                    <p:cond delay="0"/>
+                                  </p:stCondLst>
+                                  <p:childTnLst>
+                                    <p:set>
+                                      <p:cBhvr>
+                                        <p:cTn id="33" dur="1" fill="hold">
+                                          <p:stCondLst>
+                                            <p:cond delay="0"/>
+                                          </p:stCondLst>
+                                        </p:cTn>
+                                        <p:tgtEl>
+                                          <p:spTgt spid="13"/>
+                                        </p:tgtEl>
+                                        <p:attrNameLst>
+                                          <p:attrName>style.visibility</p:attrName>
+                                        </p:attrNameLst>
+                                      </p:cBhvr>
+                                      <p:to>
+                                        <p:strVal val="visible"/>
+                                      </p:to>
+                                    </p:set>
+                                    <p:animEffect transition="in" filter="fade">
+                                      <p:cBhvr>
+                                        <p:cTn id="34" dur="500"/>
+                                        <p:tgtEl>
+                                          <p:spTgt spid="13"/>
+                                        </p:tgtEl>
+                                      </p:cBhvr>
+                                    </p:animEffect>
+                                  </p:childTnLst>
+                                </p:cTn>
+                              </p:par>
+                            </p:childTnLst>
+                          </p:cTn>
+                        </p:par>
+                      </p:childTnLst>
+                    </p:cTn>
+                  </p:par>
+                  <p:par>
+                    <p:cTn id="35" fill="hold">
+                      <p:stCondLst>
+                        <p:cond delay="indefinite"/>
+                      </p:stCondLst>
+                      <p:childTnLst>
+                        <p:par>
+                          <p:cTn id="36" fill="hold">
+                            <p:stCondLst>
+                              <p:cond delay="0"/>
+                            </p:stCondLst>
+                            <p:childTnLst>
+                              <p:par>
+                                <p:cTn id="37" presetID="10" presetClass="entr" presetSubtype="0" fill="hold" nodeType="clickEffect">
+                                  <p:stCondLst>
+                                    <p:cond delay="0"/>
+                                  </p:stCondLst>
+                                  <p:childTnLst>
+                                    <p:set>
+                                      <p:cBhvr>
+                                        <p:cTn id="38" dur="1" fill="hold">
+                                          <p:stCondLst>
+                                            <p:cond delay="0"/>
+                                          </p:stCondLst>
+                                        </p:cTn>
+                                        <p:tgtEl>
+                                          <p:spTgt spid="10">
+                                            <p:txEl>
+                                              <p:pRg st="5" end="5"/>
+                                            </p:txEl>
+                                          </p:spTgt>
+                                        </p:tgtEl>
+                                        <p:attrNameLst>
+                                          <p:attrName>style.visibility</p:attrName>
+                                        </p:attrNameLst>
+                                      </p:cBhvr>
+                                      <p:to>
+                                        <p:strVal val="visible"/>
+                                      </p:to>
+                                    </p:set>
+                                    <p:animEffect transition="in" filter="fade">
+                                      <p:cBhvr>
+                                        <p:cTn id="39" dur="500"/>
+                                        <p:tgtEl>
+                                          <p:spTgt spid="10">
+                                            <p:txEl>
+                                              <p:pRg st="5" end="5"/>
+                                            </p:txEl>
+                                          </p:spTgt>
+                                        </p:tgtEl>
+                                      </p:cBhvr>
+                                    </p:animEffect>
+                                  </p:childTnLst>
+                                </p:cTn>
+                              </p:par>
+                              <p:par>
+                                <p:cTn id="40" presetID="10" presetClass="entr" presetSubtype="0" fill="hold" grpId="0" nodeType="withEffect">
+                                  <p:stCondLst>
+                                    <p:cond delay="0"/>
+                                  </p:stCondLst>
+                                  <p:childTnLst>
+                                    <p:set>
+                                      <p:cBhvr>
+                                        <p:cTn id="41" dur="1" fill="hold">
+                                          <p:stCondLst>
+                                            <p:cond delay="0"/>
+                                          </p:stCondLst>
+                                        </p:cTn>
+                                        <p:tgtEl>
+                                          <p:spTgt spid="11"/>
+                                        </p:tgtEl>
+                                        <p:attrNameLst>
+                                          <p:attrName>style.visibility</p:attrName>
+                                        </p:attrNameLst>
+                                      </p:cBhvr>
+                                      <p:to>
+                                        <p:strVal val="visible"/>
+                                      </p:to>
+                                    </p:set>
+                                    <p:animEffect transition="in" filter="fade">
+                                      <p:cBhvr>
+                                        <p:cTn id="42" dur="500"/>
+                                        <p:tgtEl>
+                                          <p:spTgt spid="11"/>
+                                        </p:tgtEl>
+                                      </p:cBhvr>
+                                    </p:animEffect>
+                                  </p:childTnLst>
+                                </p:cTn>
+                              </p:par>
+                            </p:childTnLst>
+                          </p:cTn>
+                        </p:par>
+                      </p:childTnLst>
+                    </p:cTn>
+                  </p:par>
+                  <p:par>
+                    <p:cTn id="43" fill="hold">
+                      <p:stCondLst>
+                        <p:cond delay="indefinite"/>
+                      </p:stCondLst>
+                      <p:childTnLst>
+                        <p:par>
+                          <p:cTn id="44" fill="hold">
+                            <p:stCondLst>
+                              <p:cond delay="0"/>
+                            </p:stCondLst>
+                            <p:childTnLst>
+                              <p:par>
+                                <p:cTn id="45" presetID="10" presetClass="entr" presetSubtype="0" fill="hold" nodeType="clickEffect">
+                                  <p:stCondLst>
+                                    <p:cond delay="0"/>
+                                  </p:stCondLst>
+                                  <p:childTnLst>
+                                    <p:set>
+                                      <p:cBhvr>
+                                        <p:cTn id="46" dur="1" fill="hold">
+                                          <p:stCondLst>
+                                            <p:cond delay="0"/>
+                                          </p:stCondLst>
+                                        </p:cTn>
+                                        <p:tgtEl>
+                                          <p:spTgt spid="10">
+                                            <p:txEl>
+                                              <p:pRg st="6" end="6"/>
+                                            </p:txEl>
+                                          </p:spTgt>
+                                        </p:tgtEl>
+                                        <p:attrNameLst>
+                                          <p:attrName>style.visibility</p:attrName>
+                                        </p:attrNameLst>
+                                      </p:cBhvr>
+                                      <p:to>
+                                        <p:strVal val="visible"/>
+                                      </p:to>
+                                    </p:set>
+                                    <p:animEffect transition="in" filter="fade">
+                                      <p:cBhvr>
+                                        <p:cTn id="47" dur="500"/>
+                                        <p:tgtEl>
+                                          <p:spTgt spid="10">
+                                            <p:txEl>
+                                              <p:pRg st="6" end="6"/>
+                                            </p:txEl>
+                                          </p:spTgt>
+                                        </p:tgtEl>
+                                      </p:cBhvr>
+                                    </p:animEffect>
+                                  </p:childTnLst>
+                                </p:cTn>
+                              </p:par>
+                              <p:par>
+                                <p:cTn id="48" presetID="10" presetClass="entr" presetSubtype="0" fill="hold" grpId="0" nodeType="withEffect">
+                                  <p:stCondLst>
+                                    <p:cond delay="0"/>
+                                  </p:stCondLst>
+                                  <p:childTnLst>
+                                    <p:set>
+                                      <p:cBhvr>
+                                        <p:cTn id="49" dur="1" fill="hold">
+                                          <p:stCondLst>
+                                            <p:cond delay="0"/>
+                                          </p:stCondLst>
+                                        </p:cTn>
+                                        <p:tgtEl>
+                                          <p:spTgt spid="9"/>
+                                        </p:tgtEl>
+                                        <p:attrNameLst>
+                                          <p:attrName>style.visibility</p:attrName>
+                                        </p:attrNameLst>
+                                      </p:cBhvr>
+                                      <p:to>
+                                        <p:strVal val="visible"/>
+                                      </p:to>
+                                    </p:set>
+                                    <p:animEffect transition="in" filter="fade">
+                                      <p:cBhvr>
+                                        <p:cTn id="50" dur="500"/>
+                                        <p:tgtEl>
+                                          <p:spTgt spid="9"/>
+                                        </p:tgtEl>
+                                      </p:cBhvr>
+                                    </p:animEffect>
+                                  </p:childTnLst>
+                                </p:cTn>
+                              </p:par>
+                            </p:childTnLst>
+                          </p:cTn>
+                        </p:par>
+                      </p:childTnLst>
+                    </p:cTn>
+                  </p:par>
+                </p:childTnLst>
+              </p:cTn>
+              <p:prevCondLst>
+                <p:cond evt="onPrev" delay="0">
+                  <p:tgtEl>
+                    <p:sldTgt/>
+                  </p:tgtEl>
+                </p:cond>
+              </p:prevCondLst>
+              <p:nextCondLst>
+                <p:cond evt="onNext" delay="0">
+                  <p:tgtEl>
+                    <p:sldTgt/>
+                  </p:tgtEl>
+                </p:cond>
+              </p:nextCondLst>
+            </p:seq>
+          </p:childTnLst>
+        </p:cTn>
+      </p:par>
+    </p:tnLst>
+    <p:bldLst>
+      <p:bldP spid="7" grpId="0" animBg="1"/>
+      <p:bldP spid="8" grpId="0" animBg="1"/>
+      <p:bldP spid="9" grpId="0" animBg="1"/>
+      <p:bldP spid="11" grpId="0" animBg="1"/>
+      <p:bldP spid="12" grpId="0" animBg="1"/>
+      <p:bldP spid="13" grpId="0" animBg="1"/>
+    </p:bldLst>
+  </p:timing>
+</p:sld>
+</file>
+
+<file path=ppt/slides/slide7.xml><?xml version="1.0" encoding="utf-8"?>
+<p:sld xmlns:a="http://schemas.openxmlformats.org/drawingml/2006/main" xmlns:r="http://schemas.openxmlformats.org/officeDocument/2006/relationships" xmlns:p="http://schemas.openxmlformats.org/presentationml/2006/main">
+  <p:cSld>
+    <p:bg>
+      <p:bgPr>
+        <a:solidFill>
+          <a:schemeClr val="bg1"/>
+        </a:solidFill>
+        <a:effectLst/>
+      </p:bgPr>
+    </p:bg>
+    <p:spTree>
+      <p:nvGrpSpPr>
+        <p:cNvPr id="1" name=""/>
+        <p:cNvGrpSpPr/>
+        <p:nvPr/>
+      </p:nvGrpSpPr>
+      <p:grpSpPr>
+        <a:xfrm>
+          <a:off x="0" y="0"/>
+          <a:ext cx="0" cy="0"/>
+          <a:chOff x="0" y="0"/>
+          <a:chExt cx="0" cy="0"/>
+        </a:xfrm>
+      </p:grpSpPr>
+      <p:pic>
+        <p:nvPicPr>
+          <p:cNvPr id="8" name="Grafik 7" descr="Ein Bild, das Text, Screenshot, Reihe, Diagramm enthält.&#10;&#10;Automatisch generierte Beschreibung">
+            <a:extLst>
+              <a:ext uri="{FF2B5EF4-FFF2-40B4-BE49-F238E27FC236}">
+                <a16:creationId xmlns:a16="http://schemas.microsoft.com/office/drawing/2014/main" id="{8397D367-61D1-1CB1-DF56-9A1AD86B395F}"/>
+              </a:ext>
+            </a:extLst>
+          </p:cNvPr>
+          <p:cNvPicPr>
+            <a:picLocks noChangeAspect="1"/>
+          </p:cNvPicPr>
+          <p:nvPr/>
+        </p:nvPicPr>
+        <p:blipFill>
+          <a:blip r:embed="rId2">
+            <a:extLst>
+              <a:ext uri="{28A0092B-C50C-407E-A947-70E740481C1C}">
+                <a14:useLocalDpi xmlns:a14="http://schemas.microsoft.com/office/drawing/2010/main" val="0"/>
+              </a:ext>
+            </a:extLst>
+          </a:blip>
+          <a:stretch>
+            <a:fillRect/>
+          </a:stretch>
+        </p:blipFill>
+        <p:spPr>
+          <a:xfrm>
+            <a:off x="677334" y="3113260"/>
+            <a:ext cx="5418666" cy="1749649"/>
+          </a:xfrm>
+          <a:prstGeom prst="rect">
+            <a:avLst/>
+          </a:prstGeom>
+        </p:spPr>
+      </p:pic>
+      <p:pic>
+        <p:nvPicPr>
+          <p:cNvPr id="11" name="Grafik 10" descr="Ein Bild, das Text, Screenshot, Reihe, Schrift enthält.&#10;&#10;Automatisch generierte Beschreibung">
+            <a:extLst>
+              <a:ext uri="{FF2B5EF4-FFF2-40B4-BE49-F238E27FC236}">
+                <a16:creationId xmlns:a16="http://schemas.microsoft.com/office/drawing/2014/main" id="{A14EC5ED-C1A4-FD99-2D3C-500CD8E3FAA8}"/>
+              </a:ext>
+            </a:extLst>
+          </p:cNvPr>
+          <p:cNvPicPr>
+            <a:picLocks noChangeAspect="1"/>
+          </p:cNvPicPr>
+          <p:nvPr/>
+        </p:nvPicPr>
+        <p:blipFill>
+          <a:blip r:embed="rId3">
+            <a:extLst>
+              <a:ext uri="{28A0092B-C50C-407E-A947-70E740481C1C}">
+                <a14:useLocalDpi xmlns:a14="http://schemas.microsoft.com/office/drawing/2010/main" val="0"/>
+              </a:ext>
+            </a:extLst>
+          </a:blip>
+          <a:stretch>
+            <a:fillRect/>
+          </a:stretch>
+        </p:blipFill>
+        <p:spPr>
+          <a:xfrm>
+            <a:off x="672571" y="3113260"/>
+            <a:ext cx="5418666" cy="2017168"/>
+          </a:xfrm>
+          <a:prstGeom prst="rect">
+            <a:avLst/>
+          </a:prstGeom>
+        </p:spPr>
+      </p:pic>
+      <p:pic>
+        <p:nvPicPr>
+          <p:cNvPr id="14" name="Grafik 13" descr="Ein Bild, das Text, Screenshot, Zahl, Schrift enthält.&#10;&#10;Automatisch generierte Beschreibung">
+            <a:extLst>
+              <a:ext uri="{FF2B5EF4-FFF2-40B4-BE49-F238E27FC236}">
+                <a16:creationId xmlns:a16="http://schemas.microsoft.com/office/drawing/2014/main" id="{AD0C4B40-3A25-9945-1063-CD6C22337435}"/>
+              </a:ext>
+            </a:extLst>
+          </p:cNvPr>
+          <p:cNvPicPr>
+            <a:picLocks noChangeAspect="1"/>
+          </p:cNvPicPr>
+          <p:nvPr/>
+        </p:nvPicPr>
+        <p:blipFill>
+          <a:blip r:embed="rId4">
+            <a:extLst>
+              <a:ext uri="{28A0092B-C50C-407E-A947-70E740481C1C}">
+                <a14:useLocalDpi xmlns:a14="http://schemas.microsoft.com/office/drawing/2010/main" val="0"/>
+              </a:ext>
+            </a:extLst>
+          </a:blip>
+          <a:stretch>
+            <a:fillRect/>
+          </a:stretch>
+        </p:blipFill>
+        <p:spPr>
+          <a:xfrm>
+            <a:off x="677333" y="2843978"/>
+            <a:ext cx="5423429" cy="2555731"/>
+          </a:xfrm>
+          <a:prstGeom prst="rect">
+            <a:avLst/>
+          </a:prstGeom>
+        </p:spPr>
+      </p:pic>
+      <p:sp>
+        <p:nvSpPr>
+          <p:cNvPr id="2" name="Titel 1">
+            <a:extLst>
+              <a:ext uri="{FF2B5EF4-FFF2-40B4-BE49-F238E27FC236}">
                 <a16:creationId xmlns:a16="http://schemas.microsoft.com/office/drawing/2014/main" id="{5A2BEDEA-561F-17AA-200D-A7532B21922A}"/>
               </a:ext>
             </a:extLst>
@@ -23986,7 +26173,7 @@
           <p:nvPr/>
         </p:nvPicPr>
         <p:blipFill rotWithShape="1">
-          <a:blip r:embed="rId2">
+          <a:blip r:embed="rId5">
             <a:extLst>
               <a:ext uri="{28A0092B-C50C-407E-A947-70E740481C1C}">
                 <a14:useLocalDpi xmlns:a14="http://schemas.microsoft.com/office/drawing/2010/main" val="0"/>
@@ -24052,114 +26239,6 @@
           </a:p>
         </p:txBody>
       </p:sp>
-      <p:pic>
-        <p:nvPicPr>
-          <p:cNvPr id="8" name="Grafik 7" descr="Ein Bild, das Text, Screenshot, Reihe, Diagramm enthält.&#10;&#10;Automatisch generierte Beschreibung">
-            <a:extLst>
-              <a:ext uri="{FF2B5EF4-FFF2-40B4-BE49-F238E27FC236}">
-                <a16:creationId xmlns:a16="http://schemas.microsoft.com/office/drawing/2014/main" id="{8397D367-61D1-1CB1-DF56-9A1AD86B395F}"/>
-              </a:ext>
-            </a:extLst>
-          </p:cNvPr>
-          <p:cNvPicPr>
-            <a:picLocks noChangeAspect="1"/>
-          </p:cNvPicPr>
-          <p:nvPr/>
-        </p:nvPicPr>
-        <p:blipFill>
-          <a:blip r:embed="rId3">
-            <a:extLst>
-              <a:ext uri="{28A0092B-C50C-407E-A947-70E740481C1C}">
-                <a14:useLocalDpi xmlns:a14="http://schemas.microsoft.com/office/drawing/2010/main" val="0"/>
-              </a:ext>
-            </a:extLst>
-          </a:blip>
-          <a:stretch>
-            <a:fillRect/>
-          </a:stretch>
-        </p:blipFill>
-        <p:spPr>
-          <a:xfrm>
-            <a:off x="677334" y="3113260"/>
-            <a:ext cx="5418666" cy="1749649"/>
-          </a:xfrm>
-          <a:prstGeom prst="rect">
-            <a:avLst/>
-          </a:prstGeom>
-        </p:spPr>
-      </p:pic>
-      <p:pic>
-        <p:nvPicPr>
-          <p:cNvPr id="11" name="Grafik 10" descr="Ein Bild, das Text, Screenshot, Reihe, Schrift enthält.&#10;&#10;Automatisch generierte Beschreibung">
-            <a:extLst>
-              <a:ext uri="{FF2B5EF4-FFF2-40B4-BE49-F238E27FC236}">
-                <a16:creationId xmlns:a16="http://schemas.microsoft.com/office/drawing/2014/main" id="{A14EC5ED-C1A4-FD99-2D3C-500CD8E3FAA8}"/>
-              </a:ext>
-            </a:extLst>
-          </p:cNvPr>
-          <p:cNvPicPr>
-            <a:picLocks noChangeAspect="1"/>
-          </p:cNvPicPr>
-          <p:nvPr/>
-        </p:nvPicPr>
-        <p:blipFill>
-          <a:blip r:embed="rId4">
-            <a:extLst>
-              <a:ext uri="{28A0092B-C50C-407E-A947-70E740481C1C}">
-                <a14:useLocalDpi xmlns:a14="http://schemas.microsoft.com/office/drawing/2010/main" val="0"/>
-              </a:ext>
-            </a:extLst>
-          </a:blip>
-          <a:stretch>
-            <a:fillRect/>
-          </a:stretch>
-        </p:blipFill>
-        <p:spPr>
-          <a:xfrm>
-            <a:off x="672571" y="3113260"/>
-            <a:ext cx="5418666" cy="2017168"/>
-          </a:xfrm>
-          <a:prstGeom prst="rect">
-            <a:avLst/>
-          </a:prstGeom>
-        </p:spPr>
-      </p:pic>
-      <p:pic>
-        <p:nvPicPr>
-          <p:cNvPr id="14" name="Grafik 13" descr="Ein Bild, das Text, Screenshot, Zahl, Schrift enthält.&#10;&#10;Automatisch generierte Beschreibung">
-            <a:extLst>
-              <a:ext uri="{FF2B5EF4-FFF2-40B4-BE49-F238E27FC236}">
-                <a16:creationId xmlns:a16="http://schemas.microsoft.com/office/drawing/2014/main" id="{AD0C4B40-3A25-9945-1063-CD6C22337435}"/>
-              </a:ext>
-            </a:extLst>
-          </p:cNvPr>
-          <p:cNvPicPr>
-            <a:picLocks noChangeAspect="1"/>
-          </p:cNvPicPr>
-          <p:nvPr/>
-        </p:nvPicPr>
-        <p:blipFill>
-          <a:blip r:embed="rId5">
-            <a:extLst>
-              <a:ext uri="{28A0092B-C50C-407E-A947-70E740481C1C}">
-                <a14:useLocalDpi xmlns:a14="http://schemas.microsoft.com/office/drawing/2010/main" val="0"/>
-              </a:ext>
-            </a:extLst>
-          </a:blip>
-          <a:stretch>
-            <a:fillRect/>
-          </a:stretch>
-        </p:blipFill>
-        <p:spPr>
-          <a:xfrm>
-            <a:off x="677333" y="2843978"/>
-            <a:ext cx="5423429" cy="2555731"/>
-          </a:xfrm>
-          <a:prstGeom prst="rect">
-            <a:avLst/>
-          </a:prstGeom>
-        </p:spPr>
-      </p:pic>
     </p:spTree>
     <p:extLst>
       <p:ext uri="{BB962C8B-B14F-4D97-AF65-F5344CB8AC3E}">
